--- a/Prezentacija.pptx
+++ b/Prezentacija.pptx
@@ -17,9 +17,10 @@
     <p:sldId id="269" r:id="rId11"/>
     <p:sldId id="265" r:id="rId12"/>
     <p:sldId id="271" r:id="rId13"/>
-    <p:sldId id="266" r:id="rId14"/>
-    <p:sldId id="267" r:id="rId15"/>
-    <p:sldId id="268" r:id="rId16"/>
+    <p:sldId id="272" r:id="rId14"/>
+    <p:sldId id="266" r:id="rId15"/>
+    <p:sldId id="267" r:id="rId16"/>
+    <p:sldId id="268" r:id="rId17"/>
   </p:sldIdLst>
   <p:sldSz cx="12192000" cy="6858000"/>
   <p:notesSz cx="6858000" cy="9144000"/>
@@ -118,6 +119,11 @@
       </a:defRPr>
     </a:lvl9pPr>
   </p:defaultTextStyle>
+  <p:extLst>
+    <p:ext uri="{EFAFB233-063F-42B5-8137-9DF3F51BA10A}">
+      <p15:sldGuideLst xmlns:p15="http://schemas.microsoft.com/office/powerpoint/2012/main"/>
+    </p:ext>
+  </p:extLst>
 </p:presentation>
 </file>
 
@@ -171,7 +177,7 @@
           <a:noFill/>
           <a:extLst>
             <a:ext uri="{909E8E84-426E-40dd-AFC4-6F175D3DCCD1}">
-              <a14:hiddenFill xmlns:a14="http://schemas.microsoft.com/office/drawing/2010/main" xmlns="">
+              <a14:hiddenFill xmlns="" xmlns:a14="http://schemas.microsoft.com/office/drawing/2010/main">
                 <a:solidFill>
                   <a:srgbClr val="FFFFFF"/>
                 </a:solidFill>
@@ -231,7 +237,7 @@
             </a:ln>
             <a:extLst>
               <a:ext uri="{91240B29-F687-4f45-9708-019B960494DF}">
-                <a14:hiddenLine xmlns:a14="http://schemas.microsoft.com/office/drawing/2010/main" xmlns="" w="9525">
+                <a14:hiddenLine xmlns="" xmlns:a14="http://schemas.microsoft.com/office/drawing/2010/main" w="9525">
                   <a:solidFill>
                     <a:srgbClr val="000000"/>
                   </a:solidFill>
@@ -321,7 +327,7 @@
             </a:ln>
             <a:extLst>
               <a:ext uri="{91240B29-F687-4f45-9708-019B960494DF}">
-                <a14:hiddenLine xmlns:a14="http://schemas.microsoft.com/office/drawing/2010/main" xmlns="" w="9525">
+                <a14:hiddenLine xmlns="" xmlns:a14="http://schemas.microsoft.com/office/drawing/2010/main" w="9525">
                   <a:solidFill>
                     <a:srgbClr val="000000"/>
                   </a:solidFill>
@@ -411,7 +417,7 @@
             </a:ln>
             <a:extLst>
               <a:ext uri="{91240B29-F687-4f45-9708-019B960494DF}">
-                <a14:hiddenLine xmlns:a14="http://schemas.microsoft.com/office/drawing/2010/main" xmlns="" w="9525">
+                <a14:hiddenLine xmlns="" xmlns:a14="http://schemas.microsoft.com/office/drawing/2010/main" w="9525">
                   <a:solidFill>
                     <a:srgbClr val="000000"/>
                   </a:solidFill>
@@ -445,7 +451,7 @@
             </a:ln>
             <a:extLst>
               <a:ext uri="{91240B29-F687-4f45-9708-019B960494DF}">
-                <a14:hiddenLine xmlns:a14="http://schemas.microsoft.com/office/drawing/2010/main" xmlns="" w="9525">
+                <a14:hiddenLine xmlns="" xmlns:a14="http://schemas.microsoft.com/office/drawing/2010/main" w="9525">
                   <a:solidFill>
                     <a:srgbClr val="000000"/>
                   </a:solidFill>
@@ -535,7 +541,7 @@
             </a:ln>
             <a:extLst>
               <a:ext uri="{91240B29-F687-4f45-9708-019B960494DF}">
-                <a14:hiddenLine xmlns:a14="http://schemas.microsoft.com/office/drawing/2010/main" xmlns="" w="9525">
+                <a14:hiddenLine xmlns="" xmlns:a14="http://schemas.microsoft.com/office/drawing/2010/main" w="9525">
                   <a:solidFill>
                     <a:srgbClr val="000000"/>
                   </a:solidFill>
@@ -597,7 +603,7 @@
             </a:ln>
             <a:extLst>
               <a:ext uri="{91240B29-F687-4f45-9708-019B960494DF}">
-                <a14:hiddenLine xmlns:a14="http://schemas.microsoft.com/office/drawing/2010/main" xmlns="" w="9525">
+                <a14:hiddenLine xmlns="" xmlns:a14="http://schemas.microsoft.com/office/drawing/2010/main" w="9525">
                   <a:solidFill>
                     <a:srgbClr val="000000"/>
                   </a:solidFill>
@@ -659,7 +665,7 @@
             </a:ln>
             <a:extLst>
               <a:ext uri="{91240B29-F687-4f45-9708-019B960494DF}">
-                <a14:hiddenLine xmlns:a14="http://schemas.microsoft.com/office/drawing/2010/main" xmlns="" w="9525">
+                <a14:hiddenLine xmlns="" xmlns:a14="http://schemas.microsoft.com/office/drawing/2010/main" w="9525">
                   <a:solidFill>
                     <a:srgbClr val="000000"/>
                   </a:solidFill>
@@ -749,7 +755,7 @@
             </a:ln>
             <a:extLst>
               <a:ext uri="{91240B29-F687-4f45-9708-019B960494DF}">
-                <a14:hiddenLine xmlns:a14="http://schemas.microsoft.com/office/drawing/2010/main" xmlns="" w="9525">
+                <a14:hiddenLine xmlns="" xmlns:a14="http://schemas.microsoft.com/office/drawing/2010/main" w="9525">
                   <a:solidFill>
                     <a:srgbClr val="000000"/>
                   </a:solidFill>
@@ -811,7 +817,7 @@
             </a:ln>
             <a:extLst>
               <a:ext uri="{91240B29-F687-4f45-9708-019B960494DF}">
-                <a14:hiddenLine xmlns:a14="http://schemas.microsoft.com/office/drawing/2010/main" xmlns="" w="9525">
+                <a14:hiddenLine xmlns="" xmlns:a14="http://schemas.microsoft.com/office/drawing/2010/main" w="9525">
                   <a:solidFill>
                     <a:srgbClr val="000000"/>
                   </a:solidFill>
@@ -873,7 +879,7 @@
             </a:ln>
             <a:extLst>
               <a:ext uri="{91240B29-F687-4f45-9708-019B960494DF}">
-                <a14:hiddenLine xmlns:a14="http://schemas.microsoft.com/office/drawing/2010/main" xmlns="" w="9525">
+                <a14:hiddenLine xmlns="" xmlns:a14="http://schemas.microsoft.com/office/drawing/2010/main" w="9525">
                   <a:solidFill>
                     <a:srgbClr val="000000"/>
                   </a:solidFill>
@@ -963,7 +969,7 @@
             </a:ln>
             <a:extLst>
               <a:ext uri="{91240B29-F687-4f45-9708-019B960494DF}">
-                <a14:hiddenLine xmlns:a14="http://schemas.microsoft.com/office/drawing/2010/main" xmlns="" w="9525">
+                <a14:hiddenLine xmlns="" xmlns:a14="http://schemas.microsoft.com/office/drawing/2010/main" w="9525">
                   <a:solidFill>
                     <a:srgbClr val="000000"/>
                   </a:solidFill>
@@ -1053,7 +1059,7 @@
             </a:ln>
             <a:extLst>
               <a:ext uri="{91240B29-F687-4f45-9708-019B960494DF}">
-                <a14:hiddenLine xmlns:a14="http://schemas.microsoft.com/office/drawing/2010/main" xmlns="" w="9525">
+                <a14:hiddenLine xmlns="" xmlns:a14="http://schemas.microsoft.com/office/drawing/2010/main" w="9525">
                   <a:solidFill>
                     <a:srgbClr val="000000"/>
                   </a:solidFill>
@@ -1115,7 +1121,7 @@
             </a:ln>
             <a:extLst>
               <a:ext uri="{91240B29-F687-4f45-9708-019B960494DF}">
-                <a14:hiddenLine xmlns:a14="http://schemas.microsoft.com/office/drawing/2010/main" xmlns="" w="9525">
+                <a14:hiddenLine xmlns="" xmlns:a14="http://schemas.microsoft.com/office/drawing/2010/main" w="9525">
                   <a:solidFill>
                     <a:srgbClr val="000000"/>
                   </a:solidFill>
@@ -1225,7 +1231,7 @@
             </a:ln>
             <a:extLst>
               <a:ext uri="{91240B29-F687-4f45-9708-019B960494DF}">
-                <a14:hiddenLine xmlns:a14="http://schemas.microsoft.com/office/drawing/2010/main" xmlns="" w="9525">
+                <a14:hiddenLine xmlns="" xmlns:a14="http://schemas.microsoft.com/office/drawing/2010/main" w="9525">
                   <a:solidFill>
                     <a:srgbClr val="000000"/>
                   </a:solidFill>
@@ -1287,7 +1293,7 @@
             </a:ln>
             <a:extLst>
               <a:ext uri="{91240B29-F687-4f45-9708-019B960494DF}">
-                <a14:hiddenLine xmlns:a14="http://schemas.microsoft.com/office/drawing/2010/main" xmlns="" w="9525">
+                <a14:hiddenLine xmlns="" xmlns:a14="http://schemas.microsoft.com/office/drawing/2010/main" w="9525">
                   <a:solidFill>
                     <a:srgbClr val="000000"/>
                   </a:solidFill>
@@ -1377,7 +1383,7 @@
             </a:ln>
             <a:extLst>
               <a:ext uri="{91240B29-F687-4f45-9708-019B960494DF}">
-                <a14:hiddenLine xmlns:a14="http://schemas.microsoft.com/office/drawing/2010/main" xmlns="" w="9525">
+                <a14:hiddenLine xmlns="" xmlns:a14="http://schemas.microsoft.com/office/drawing/2010/main" w="9525">
                   <a:solidFill>
                     <a:srgbClr val="000000"/>
                   </a:solidFill>
@@ -1467,7 +1473,7 @@
             </a:ln>
             <a:extLst>
               <a:ext uri="{91240B29-F687-4f45-9708-019B960494DF}">
-                <a14:hiddenLine xmlns:a14="http://schemas.microsoft.com/office/drawing/2010/main" xmlns="" w="9525">
+                <a14:hiddenLine xmlns="" xmlns:a14="http://schemas.microsoft.com/office/drawing/2010/main" w="9525">
                   <a:solidFill>
                     <a:srgbClr val="000000"/>
                   </a:solidFill>
@@ -1529,7 +1535,7 @@
             </a:ln>
             <a:extLst>
               <a:ext uri="{91240B29-F687-4f45-9708-019B960494DF}">
-                <a14:hiddenLine xmlns:a14="http://schemas.microsoft.com/office/drawing/2010/main" xmlns="" w="9525">
+                <a14:hiddenLine xmlns="" xmlns:a14="http://schemas.microsoft.com/office/drawing/2010/main" w="9525">
                   <a:solidFill>
                     <a:srgbClr val="000000"/>
                   </a:solidFill>
@@ -1619,7 +1625,7 @@
             </a:ln>
             <a:extLst>
               <a:ext uri="{91240B29-F687-4f45-9708-019B960494DF}">
-                <a14:hiddenLine xmlns:a14="http://schemas.microsoft.com/office/drawing/2010/main" xmlns="" w="9525">
+                <a14:hiddenLine xmlns="" xmlns:a14="http://schemas.microsoft.com/office/drawing/2010/main" w="9525">
                   <a:solidFill>
                     <a:srgbClr val="000000"/>
                   </a:solidFill>
@@ -1709,7 +1715,7 @@
             </a:ln>
             <a:extLst>
               <a:ext uri="{91240B29-F687-4f45-9708-019B960494DF}">
-                <a14:hiddenLine xmlns:a14="http://schemas.microsoft.com/office/drawing/2010/main" xmlns="" w="9525">
+                <a14:hiddenLine xmlns="" xmlns:a14="http://schemas.microsoft.com/office/drawing/2010/main" w="9525">
                   <a:solidFill>
                     <a:srgbClr val="000000"/>
                   </a:solidFill>
@@ -1765,7 +1771,7 @@
             </a:ln>
             <a:extLst>
               <a:ext uri="{91240B29-F687-4f45-9708-019B960494DF}">
-                <a14:hiddenLine xmlns:a14="http://schemas.microsoft.com/office/drawing/2010/main" xmlns="" w="9525">
+                <a14:hiddenLine xmlns="" xmlns:a14="http://schemas.microsoft.com/office/drawing/2010/main" w="9525">
                   <a:solidFill>
                     <a:srgbClr val="000000"/>
                   </a:solidFill>
@@ -1855,7 +1861,7 @@
             </a:ln>
             <a:extLst>
               <a:ext uri="{91240B29-F687-4f45-9708-019B960494DF}">
-                <a14:hiddenLine xmlns:a14="http://schemas.microsoft.com/office/drawing/2010/main" xmlns="" w="9525">
+                <a14:hiddenLine xmlns="" xmlns:a14="http://schemas.microsoft.com/office/drawing/2010/main" w="9525">
                   <a:solidFill>
                     <a:srgbClr val="000000"/>
                   </a:solidFill>
@@ -1911,7 +1917,7 @@
             </a:ln>
             <a:extLst>
               <a:ext uri="{91240B29-F687-4f45-9708-019B960494DF}">
-                <a14:hiddenLine xmlns:a14="http://schemas.microsoft.com/office/drawing/2010/main" xmlns="" w="9525">
+                <a14:hiddenLine xmlns="" xmlns:a14="http://schemas.microsoft.com/office/drawing/2010/main" w="9525">
                   <a:solidFill>
                     <a:srgbClr val="000000"/>
                   </a:solidFill>
@@ -2001,7 +2007,7 @@
             </a:ln>
             <a:extLst>
               <a:ext uri="{91240B29-F687-4f45-9708-019B960494DF}">
-                <a14:hiddenLine xmlns:a14="http://schemas.microsoft.com/office/drawing/2010/main" xmlns="" w="9525">
+                <a14:hiddenLine xmlns="" xmlns:a14="http://schemas.microsoft.com/office/drawing/2010/main" w="9525">
                   <a:solidFill>
                     <a:srgbClr val="000000"/>
                   </a:solidFill>
@@ -2069,7 +2075,7 @@
             </a:ln>
             <a:extLst>
               <a:ext uri="{91240B29-F687-4f45-9708-019B960494DF}">
-                <a14:hiddenLine xmlns:a14="http://schemas.microsoft.com/office/drawing/2010/main" xmlns="" w="9525">
+                <a14:hiddenLine xmlns="" xmlns:a14="http://schemas.microsoft.com/office/drawing/2010/main" w="9525">
                   <a:solidFill>
                     <a:srgbClr val="000000"/>
                   </a:solidFill>
@@ -2159,7 +2165,7 @@
             </a:ln>
             <a:extLst>
               <a:ext uri="{91240B29-F687-4f45-9708-019B960494DF}">
-                <a14:hiddenLine xmlns:a14="http://schemas.microsoft.com/office/drawing/2010/main" xmlns="" w="9525">
+                <a14:hiddenLine xmlns="" xmlns:a14="http://schemas.microsoft.com/office/drawing/2010/main" w="9525">
                   <a:solidFill>
                     <a:srgbClr val="000000"/>
                   </a:solidFill>
@@ -2227,7 +2233,7 @@
             </a:ln>
             <a:extLst>
               <a:ext uri="{91240B29-F687-4f45-9708-019B960494DF}">
-                <a14:hiddenLine xmlns:a14="http://schemas.microsoft.com/office/drawing/2010/main" xmlns="" w="9525">
+                <a14:hiddenLine xmlns="" xmlns:a14="http://schemas.microsoft.com/office/drawing/2010/main" w="9525">
                   <a:solidFill>
                     <a:srgbClr val="000000"/>
                   </a:solidFill>
@@ -2317,7 +2323,7 @@
             </a:ln>
             <a:extLst>
               <a:ext uri="{91240B29-F687-4f45-9708-019B960494DF}">
-                <a14:hiddenLine xmlns:a14="http://schemas.microsoft.com/office/drawing/2010/main" xmlns="" w="9525">
+                <a14:hiddenLine xmlns="" xmlns:a14="http://schemas.microsoft.com/office/drawing/2010/main" w="9525">
                   <a:solidFill>
                     <a:srgbClr val="000000"/>
                   </a:solidFill>
@@ -2351,7 +2357,7 @@
             </a:ln>
             <a:extLst>
               <a:ext uri="{91240B29-F687-4f45-9708-019B960494DF}">
-                <a14:hiddenLine xmlns:a14="http://schemas.microsoft.com/office/drawing/2010/main" xmlns="" w="9525">
+                <a14:hiddenLine xmlns="" xmlns:a14="http://schemas.microsoft.com/office/drawing/2010/main" w="9525">
                   <a:solidFill>
                     <a:srgbClr val="000000"/>
                   </a:solidFill>
@@ -2441,7 +2447,7 @@
             </a:ln>
             <a:extLst>
               <a:ext uri="{91240B29-F687-4f45-9708-019B960494DF}">
-                <a14:hiddenLine xmlns:a14="http://schemas.microsoft.com/office/drawing/2010/main" xmlns="" w="9525">
+                <a14:hiddenLine xmlns="" xmlns:a14="http://schemas.microsoft.com/office/drawing/2010/main" w="9525">
                   <a:solidFill>
                     <a:srgbClr val="000000"/>
                   </a:solidFill>
@@ -2503,7 +2509,7 @@
             </a:ln>
             <a:extLst>
               <a:ext uri="{91240B29-F687-4f45-9708-019B960494DF}">
-                <a14:hiddenLine xmlns:a14="http://schemas.microsoft.com/office/drawing/2010/main" xmlns="" w="9525">
+                <a14:hiddenLine xmlns="" xmlns:a14="http://schemas.microsoft.com/office/drawing/2010/main" w="9525">
                   <a:solidFill>
                     <a:srgbClr val="000000"/>
                   </a:solidFill>
@@ -2565,7 +2571,7 @@
             </a:ln>
             <a:extLst>
               <a:ext uri="{91240B29-F687-4f45-9708-019B960494DF}">
-                <a14:hiddenLine xmlns:a14="http://schemas.microsoft.com/office/drawing/2010/main" xmlns="" w="9525">
+                <a14:hiddenLine xmlns="" xmlns:a14="http://schemas.microsoft.com/office/drawing/2010/main" w="9525">
                   <a:solidFill>
                     <a:srgbClr val="000000"/>
                   </a:solidFill>
@@ -2655,7 +2661,7 @@
             </a:ln>
             <a:extLst>
               <a:ext uri="{91240B29-F687-4f45-9708-019B960494DF}">
-                <a14:hiddenLine xmlns:a14="http://schemas.microsoft.com/office/drawing/2010/main" xmlns="" w="9525">
+                <a14:hiddenLine xmlns="" xmlns:a14="http://schemas.microsoft.com/office/drawing/2010/main" w="9525">
                   <a:solidFill>
                     <a:srgbClr val="000000"/>
                   </a:solidFill>
@@ -2723,7 +2729,7 @@
             </a:ln>
             <a:extLst>
               <a:ext uri="{91240B29-F687-4f45-9708-019B960494DF}">
-                <a14:hiddenLine xmlns:a14="http://schemas.microsoft.com/office/drawing/2010/main" xmlns="" w="9525">
+                <a14:hiddenLine xmlns="" xmlns:a14="http://schemas.microsoft.com/office/drawing/2010/main" w="9525">
                   <a:solidFill>
                     <a:srgbClr val="000000"/>
                   </a:solidFill>
@@ -2785,7 +2791,7 @@
             </a:ln>
             <a:extLst>
               <a:ext uri="{91240B29-F687-4f45-9708-019B960494DF}">
-                <a14:hiddenLine xmlns:a14="http://schemas.microsoft.com/office/drawing/2010/main" xmlns="" w="9525">
+                <a14:hiddenLine xmlns="" xmlns:a14="http://schemas.microsoft.com/office/drawing/2010/main" w="9525">
                   <a:solidFill>
                     <a:srgbClr val="000000"/>
                   </a:solidFill>
@@ -2875,7 +2881,7 @@
             </a:ln>
             <a:extLst>
               <a:ext uri="{91240B29-F687-4f45-9708-019B960494DF}">
-                <a14:hiddenLine xmlns:a14="http://schemas.microsoft.com/office/drawing/2010/main" xmlns="" w="9525">
+                <a14:hiddenLine xmlns="" xmlns:a14="http://schemas.microsoft.com/office/drawing/2010/main" w="9525">
                   <a:solidFill>
                     <a:srgbClr val="000000"/>
                   </a:solidFill>
@@ -2937,7 +2943,7 @@
             </a:ln>
             <a:extLst>
               <a:ext uri="{91240B29-F687-4f45-9708-019B960494DF}">
-                <a14:hiddenLine xmlns:a14="http://schemas.microsoft.com/office/drawing/2010/main" xmlns="" w="9525">
+                <a14:hiddenLine xmlns="" xmlns:a14="http://schemas.microsoft.com/office/drawing/2010/main" w="9525">
                   <a:solidFill>
                     <a:srgbClr val="000000"/>
                   </a:solidFill>
@@ -3027,7 +3033,7 @@
             </a:ln>
             <a:extLst>
               <a:ext uri="{91240B29-F687-4f45-9708-019B960494DF}">
-                <a14:hiddenLine xmlns:a14="http://schemas.microsoft.com/office/drawing/2010/main" xmlns="" w="9525">
+                <a14:hiddenLine xmlns="" xmlns:a14="http://schemas.microsoft.com/office/drawing/2010/main" w="9525">
                   <a:solidFill>
                     <a:srgbClr val="000000"/>
                   </a:solidFill>
@@ -3089,7 +3095,7 @@
             </a:ln>
             <a:extLst>
               <a:ext uri="{91240B29-F687-4f45-9708-019B960494DF}">
-                <a14:hiddenLine xmlns:a14="http://schemas.microsoft.com/office/drawing/2010/main" xmlns="" w="9525">
+                <a14:hiddenLine xmlns="" xmlns:a14="http://schemas.microsoft.com/office/drawing/2010/main" w="9525">
                   <a:solidFill>
                     <a:srgbClr val="000000"/>
                   </a:solidFill>
@@ -3179,7 +3185,7 @@
             </a:ln>
             <a:extLst>
               <a:ext uri="{91240B29-F687-4f45-9708-019B960494DF}">
-                <a14:hiddenLine xmlns:a14="http://schemas.microsoft.com/office/drawing/2010/main" xmlns="" w="9525">
+                <a14:hiddenLine xmlns="" xmlns:a14="http://schemas.microsoft.com/office/drawing/2010/main" w="9525">
                   <a:solidFill>
                     <a:srgbClr val="000000"/>
                   </a:solidFill>
@@ -3213,7 +3219,7 @@
             </a:ln>
             <a:extLst>
               <a:ext uri="{91240B29-F687-4f45-9708-019B960494DF}">
-                <a14:hiddenLine xmlns:a14="http://schemas.microsoft.com/office/drawing/2010/main" xmlns="" w="9525">
+                <a14:hiddenLine xmlns="" xmlns:a14="http://schemas.microsoft.com/office/drawing/2010/main" w="9525">
                   <a:solidFill>
                     <a:srgbClr val="000000"/>
                   </a:solidFill>
@@ -3278,7 +3284,7 @@
             </a:ln>
             <a:extLst>
               <a:ext uri="{91240B29-F687-4f45-9708-019B960494DF}">
-                <a14:hiddenLine xmlns:a14="http://schemas.microsoft.com/office/drawing/2010/main" xmlns="" w="9525">
+                <a14:hiddenLine xmlns="" xmlns:a14="http://schemas.microsoft.com/office/drawing/2010/main" w="9525">
                   <a:solidFill>
                     <a:srgbClr val="000000"/>
                   </a:solidFill>
@@ -3368,7 +3374,7 @@
             </a:ln>
             <a:extLst>
               <a:ext uri="{91240B29-F687-4f45-9708-019B960494DF}">
-                <a14:hiddenLine xmlns:a14="http://schemas.microsoft.com/office/drawing/2010/main" xmlns="" w="9525">
+                <a14:hiddenLine xmlns="" xmlns:a14="http://schemas.microsoft.com/office/drawing/2010/main" w="9525">
                   <a:solidFill>
                     <a:srgbClr val="000000"/>
                   </a:solidFill>
@@ -3430,7 +3436,7 @@
             </a:ln>
             <a:extLst>
               <a:ext uri="{91240B29-F687-4f45-9708-019B960494DF}">
-                <a14:hiddenLine xmlns:a14="http://schemas.microsoft.com/office/drawing/2010/main" xmlns="" w="9525">
+                <a14:hiddenLine xmlns="" xmlns:a14="http://schemas.microsoft.com/office/drawing/2010/main" w="9525">
                   <a:solidFill>
                     <a:srgbClr val="000000"/>
                   </a:solidFill>
@@ -3520,7 +3526,7 @@
             </a:ln>
             <a:extLst>
               <a:ext uri="{91240B29-F687-4f45-9708-019B960494DF}">
-                <a14:hiddenLine xmlns:a14="http://schemas.microsoft.com/office/drawing/2010/main" xmlns="" w="9525">
+                <a14:hiddenLine xmlns="" xmlns:a14="http://schemas.microsoft.com/office/drawing/2010/main" w="9525">
                   <a:solidFill>
                     <a:srgbClr val="000000"/>
                   </a:solidFill>
@@ -3610,7 +3616,7 @@
             </a:ln>
             <a:extLst>
               <a:ext uri="{91240B29-F687-4f45-9708-019B960494DF}">
-                <a14:hiddenLine xmlns:a14="http://schemas.microsoft.com/office/drawing/2010/main" xmlns="" w="9525">
+                <a14:hiddenLine xmlns="" xmlns:a14="http://schemas.microsoft.com/office/drawing/2010/main" w="9525">
                   <a:solidFill>
                     <a:srgbClr val="000000"/>
                   </a:solidFill>
@@ -3675,7 +3681,7 @@
             </a:ln>
             <a:extLst>
               <a:ext uri="{91240B29-F687-4f45-9708-019B960494DF}">
-                <a14:hiddenLine xmlns:a14="http://schemas.microsoft.com/office/drawing/2010/main" xmlns="" w="9525">
+                <a14:hiddenLine xmlns="" xmlns:a14="http://schemas.microsoft.com/office/drawing/2010/main" w="9525">
                   <a:solidFill>
                     <a:srgbClr val="000000"/>
                   </a:solidFill>
@@ -3737,7 +3743,7 @@
             </a:ln>
             <a:extLst>
               <a:ext uri="{91240B29-F687-4f45-9708-019B960494DF}">
-                <a14:hiddenLine xmlns:a14="http://schemas.microsoft.com/office/drawing/2010/main" xmlns="" w="9525">
+                <a14:hiddenLine xmlns="" xmlns:a14="http://schemas.microsoft.com/office/drawing/2010/main" w="9525">
                   <a:solidFill>
                     <a:srgbClr val="000000"/>
                   </a:solidFill>
@@ -3827,7 +3833,7 @@
             </a:ln>
             <a:extLst>
               <a:ext uri="{91240B29-F687-4f45-9708-019B960494DF}">
-                <a14:hiddenLine xmlns:a14="http://schemas.microsoft.com/office/drawing/2010/main" xmlns="" w="9525">
+                <a14:hiddenLine xmlns="" xmlns:a14="http://schemas.microsoft.com/office/drawing/2010/main" w="9525">
                   <a:solidFill>
                     <a:srgbClr val="000000"/>
                   </a:solidFill>
@@ -3917,7 +3923,7 @@
             </a:ln>
             <a:extLst>
               <a:ext uri="{91240B29-F687-4f45-9708-019B960494DF}">
-                <a14:hiddenLine xmlns:a14="http://schemas.microsoft.com/office/drawing/2010/main" xmlns="" w="9525">
+                <a14:hiddenLine xmlns="" xmlns:a14="http://schemas.microsoft.com/office/drawing/2010/main" w="9525">
                   <a:solidFill>
                     <a:srgbClr val="000000"/>
                   </a:solidFill>
@@ -3979,7 +3985,7 @@
             </a:ln>
             <a:extLst>
               <a:ext uri="{91240B29-F687-4f45-9708-019B960494DF}">
-                <a14:hiddenLine xmlns:a14="http://schemas.microsoft.com/office/drawing/2010/main" xmlns="" w="9525">
+                <a14:hiddenLine xmlns="" xmlns:a14="http://schemas.microsoft.com/office/drawing/2010/main" w="9525">
                   <a:solidFill>
                     <a:srgbClr val="000000"/>
                   </a:solidFill>
@@ -4099,7 +4105,7 @@
             </a:ln>
             <a:extLst>
               <a:ext uri="{91240B29-F687-4f45-9708-019B960494DF}">
-                <a14:hiddenLine xmlns:a14="http://schemas.microsoft.com/office/drawing/2010/main" xmlns="" w="9525">
+                <a14:hiddenLine xmlns="" xmlns:a14="http://schemas.microsoft.com/office/drawing/2010/main" w="9525">
                   <a:solidFill>
                     <a:srgbClr val="000000"/>
                   </a:solidFill>
@@ -4167,7 +4173,7 @@
             </a:ln>
             <a:extLst>
               <a:ext uri="{91240B29-F687-4f45-9708-019B960494DF}">
-                <a14:hiddenLine xmlns:a14="http://schemas.microsoft.com/office/drawing/2010/main" xmlns="" w="9525">
+                <a14:hiddenLine xmlns="" xmlns:a14="http://schemas.microsoft.com/office/drawing/2010/main" w="9525">
                   <a:solidFill>
                     <a:srgbClr val="000000"/>
                   </a:solidFill>
@@ -4257,7 +4263,7 @@
             </a:ln>
             <a:extLst>
               <a:ext uri="{91240B29-F687-4f45-9708-019B960494DF}">
-                <a14:hiddenLine xmlns:a14="http://schemas.microsoft.com/office/drawing/2010/main" xmlns="" w="9525">
+                <a14:hiddenLine xmlns="" xmlns:a14="http://schemas.microsoft.com/office/drawing/2010/main" w="9525">
                   <a:solidFill>
                     <a:srgbClr val="000000"/>
                   </a:solidFill>
@@ -4397,7 +4403,7 @@
           <a:p>
             <a:fld id="{48A87A34-81AB-432B-8DAE-1953F412C126}" type="datetimeFigureOut">
               <a:rPr lang="en-US" dirty="0"/>
-              <a:t>9/26/2017</a:t>
+              <a:t>9/27/2017</a:t>
             </a:fld>
             <a:endParaRPr lang="en-US" dirty="0"/>
           </a:p>
@@ -4460,13 +4466,13 @@
   <p:clrMapOvr>
     <a:masterClrMapping/>
   </p:clrMapOvr>
-  <mc:AlternateContent xmlns:mc="http://schemas.openxmlformats.org/markup-compatibility/2006">
-    <mc:Choice xmlns:p14="http://schemas.microsoft.com/office/powerpoint/2010/main" Requires="p14">
+  <mc:AlternateContent xmlns:mc="http://schemas.openxmlformats.org/markup-compatibility/2006" xmlns:p14="http://schemas.microsoft.com/office/powerpoint/2010/main">
+    <mc:Choice Requires="p14">
       <p:transition spd="slow" p14:dur="800">
         <p:circle/>
       </p:transition>
     </mc:Choice>
-    <mc:Fallback>
+    <mc:Fallback xmlns="">
       <p:transition spd="slow">
         <p:circle/>
       </p:transition>
@@ -4671,7 +4677,7 @@
           <a:p>
             <a:fld id="{48A87A34-81AB-432B-8DAE-1953F412C126}" type="datetimeFigureOut">
               <a:rPr lang="en-US" dirty="0"/>
-              <a:t>9/26/2017</a:t>
+              <a:t>9/27/2017</a:t>
             </a:fld>
             <a:endParaRPr lang="en-US" dirty="0"/>
           </a:p>
@@ -4724,13 +4730,13 @@
   <p:clrMapOvr>
     <a:masterClrMapping/>
   </p:clrMapOvr>
-  <mc:AlternateContent xmlns:mc="http://schemas.openxmlformats.org/markup-compatibility/2006">
-    <mc:Choice xmlns:p14="http://schemas.microsoft.com/office/powerpoint/2010/main" Requires="p14">
+  <mc:AlternateContent xmlns:mc="http://schemas.openxmlformats.org/markup-compatibility/2006" xmlns:p14="http://schemas.microsoft.com/office/powerpoint/2010/main">
+    <mc:Choice Requires="p14">
       <p:transition spd="slow" p14:dur="800">
         <p:circle/>
       </p:transition>
     </mc:Choice>
-    <mc:Fallback>
+    <mc:Fallback xmlns="">
       <p:transition spd="slow">
         <p:circle/>
       </p:transition>
@@ -4874,7 +4880,7 @@
           <a:p>
             <a:fld id="{48A87A34-81AB-432B-8DAE-1953F412C126}" type="datetimeFigureOut">
               <a:rPr lang="en-US" dirty="0"/>
-              <a:t>9/26/2017</a:t>
+              <a:t>9/27/2017</a:t>
             </a:fld>
             <a:endParaRPr lang="en-US" dirty="0"/>
           </a:p>
@@ -4927,13 +4933,13 @@
   <p:clrMapOvr>
     <a:masterClrMapping/>
   </p:clrMapOvr>
-  <mc:AlternateContent xmlns:mc="http://schemas.openxmlformats.org/markup-compatibility/2006">
-    <mc:Choice xmlns:p14="http://schemas.microsoft.com/office/powerpoint/2010/main" Requires="p14">
+  <mc:AlternateContent xmlns:mc="http://schemas.openxmlformats.org/markup-compatibility/2006" xmlns:p14="http://schemas.microsoft.com/office/powerpoint/2010/main">
+    <mc:Choice Requires="p14">
       <p:transition spd="slow" p14:dur="800">
         <p:circle/>
       </p:transition>
     </mc:Choice>
-    <mc:Fallback>
+    <mc:Fallback xmlns="">
       <p:transition spd="slow">
         <p:circle/>
       </p:transition>
@@ -5144,7 +5150,7 @@
           <a:p>
             <a:fld id="{48A87A34-81AB-432B-8DAE-1953F412C126}" type="datetimeFigureOut">
               <a:rPr lang="en-US" dirty="0"/>
-              <a:t>9/26/2017</a:t>
+              <a:t>9/27/2017</a:t>
             </a:fld>
             <a:endParaRPr lang="en-US" dirty="0"/>
           </a:p>
@@ -5435,13 +5441,13 @@
   <p:clrMapOvr>
     <a:masterClrMapping/>
   </p:clrMapOvr>
-  <mc:AlternateContent xmlns:mc="http://schemas.openxmlformats.org/markup-compatibility/2006">
-    <mc:Choice xmlns:p14="http://schemas.microsoft.com/office/powerpoint/2010/main" Requires="p14">
+  <mc:AlternateContent xmlns:mc="http://schemas.openxmlformats.org/markup-compatibility/2006" xmlns:p14="http://schemas.microsoft.com/office/powerpoint/2010/main">
+    <mc:Choice Requires="p14">
       <p:transition spd="slow" p14:dur="800">
         <p:circle/>
       </p:transition>
     </mc:Choice>
-    <mc:Fallback>
+    <mc:Fallback xmlns="">
       <p:transition spd="slow">
         <p:circle/>
       </p:transition>
@@ -5585,7 +5591,7 @@
           <a:p>
             <a:fld id="{48A87A34-81AB-432B-8DAE-1953F412C126}" type="datetimeFigureOut">
               <a:rPr lang="en-US" dirty="0"/>
-              <a:t>9/26/2017</a:t>
+              <a:t>9/27/2017</a:t>
             </a:fld>
             <a:endParaRPr lang="en-US" dirty="0"/>
           </a:p>
@@ -5638,13 +5644,13 @@
   <p:clrMapOvr>
     <a:masterClrMapping/>
   </p:clrMapOvr>
-  <mc:AlternateContent xmlns:mc="http://schemas.openxmlformats.org/markup-compatibility/2006">
-    <mc:Choice xmlns:p14="http://schemas.microsoft.com/office/powerpoint/2010/main" Requires="p14">
+  <mc:AlternateContent xmlns:mc="http://schemas.openxmlformats.org/markup-compatibility/2006" xmlns:p14="http://schemas.microsoft.com/office/powerpoint/2010/main">
+    <mc:Choice Requires="p14">
       <p:transition spd="slow" p14:dur="800">
         <p:circle/>
       </p:transition>
     </mc:Choice>
-    <mc:Fallback>
+    <mc:Fallback xmlns="">
       <p:transition spd="slow">
         <p:circle/>
       </p:transition>
@@ -6138,7 +6144,7 @@
           <a:p>
             <a:fld id="{48A87A34-81AB-432B-8DAE-1953F412C126}" type="datetimeFigureOut">
               <a:rPr lang="en-US" dirty="0"/>
-              <a:t>9/26/2017</a:t>
+              <a:t>9/27/2017</a:t>
             </a:fld>
             <a:endParaRPr lang="en-US" dirty="0"/>
           </a:p>
@@ -6191,13 +6197,13 @@
   <p:clrMapOvr>
     <a:masterClrMapping/>
   </p:clrMapOvr>
-  <mc:AlternateContent xmlns:mc="http://schemas.openxmlformats.org/markup-compatibility/2006">
-    <mc:Choice xmlns:p14="http://schemas.microsoft.com/office/powerpoint/2010/main" Requires="p14">
+  <mc:AlternateContent xmlns:mc="http://schemas.openxmlformats.org/markup-compatibility/2006" xmlns:p14="http://schemas.microsoft.com/office/powerpoint/2010/main">
+    <mc:Choice Requires="p14">
       <p:transition spd="slow" p14:dur="800">
         <p:circle/>
       </p:transition>
     </mc:Choice>
-    <mc:Fallback>
+    <mc:Fallback xmlns="">
       <p:transition spd="slow">
         <p:circle/>
       </p:transition>
@@ -6865,7 +6871,7 @@
           <a:p>
             <a:fld id="{48A87A34-81AB-432B-8DAE-1953F412C126}" type="datetimeFigureOut">
               <a:rPr lang="en-US" dirty="0"/>
-              <a:t>9/26/2017</a:t>
+              <a:t>9/27/2017</a:t>
             </a:fld>
             <a:endParaRPr lang="en-US" dirty="0"/>
           </a:p>
@@ -6918,13 +6924,13 @@
   <p:clrMapOvr>
     <a:masterClrMapping/>
   </p:clrMapOvr>
-  <mc:AlternateContent xmlns:mc="http://schemas.openxmlformats.org/markup-compatibility/2006">
-    <mc:Choice xmlns:p14="http://schemas.microsoft.com/office/powerpoint/2010/main" Requires="p14">
+  <mc:AlternateContent xmlns:mc="http://schemas.openxmlformats.org/markup-compatibility/2006" xmlns:p14="http://schemas.microsoft.com/office/powerpoint/2010/main">
+    <mc:Choice Requires="p14">
       <p:transition spd="slow" p14:dur="800">
         <p:circle/>
       </p:transition>
     </mc:Choice>
-    <mc:Fallback>
+    <mc:Fallback xmlns="">
       <p:transition spd="slow">
         <p:circle/>
       </p:transition>
@@ -7042,7 +7048,7 @@
           <a:p>
             <a:fld id="{48A87A34-81AB-432B-8DAE-1953F412C126}" type="datetimeFigureOut">
               <a:rPr lang="en-US" dirty="0"/>
-              <a:t>9/26/2017</a:t>
+              <a:t>9/27/2017</a:t>
             </a:fld>
             <a:endParaRPr lang="en-US" dirty="0"/>
           </a:p>
@@ -7095,13 +7101,13 @@
   <p:clrMapOvr>
     <a:masterClrMapping/>
   </p:clrMapOvr>
-  <mc:AlternateContent xmlns:mc="http://schemas.openxmlformats.org/markup-compatibility/2006">
-    <mc:Choice xmlns:p14="http://schemas.microsoft.com/office/powerpoint/2010/main" Requires="p14">
+  <mc:AlternateContent xmlns:mc="http://schemas.openxmlformats.org/markup-compatibility/2006" xmlns:p14="http://schemas.microsoft.com/office/powerpoint/2010/main">
+    <mc:Choice Requires="p14">
       <p:transition spd="slow" p14:dur="800">
         <p:circle/>
       </p:transition>
     </mc:Choice>
-    <mc:Fallback>
+    <mc:Fallback xmlns="">
       <p:transition spd="slow">
         <p:circle/>
       </p:transition>
@@ -7229,7 +7235,7 @@
           <a:p>
             <a:fld id="{48A87A34-81AB-432B-8DAE-1953F412C126}" type="datetimeFigureOut">
               <a:rPr lang="en-US" dirty="0"/>
-              <a:t>9/26/2017</a:t>
+              <a:t>9/27/2017</a:t>
             </a:fld>
             <a:endParaRPr lang="en-US" dirty="0"/>
           </a:p>
@@ -7282,13 +7288,13 @@
   <p:clrMapOvr>
     <a:masterClrMapping/>
   </p:clrMapOvr>
-  <mc:AlternateContent xmlns:mc="http://schemas.openxmlformats.org/markup-compatibility/2006">
-    <mc:Choice xmlns:p14="http://schemas.microsoft.com/office/powerpoint/2010/main" Requires="p14">
+  <mc:AlternateContent xmlns:mc="http://schemas.openxmlformats.org/markup-compatibility/2006" xmlns:p14="http://schemas.microsoft.com/office/powerpoint/2010/main">
+    <mc:Choice Requires="p14">
       <p:transition spd="slow" p14:dur="800">
         <p:circle/>
       </p:transition>
     </mc:Choice>
-    <mc:Fallback>
+    <mc:Fallback xmlns="">
       <p:transition spd="slow">
         <p:circle/>
       </p:transition>
@@ -7406,7 +7412,7 @@
           <a:p>
             <a:fld id="{48A87A34-81AB-432B-8DAE-1953F412C126}" type="datetimeFigureOut">
               <a:rPr lang="en-US" dirty="0"/>
-              <a:t>9/26/2017</a:t>
+              <a:t>9/27/2017</a:t>
             </a:fld>
             <a:endParaRPr lang="en-US" dirty="0"/>
           </a:p>
@@ -7459,13 +7465,13 @@
   <p:clrMapOvr>
     <a:masterClrMapping/>
   </p:clrMapOvr>
-  <mc:AlternateContent xmlns:mc="http://schemas.openxmlformats.org/markup-compatibility/2006">
-    <mc:Choice xmlns:p14="http://schemas.microsoft.com/office/powerpoint/2010/main" Requires="p14">
+  <mc:AlternateContent xmlns:mc="http://schemas.openxmlformats.org/markup-compatibility/2006" xmlns:p14="http://schemas.microsoft.com/office/powerpoint/2010/main">
+    <mc:Choice Requires="p14">
       <p:transition spd="slow" p14:dur="800">
         <p:circle/>
       </p:transition>
     </mc:Choice>
-    <mc:Fallback>
+    <mc:Fallback xmlns="">
       <p:transition spd="slow">
         <p:circle/>
       </p:transition>
@@ -7663,7 +7669,7 @@
           <a:p>
             <a:fld id="{48A87A34-81AB-432B-8DAE-1953F412C126}" type="datetimeFigureOut">
               <a:rPr lang="en-US" dirty="0"/>
-              <a:t>9/26/2017</a:t>
+              <a:t>9/27/2017</a:t>
             </a:fld>
             <a:endParaRPr lang="en-US" dirty="0"/>
           </a:p>
@@ -7716,13 +7722,13 @@
   <p:clrMapOvr>
     <a:masterClrMapping/>
   </p:clrMapOvr>
-  <mc:AlternateContent xmlns:mc="http://schemas.openxmlformats.org/markup-compatibility/2006">
-    <mc:Choice xmlns:p14="http://schemas.microsoft.com/office/powerpoint/2010/main" Requires="p14">
+  <mc:AlternateContent xmlns:mc="http://schemas.openxmlformats.org/markup-compatibility/2006" xmlns:p14="http://schemas.microsoft.com/office/powerpoint/2010/main">
+    <mc:Choice Requires="p14">
       <p:transition spd="slow" p14:dur="800">
         <p:circle/>
       </p:transition>
     </mc:Choice>
-    <mc:Fallback>
+    <mc:Fallback xmlns="">
       <p:transition spd="slow">
         <p:circle/>
       </p:transition>
@@ -7902,7 +7908,7 @@
           <a:p>
             <a:fld id="{48A87A34-81AB-432B-8DAE-1953F412C126}" type="datetimeFigureOut">
               <a:rPr lang="en-US" dirty="0"/>
-              <a:t>9/26/2017</a:t>
+              <a:t>9/27/2017</a:t>
             </a:fld>
             <a:endParaRPr lang="en-US" dirty="0"/>
           </a:p>
@@ -7955,13 +7961,13 @@
   <p:clrMapOvr>
     <a:masterClrMapping/>
   </p:clrMapOvr>
-  <mc:AlternateContent xmlns:mc="http://schemas.openxmlformats.org/markup-compatibility/2006">
-    <mc:Choice xmlns:p14="http://schemas.microsoft.com/office/powerpoint/2010/main" Requires="p14">
+  <mc:AlternateContent xmlns:mc="http://schemas.openxmlformats.org/markup-compatibility/2006" xmlns:p14="http://schemas.microsoft.com/office/powerpoint/2010/main">
+    <mc:Choice Requires="p14">
       <p:transition spd="slow" p14:dur="800">
         <p:circle/>
       </p:transition>
     </mc:Choice>
-    <mc:Fallback>
+    <mc:Fallback xmlns="">
       <p:transition spd="slow">
         <p:circle/>
       </p:transition>
@@ -8290,7 +8296,7 @@
           <a:p>
             <a:fld id="{48A87A34-81AB-432B-8DAE-1953F412C126}" type="datetimeFigureOut">
               <a:rPr lang="en-US" dirty="0"/>
-              <a:t>9/26/2017</a:t>
+              <a:t>9/27/2017</a:t>
             </a:fld>
             <a:endParaRPr lang="en-US" dirty="0"/>
           </a:p>
@@ -8343,13 +8349,13 @@
   <p:clrMapOvr>
     <a:masterClrMapping/>
   </p:clrMapOvr>
-  <mc:AlternateContent xmlns:mc="http://schemas.openxmlformats.org/markup-compatibility/2006">
-    <mc:Choice xmlns:p14="http://schemas.microsoft.com/office/powerpoint/2010/main" Requires="p14">
+  <mc:AlternateContent xmlns:mc="http://schemas.openxmlformats.org/markup-compatibility/2006" xmlns:p14="http://schemas.microsoft.com/office/powerpoint/2010/main">
+    <mc:Choice Requires="p14">
       <p:transition spd="slow" p14:dur="800">
         <p:circle/>
       </p:transition>
     </mc:Choice>
-    <mc:Fallback>
+    <mc:Fallback xmlns="">
       <p:transition spd="slow">
         <p:circle/>
       </p:transition>
@@ -8415,7 +8421,7 @@
           <a:p>
             <a:fld id="{48A87A34-81AB-432B-8DAE-1953F412C126}" type="datetimeFigureOut">
               <a:rPr lang="en-US" dirty="0"/>
-              <a:t>9/26/2017</a:t>
+              <a:t>9/27/2017</a:t>
             </a:fld>
             <a:endParaRPr lang="en-US" dirty="0"/>
           </a:p>
@@ -8468,13 +8474,13 @@
   <p:clrMapOvr>
     <a:masterClrMapping/>
   </p:clrMapOvr>
-  <mc:AlternateContent xmlns:mc="http://schemas.openxmlformats.org/markup-compatibility/2006">
-    <mc:Choice xmlns:p14="http://schemas.microsoft.com/office/powerpoint/2010/main" Requires="p14">
+  <mc:AlternateContent xmlns:mc="http://schemas.openxmlformats.org/markup-compatibility/2006" xmlns:p14="http://schemas.microsoft.com/office/powerpoint/2010/main">
+    <mc:Choice Requires="p14">
       <p:transition spd="slow" p14:dur="800">
         <p:circle/>
       </p:transition>
     </mc:Choice>
-    <mc:Fallback>
+    <mc:Fallback xmlns="">
       <p:transition spd="slow">
         <p:circle/>
       </p:transition>
@@ -8517,7 +8523,7 @@
           <a:p>
             <a:fld id="{48A87A34-81AB-432B-8DAE-1953F412C126}" type="datetimeFigureOut">
               <a:rPr lang="en-US" dirty="0"/>
-              <a:t>9/26/2017</a:t>
+              <a:t>9/27/2017</a:t>
             </a:fld>
             <a:endParaRPr lang="en-US" dirty="0"/>
           </a:p>
@@ -8570,13 +8576,13 @@
   <p:clrMapOvr>
     <a:masterClrMapping/>
   </p:clrMapOvr>
-  <mc:AlternateContent xmlns:mc="http://schemas.openxmlformats.org/markup-compatibility/2006">
-    <mc:Choice xmlns:p14="http://schemas.microsoft.com/office/powerpoint/2010/main" Requires="p14">
+  <mc:AlternateContent xmlns:mc="http://schemas.openxmlformats.org/markup-compatibility/2006" xmlns:p14="http://schemas.microsoft.com/office/powerpoint/2010/main">
+    <mc:Choice Requires="p14">
       <p:transition spd="slow" p14:dur="800">
         <p:circle/>
       </p:transition>
     </mc:Choice>
-    <mc:Fallback>
+    <mc:Fallback xmlns="">
       <p:transition spd="slow">
         <p:circle/>
       </p:transition>
@@ -8773,7 +8779,7 @@
           <a:p>
             <a:fld id="{48A87A34-81AB-432B-8DAE-1953F412C126}" type="datetimeFigureOut">
               <a:rPr lang="en-US" dirty="0"/>
-              <a:t>9/26/2017</a:t>
+              <a:t>9/27/2017</a:t>
             </a:fld>
             <a:endParaRPr lang="en-US" dirty="0"/>
           </a:p>
@@ -8826,13 +8832,13 @@
   <p:clrMapOvr>
     <a:masterClrMapping/>
   </p:clrMapOvr>
-  <mc:AlternateContent xmlns:mc="http://schemas.openxmlformats.org/markup-compatibility/2006">
-    <mc:Choice xmlns:p14="http://schemas.microsoft.com/office/powerpoint/2010/main" Requires="p14">
+  <mc:AlternateContent xmlns:mc="http://schemas.openxmlformats.org/markup-compatibility/2006" xmlns:p14="http://schemas.microsoft.com/office/powerpoint/2010/main">
+    <mc:Choice Requires="p14">
       <p:transition spd="slow" p14:dur="800">
         <p:circle/>
       </p:transition>
     </mc:Choice>
-    <mc:Fallback>
+    <mc:Fallback xmlns="">
       <p:transition spd="slow">
         <p:circle/>
       </p:transition>
@@ -9060,7 +9066,7 @@
           <a:p>
             <a:fld id="{48A87A34-81AB-432B-8DAE-1953F412C126}" type="datetimeFigureOut">
               <a:rPr lang="en-US" dirty="0"/>
-              <a:t>9/26/2017</a:t>
+              <a:t>9/27/2017</a:t>
             </a:fld>
             <a:endParaRPr lang="en-US" dirty="0"/>
           </a:p>
@@ -9113,13 +9119,13 @@
   <p:clrMapOvr>
     <a:masterClrMapping/>
   </p:clrMapOvr>
-  <mc:AlternateContent xmlns:mc="http://schemas.openxmlformats.org/markup-compatibility/2006">
-    <mc:Choice xmlns:p14="http://schemas.microsoft.com/office/powerpoint/2010/main" Requires="p14">
+  <mc:AlternateContent xmlns:mc="http://schemas.openxmlformats.org/markup-compatibility/2006" xmlns:p14="http://schemas.microsoft.com/office/powerpoint/2010/main">
+    <mc:Choice Requires="p14">
       <p:transition spd="slow" p14:dur="800">
         <p:circle/>
       </p:transition>
     </mc:Choice>
-    <mc:Fallback>
+    <mc:Fallback xmlns="">
       <p:transition spd="slow">
         <p:circle/>
       </p:transition>
@@ -9183,7 +9189,7 @@
           <a:noFill/>
           <a:extLst>
             <a:ext uri="{909E8E84-426E-40dd-AFC4-6F175D3DCCD1}">
-              <a14:hiddenFill xmlns:a14="http://schemas.microsoft.com/office/drawing/2010/main" xmlns="">
+              <a14:hiddenFill xmlns="" xmlns:a14="http://schemas.microsoft.com/office/drawing/2010/main">
                 <a:solidFill>
                   <a:srgbClr val="FFFFFF"/>
                 </a:solidFill>
@@ -9257,7 +9263,7 @@
               </a:ln>
               <a:extLst>
                 <a:ext uri="{91240B29-F687-4f45-9708-019B960494DF}">
-                  <a14:hiddenLine xmlns:a14="http://schemas.microsoft.com/office/drawing/2010/main" xmlns="" w="9525">
+                  <a14:hiddenLine xmlns="" xmlns:a14="http://schemas.microsoft.com/office/drawing/2010/main" w="9525">
                     <a:solidFill>
                       <a:srgbClr val="000000"/>
                     </a:solidFill>
@@ -9347,7 +9353,7 @@
               </a:ln>
               <a:extLst>
                 <a:ext uri="{91240B29-F687-4f45-9708-019B960494DF}">
-                  <a14:hiddenLine xmlns:a14="http://schemas.microsoft.com/office/drawing/2010/main" xmlns="" w="9525">
+                  <a14:hiddenLine xmlns="" xmlns:a14="http://schemas.microsoft.com/office/drawing/2010/main" w="9525">
                     <a:solidFill>
                       <a:srgbClr val="000000"/>
                     </a:solidFill>
@@ -9437,7 +9443,7 @@
               </a:ln>
               <a:extLst>
                 <a:ext uri="{91240B29-F687-4f45-9708-019B960494DF}">
-                  <a14:hiddenLine xmlns:a14="http://schemas.microsoft.com/office/drawing/2010/main" xmlns="" w="9525">
+                  <a14:hiddenLine xmlns="" xmlns:a14="http://schemas.microsoft.com/office/drawing/2010/main" w="9525">
                     <a:solidFill>
                       <a:srgbClr val="000000"/>
                     </a:solidFill>
@@ -9499,7 +9505,7 @@
               </a:ln>
               <a:extLst>
                 <a:ext uri="{91240B29-F687-4f45-9708-019B960494DF}">
-                  <a14:hiddenLine xmlns:a14="http://schemas.microsoft.com/office/drawing/2010/main" xmlns="" w="9525">
+                  <a14:hiddenLine xmlns="" xmlns:a14="http://schemas.microsoft.com/office/drawing/2010/main" w="9525">
                     <a:solidFill>
                       <a:srgbClr val="000000"/>
                     </a:solidFill>
@@ -9589,7 +9595,7 @@
               </a:ln>
               <a:extLst>
                 <a:ext uri="{91240B29-F687-4f45-9708-019B960494DF}">
-                  <a14:hiddenLine xmlns:a14="http://schemas.microsoft.com/office/drawing/2010/main" xmlns="" w="9525">
+                  <a14:hiddenLine xmlns="" xmlns:a14="http://schemas.microsoft.com/office/drawing/2010/main" w="9525">
                     <a:solidFill>
                       <a:srgbClr val="000000"/>
                     </a:solidFill>
@@ -9651,7 +9657,7 @@
               </a:ln>
               <a:extLst>
                 <a:ext uri="{91240B29-F687-4f45-9708-019B960494DF}">
-                  <a14:hiddenLine xmlns:a14="http://schemas.microsoft.com/office/drawing/2010/main" xmlns="" w="9525">
+                  <a14:hiddenLine xmlns="" xmlns:a14="http://schemas.microsoft.com/office/drawing/2010/main" w="9525">
                     <a:solidFill>
                       <a:srgbClr val="000000"/>
                     </a:solidFill>
@@ -9713,7 +9719,7 @@
               </a:ln>
               <a:extLst>
                 <a:ext uri="{91240B29-F687-4f45-9708-019B960494DF}">
-                  <a14:hiddenLine xmlns:a14="http://schemas.microsoft.com/office/drawing/2010/main" xmlns="" w="9525">
+                  <a14:hiddenLine xmlns="" xmlns:a14="http://schemas.microsoft.com/office/drawing/2010/main" w="9525">
                     <a:solidFill>
                       <a:srgbClr val="000000"/>
                     </a:solidFill>
@@ -9803,7 +9809,7 @@
               </a:ln>
               <a:extLst>
                 <a:ext uri="{91240B29-F687-4f45-9708-019B960494DF}">
-                  <a14:hiddenLine xmlns:a14="http://schemas.microsoft.com/office/drawing/2010/main" xmlns="" w="9525">
+                  <a14:hiddenLine xmlns="" xmlns:a14="http://schemas.microsoft.com/office/drawing/2010/main" w="9525">
                     <a:solidFill>
                       <a:srgbClr val="000000"/>
                     </a:solidFill>
@@ -9893,7 +9899,7 @@
               </a:ln>
               <a:extLst>
                 <a:ext uri="{91240B29-F687-4f45-9708-019B960494DF}">
-                  <a14:hiddenLine xmlns:a14="http://schemas.microsoft.com/office/drawing/2010/main" xmlns="" w="9525">
+                  <a14:hiddenLine xmlns="" xmlns:a14="http://schemas.microsoft.com/office/drawing/2010/main" w="9525">
                     <a:solidFill>
                       <a:srgbClr val="000000"/>
                     </a:solidFill>
@@ -9955,7 +9961,7 @@
               </a:ln>
               <a:extLst>
                 <a:ext uri="{91240B29-F687-4f45-9708-019B960494DF}">
-                  <a14:hiddenLine xmlns:a14="http://schemas.microsoft.com/office/drawing/2010/main" xmlns="" w="9525">
+                  <a14:hiddenLine xmlns="" xmlns:a14="http://schemas.microsoft.com/office/drawing/2010/main" w="9525">
                     <a:solidFill>
                       <a:srgbClr val="000000"/>
                     </a:solidFill>
@@ -10065,7 +10071,7 @@
               </a:ln>
               <a:extLst>
                 <a:ext uri="{91240B29-F687-4f45-9708-019B960494DF}">
-                  <a14:hiddenLine xmlns:a14="http://schemas.microsoft.com/office/drawing/2010/main" xmlns="" w="9525">
+                  <a14:hiddenLine xmlns="" xmlns:a14="http://schemas.microsoft.com/office/drawing/2010/main" w="9525">
                     <a:solidFill>
                       <a:srgbClr val="000000"/>
                     </a:solidFill>
@@ -10149,7 +10155,7 @@
               </a:ln>
               <a:extLst>
                 <a:ext uri="{91240B29-F687-4f45-9708-019B960494DF}">
-                  <a14:hiddenLine xmlns:a14="http://schemas.microsoft.com/office/drawing/2010/main" xmlns="" w="9525">
+                  <a14:hiddenLine xmlns="" xmlns:a14="http://schemas.microsoft.com/office/drawing/2010/main" w="9525">
                     <a:solidFill>
                       <a:srgbClr val="000000"/>
                     </a:solidFill>
@@ -10211,7 +10217,7 @@
               </a:ln>
               <a:extLst>
                 <a:ext uri="{91240B29-F687-4f45-9708-019B960494DF}">
-                  <a14:hiddenLine xmlns:a14="http://schemas.microsoft.com/office/drawing/2010/main" xmlns="" w="9525">
+                  <a14:hiddenLine xmlns="" xmlns:a14="http://schemas.microsoft.com/office/drawing/2010/main" w="9525">
                     <a:solidFill>
                       <a:srgbClr val="000000"/>
                     </a:solidFill>
@@ -10273,7 +10279,7 @@
               </a:ln>
               <a:extLst>
                 <a:ext uri="{91240B29-F687-4f45-9708-019B960494DF}">
-                  <a14:hiddenLine xmlns:a14="http://schemas.microsoft.com/office/drawing/2010/main" xmlns="" w="9525">
+                  <a14:hiddenLine xmlns="" xmlns:a14="http://schemas.microsoft.com/office/drawing/2010/main" w="9525">
                     <a:solidFill>
                       <a:srgbClr val="000000"/>
                     </a:solidFill>
@@ -10363,7 +10369,7 @@
               </a:ln>
               <a:extLst>
                 <a:ext uri="{91240B29-F687-4f45-9708-019B960494DF}">
-                  <a14:hiddenLine xmlns:a14="http://schemas.microsoft.com/office/drawing/2010/main" xmlns="" w="9525">
+                  <a14:hiddenLine xmlns="" xmlns:a14="http://schemas.microsoft.com/office/drawing/2010/main" w="9525">
                     <a:solidFill>
                       <a:srgbClr val="000000"/>
                     </a:solidFill>
@@ -10397,7 +10403,7 @@
               </a:ln>
               <a:extLst>
                 <a:ext uri="{91240B29-F687-4f45-9708-019B960494DF}">
-                  <a14:hiddenLine xmlns:a14="http://schemas.microsoft.com/office/drawing/2010/main" xmlns="" w="9525">
+                  <a14:hiddenLine xmlns="" xmlns:a14="http://schemas.microsoft.com/office/drawing/2010/main" w="9525">
                     <a:solidFill>
                       <a:srgbClr val="000000"/>
                     </a:solidFill>
@@ -10462,7 +10468,7 @@
               </a:ln>
               <a:extLst>
                 <a:ext uri="{91240B29-F687-4f45-9708-019B960494DF}">
-                  <a14:hiddenLine xmlns:a14="http://schemas.microsoft.com/office/drawing/2010/main" xmlns="" w="9525">
+                  <a14:hiddenLine xmlns="" xmlns:a14="http://schemas.microsoft.com/office/drawing/2010/main" w="9525">
                     <a:solidFill>
                       <a:srgbClr val="000000"/>
                     </a:solidFill>
@@ -10552,7 +10558,7 @@
               </a:ln>
               <a:extLst>
                 <a:ext uri="{91240B29-F687-4f45-9708-019B960494DF}">
-                  <a14:hiddenLine xmlns:a14="http://schemas.microsoft.com/office/drawing/2010/main" xmlns="" w="9525">
+                  <a14:hiddenLine xmlns="" xmlns:a14="http://schemas.microsoft.com/office/drawing/2010/main" w="9525">
                     <a:solidFill>
                       <a:srgbClr val="000000"/>
                     </a:solidFill>
@@ -10614,7 +10620,7 @@
               </a:ln>
               <a:extLst>
                 <a:ext uri="{91240B29-F687-4f45-9708-019B960494DF}">
-                  <a14:hiddenLine xmlns:a14="http://schemas.microsoft.com/office/drawing/2010/main" xmlns="" w="9525">
+                  <a14:hiddenLine xmlns="" xmlns:a14="http://schemas.microsoft.com/office/drawing/2010/main" w="9525">
                     <a:solidFill>
                       <a:srgbClr val="000000"/>
                     </a:solidFill>
@@ -10704,7 +10710,7 @@
               </a:ln>
               <a:extLst>
                 <a:ext uri="{91240B29-F687-4f45-9708-019B960494DF}">
-                  <a14:hiddenLine xmlns:a14="http://schemas.microsoft.com/office/drawing/2010/main" xmlns="" w="9525">
+                  <a14:hiddenLine xmlns="" xmlns:a14="http://schemas.microsoft.com/office/drawing/2010/main" w="9525">
                     <a:solidFill>
                       <a:srgbClr val="000000"/>
                     </a:solidFill>
@@ -10769,7 +10775,7 @@
               </a:ln>
               <a:extLst>
                 <a:ext uri="{91240B29-F687-4f45-9708-019B960494DF}">
-                  <a14:hiddenLine xmlns:a14="http://schemas.microsoft.com/office/drawing/2010/main" xmlns="" w="9525">
+                  <a14:hiddenLine xmlns="" xmlns:a14="http://schemas.microsoft.com/office/drawing/2010/main" w="9525">
                     <a:solidFill>
                       <a:srgbClr val="000000"/>
                     </a:solidFill>
@@ -10831,7 +10837,7 @@
               </a:ln>
               <a:extLst>
                 <a:ext uri="{91240B29-F687-4f45-9708-019B960494DF}">
-                  <a14:hiddenLine xmlns:a14="http://schemas.microsoft.com/office/drawing/2010/main" xmlns="" w="9525">
+                  <a14:hiddenLine xmlns="" xmlns:a14="http://schemas.microsoft.com/office/drawing/2010/main" w="9525">
                     <a:solidFill>
                       <a:srgbClr val="000000"/>
                     </a:solidFill>
@@ -10921,7 +10927,7 @@
               </a:ln>
               <a:extLst>
                 <a:ext uri="{91240B29-F687-4f45-9708-019B960494DF}">
-                  <a14:hiddenLine xmlns:a14="http://schemas.microsoft.com/office/drawing/2010/main" xmlns="" w="9525">
+                  <a14:hiddenLine xmlns="" xmlns:a14="http://schemas.microsoft.com/office/drawing/2010/main" w="9525">
                     <a:solidFill>
                       <a:srgbClr val="000000"/>
                     </a:solidFill>
@@ -11011,7 +11017,7 @@
               </a:ln>
               <a:extLst>
                 <a:ext uri="{91240B29-F687-4f45-9708-019B960494DF}">
-                  <a14:hiddenLine xmlns:a14="http://schemas.microsoft.com/office/drawing/2010/main" xmlns="" w="9525">
+                  <a14:hiddenLine xmlns="" xmlns:a14="http://schemas.microsoft.com/office/drawing/2010/main" w="9525">
                     <a:solidFill>
                       <a:srgbClr val="000000"/>
                     </a:solidFill>
@@ -11076,7 +11082,7 @@
               </a:ln>
               <a:extLst>
                 <a:ext uri="{91240B29-F687-4f45-9708-019B960494DF}">
-                  <a14:hiddenLine xmlns:a14="http://schemas.microsoft.com/office/drawing/2010/main" xmlns="" w="9525">
+                  <a14:hiddenLine xmlns="" xmlns:a14="http://schemas.microsoft.com/office/drawing/2010/main" w="9525">
                     <a:solidFill>
                       <a:srgbClr val="000000"/>
                     </a:solidFill>
@@ -11196,7 +11202,7 @@
               </a:ln>
               <a:extLst>
                 <a:ext uri="{91240B29-F687-4f45-9708-019B960494DF}">
-                  <a14:hiddenLine xmlns:a14="http://schemas.microsoft.com/office/drawing/2010/main" xmlns="" w="9525">
+                  <a14:hiddenLine xmlns="" xmlns:a14="http://schemas.microsoft.com/office/drawing/2010/main" w="9525">
                     <a:solidFill>
                       <a:srgbClr val="000000"/>
                     </a:solidFill>
@@ -11294,7 +11300,7 @@
               </a:ln>
               <a:extLst>
                 <a:ext uri="{91240B29-F687-4f45-9708-019B960494DF}">
-                  <a14:hiddenLine xmlns:a14="http://schemas.microsoft.com/office/drawing/2010/main" xmlns="" w="9525">
+                  <a14:hiddenLine xmlns="" xmlns:a14="http://schemas.microsoft.com/office/drawing/2010/main" w="9525">
                     <a:solidFill>
                       <a:srgbClr val="000000"/>
                     </a:solidFill>
@@ -11409,7 +11415,7 @@
               </a:ln>
               <a:extLst>
                 <a:ext uri="{91240B29-F687-4f45-9708-019B960494DF}">
-                  <a14:hiddenLine xmlns:a14="http://schemas.microsoft.com/office/drawing/2010/main" xmlns="" w="9525">
+                  <a14:hiddenLine xmlns="" xmlns:a14="http://schemas.microsoft.com/office/drawing/2010/main" w="9525">
                     <a:solidFill>
                       <a:srgbClr val="000000"/>
                     </a:solidFill>
@@ -11499,7 +11505,7 @@
               </a:ln>
               <a:extLst>
                 <a:ext uri="{91240B29-F687-4f45-9708-019B960494DF}">
-                  <a14:hiddenLine xmlns:a14="http://schemas.microsoft.com/office/drawing/2010/main" xmlns="" w="9525">
+                  <a14:hiddenLine xmlns="" xmlns:a14="http://schemas.microsoft.com/office/drawing/2010/main" w="9525">
                     <a:solidFill>
                       <a:srgbClr val="000000"/>
                     </a:solidFill>
@@ -11564,7 +11570,7 @@
               </a:ln>
               <a:extLst>
                 <a:ext uri="{91240B29-F687-4f45-9708-019B960494DF}">
-                  <a14:hiddenLine xmlns:a14="http://schemas.microsoft.com/office/drawing/2010/main" xmlns="" w="9525">
+                  <a14:hiddenLine xmlns="" xmlns:a14="http://schemas.microsoft.com/office/drawing/2010/main" w="9525">
                     <a:solidFill>
                       <a:srgbClr val="000000"/>
                     </a:solidFill>
@@ -11654,7 +11660,7 @@
               </a:ln>
               <a:extLst>
                 <a:ext uri="{91240B29-F687-4f45-9708-019B960494DF}">
-                  <a14:hiddenLine xmlns:a14="http://schemas.microsoft.com/office/drawing/2010/main" xmlns="" w="9525">
+                  <a14:hiddenLine xmlns="" xmlns:a14="http://schemas.microsoft.com/office/drawing/2010/main" w="9525">
                     <a:solidFill>
                       <a:srgbClr val="000000"/>
                     </a:solidFill>
@@ -11722,7 +11728,7 @@
               </a:ln>
               <a:extLst>
                 <a:ext uri="{91240B29-F687-4f45-9708-019B960494DF}">
-                  <a14:hiddenLine xmlns:a14="http://schemas.microsoft.com/office/drawing/2010/main" xmlns="" w="9525">
+                  <a14:hiddenLine xmlns="" xmlns:a14="http://schemas.microsoft.com/office/drawing/2010/main" w="9525">
                     <a:solidFill>
                       <a:srgbClr val="000000"/>
                     </a:solidFill>
@@ -11812,7 +11818,7 @@
               </a:ln>
               <a:extLst>
                 <a:ext uri="{91240B29-F687-4f45-9708-019B960494DF}">
-                  <a14:hiddenLine xmlns:a14="http://schemas.microsoft.com/office/drawing/2010/main" xmlns="" w="9525">
+                  <a14:hiddenLine xmlns="" xmlns:a14="http://schemas.microsoft.com/office/drawing/2010/main" w="9525">
                     <a:solidFill>
                       <a:srgbClr val="000000"/>
                     </a:solidFill>
@@ -11880,7 +11886,7 @@
               </a:ln>
               <a:extLst>
                 <a:ext uri="{91240B29-F687-4f45-9708-019B960494DF}">
-                  <a14:hiddenLine xmlns:a14="http://schemas.microsoft.com/office/drawing/2010/main" xmlns="" w="9525">
+                  <a14:hiddenLine xmlns="" xmlns:a14="http://schemas.microsoft.com/office/drawing/2010/main" w="9525">
                     <a:solidFill>
                       <a:srgbClr val="000000"/>
                     </a:solidFill>
@@ -11970,7 +11976,7 @@
               </a:ln>
               <a:extLst>
                 <a:ext uri="{91240B29-F687-4f45-9708-019B960494DF}">
-                  <a14:hiddenLine xmlns:a14="http://schemas.microsoft.com/office/drawing/2010/main" xmlns="" w="9525">
+                  <a14:hiddenLine xmlns="" xmlns:a14="http://schemas.microsoft.com/office/drawing/2010/main" w="9525">
                     <a:solidFill>
                       <a:srgbClr val="000000"/>
                     </a:solidFill>
@@ -12004,7 +12010,7 @@
               </a:ln>
               <a:extLst>
                 <a:ext uri="{91240B29-F687-4f45-9708-019B960494DF}">
-                  <a14:hiddenLine xmlns:a14="http://schemas.microsoft.com/office/drawing/2010/main" xmlns="" w="9525">
+                  <a14:hiddenLine xmlns="" xmlns:a14="http://schemas.microsoft.com/office/drawing/2010/main" w="9525">
                     <a:solidFill>
                       <a:srgbClr val="000000"/>
                     </a:solidFill>
@@ -12145,7 +12151,7 @@
             <a:fld id="{48A87A34-81AB-432B-8DAE-1953F412C126}" type="datetimeFigureOut">
               <a:rPr lang="en-US" dirty="0"/>
               <a:pPr/>
-              <a:t>9/26/2017</a:t>
+              <a:t>9/27/2017</a:t>
             </a:fld>
             <a:endParaRPr lang="en-US" dirty="0"/>
           </a:p>
@@ -12252,13 +12258,13 @@
     <p:sldLayoutId id="2147483658" r:id="rId16"/>
     <p:sldLayoutId id="2147483659" r:id="rId17"/>
   </p:sldLayoutIdLst>
-  <mc:AlternateContent xmlns:mc="http://schemas.openxmlformats.org/markup-compatibility/2006">
-    <mc:Choice xmlns:p14="http://schemas.microsoft.com/office/powerpoint/2010/main" Requires="p14">
+  <mc:AlternateContent xmlns:mc="http://schemas.openxmlformats.org/markup-compatibility/2006" xmlns:p14="http://schemas.microsoft.com/office/powerpoint/2010/main">
+    <mc:Choice Requires="p14">
       <p:transition spd="slow" p14:dur="800">
         <p:circle/>
       </p:transition>
     </mc:Choice>
-    <mc:Fallback>
+    <mc:Fallback xmlns="">
       <p:transition spd="slow">
         <p:circle/>
       </p:transition>
@@ -12781,13 +12787,13 @@
   <p:clrMapOvr>
     <a:masterClrMapping/>
   </p:clrMapOvr>
-  <mc:AlternateContent xmlns:mc="http://schemas.openxmlformats.org/markup-compatibility/2006">
-    <mc:Choice xmlns:p14="http://schemas.microsoft.com/office/powerpoint/2010/main" Requires="p14">
+  <mc:AlternateContent xmlns:mc="http://schemas.openxmlformats.org/markup-compatibility/2006" xmlns:p14="http://schemas.microsoft.com/office/powerpoint/2010/main">
+    <mc:Choice Requires="p14">
       <p:transition spd="slow" p14:dur="800">
         <p:circle/>
       </p:transition>
     </mc:Choice>
-    <mc:Fallback>
+    <mc:Fallback xmlns="">
       <p:transition spd="slow">
         <p:circle/>
       </p:transition>
@@ -12989,13 +12995,13 @@
   <p:clrMapOvr>
     <a:masterClrMapping/>
   </p:clrMapOvr>
-  <mc:AlternateContent xmlns:mc="http://schemas.openxmlformats.org/markup-compatibility/2006">
-    <mc:Choice xmlns:p14="http://schemas.microsoft.com/office/powerpoint/2010/main" Requires="p14">
+  <mc:AlternateContent xmlns:mc="http://schemas.openxmlformats.org/markup-compatibility/2006" xmlns:p14="http://schemas.microsoft.com/office/powerpoint/2010/main">
+    <mc:Choice Requires="p14">
       <p:transition spd="slow" p14:dur="800">
         <p:circle/>
       </p:transition>
     </mc:Choice>
-    <mc:Fallback>
+    <mc:Fallback xmlns="">
       <p:transition spd="slow">
         <p:circle/>
       </p:transition>
@@ -13633,13 +13639,13 @@
   <p:clrMapOvr>
     <a:masterClrMapping/>
   </p:clrMapOvr>
-  <mc:AlternateContent xmlns:mc="http://schemas.openxmlformats.org/markup-compatibility/2006">
-    <mc:Choice xmlns:p14="http://schemas.microsoft.com/office/powerpoint/2010/main" Requires="p14">
+  <mc:AlternateContent xmlns:mc="http://schemas.openxmlformats.org/markup-compatibility/2006" xmlns:p14="http://schemas.microsoft.com/office/powerpoint/2010/main">
+    <mc:Choice Requires="p14">
       <p:transition spd="slow" p14:dur="800">
         <p:circle/>
       </p:transition>
     </mc:Choice>
-    <mc:Fallback>
+    <mc:Fallback xmlns="">
       <p:transition spd="slow">
         <p:circle/>
       </p:transition>
@@ -13900,13 +13906,13 @@
   <p:clrMapOvr>
     <a:masterClrMapping/>
   </p:clrMapOvr>
-  <mc:AlternateContent xmlns:mc="http://schemas.openxmlformats.org/markup-compatibility/2006">
-    <mc:Choice xmlns:p14="http://schemas.microsoft.com/office/powerpoint/2010/main" Requires="p14">
+  <mc:AlternateContent xmlns:mc="http://schemas.openxmlformats.org/markup-compatibility/2006" xmlns:p14="http://schemas.microsoft.com/office/powerpoint/2010/main">
+    <mc:Choice Requires="p14">
       <p:transition spd="slow" p14:dur="800">
         <p:circle/>
       </p:transition>
     </mc:Choice>
-    <mc:Fallback>
+    <mc:Fallback xmlns="">
       <p:transition spd="slow">
         <p:circle/>
       </p:transition>
@@ -13955,6 +13961,119 @@
           <a:lstStyle/>
           <a:p>
             <a:r>
+              <a:rPr lang="en-US" dirty="0" err="1" smtClean="0"/>
+              <a:t>Otkrivanje</a:t>
+            </a:r>
+            <a:r>
+              <a:rPr lang="en-US" dirty="0" smtClean="0"/>
+              <a:t> </a:t>
+            </a:r>
+            <a:r>
+              <a:rPr lang="en-US" dirty="0" err="1" smtClean="0"/>
+              <a:t>gre</a:t>
+            </a:r>
+            <a:r>
+              <a:rPr lang="sr-Latn-RS" dirty="0" smtClean="0"/>
+              <a:t>šaka</a:t>
+            </a:r>
+            <a:endParaRPr lang="en-US" dirty="0"/>
+          </a:p>
+        </p:txBody>
+      </p:sp>
+      <p:pic>
+        <p:nvPicPr>
+          <p:cNvPr id="4" name="Content Placeholder 3"/>
+          <p:cNvPicPr>
+            <a:picLocks noGrp="1" noChangeAspect="1"/>
+          </p:cNvPicPr>
+          <p:nvPr>
+            <p:ph idx="1"/>
+          </p:nvPr>
+        </p:nvPicPr>
+        <p:blipFill>
+          <a:blip r:embed="rId2">
+            <a:extLst>
+              <a:ext uri="{28A0092B-C50C-407E-A947-70E740481C1C}">
+                <a14:useLocalDpi xmlns:a14="http://schemas.microsoft.com/office/drawing/2010/main" val="0"/>
+              </a:ext>
+            </a:extLst>
+          </a:blip>
+          <a:stretch>
+            <a:fillRect/>
+          </a:stretch>
+        </p:blipFill>
+        <p:spPr>
+          <a:xfrm>
+            <a:off x="2728941" y="1572039"/>
+            <a:ext cx="6730944" cy="4896610"/>
+          </a:xfrm>
+        </p:spPr>
+      </p:pic>
+    </p:spTree>
+    <p:extLst>
+      <p:ext uri="{BB962C8B-B14F-4D97-AF65-F5344CB8AC3E}">
+        <p14:creationId xmlns:p14="http://schemas.microsoft.com/office/powerpoint/2010/main" val="3535961207"/>
+      </p:ext>
+    </p:extLst>
+  </p:cSld>
+  <p:clrMapOvr>
+    <a:masterClrMapping/>
+  </p:clrMapOvr>
+  <mc:AlternateContent xmlns:mc="http://schemas.openxmlformats.org/markup-compatibility/2006" xmlns:p14="http://schemas.microsoft.com/office/powerpoint/2010/main">
+    <mc:Choice Requires="p14">
+      <p:transition spd="slow" p14:dur="800">
+        <p:circle/>
+      </p:transition>
+    </mc:Choice>
+    <mc:Fallback xmlns="">
+      <p:transition spd="slow">
+        <p:circle/>
+      </p:transition>
+    </mc:Fallback>
+  </mc:AlternateContent>
+  <p:timing>
+    <p:tnLst>
+      <p:par>
+        <p:cTn id="1" dur="indefinite" restart="never" nodeType="tmRoot"/>
+      </p:par>
+    </p:tnLst>
+  </p:timing>
+</p:sld>
+</file>
+
+<file path=ppt/slides/slide14.xml><?xml version="1.0" encoding="utf-8"?>
+<p:sld xmlns:a="http://schemas.openxmlformats.org/drawingml/2006/main" xmlns:r="http://schemas.openxmlformats.org/officeDocument/2006/relationships" xmlns:p="http://schemas.openxmlformats.org/presentationml/2006/main">
+  <p:cSld>
+    <p:spTree>
+      <p:nvGrpSpPr>
+        <p:cNvPr id="1" name=""/>
+        <p:cNvGrpSpPr/>
+        <p:nvPr/>
+      </p:nvGrpSpPr>
+      <p:grpSpPr>
+        <a:xfrm>
+          <a:off x="0" y="0"/>
+          <a:ext cx="0" cy="0"/>
+          <a:chOff x="0" y="0"/>
+          <a:chExt cx="0" cy="0"/>
+        </a:xfrm>
+      </p:grpSpPr>
+      <p:sp>
+        <p:nvSpPr>
+          <p:cNvPr id="2" name="Title 1"/>
+          <p:cNvSpPr>
+            <a:spLocks noGrp="1"/>
+          </p:cNvSpPr>
+          <p:nvPr>
+            <p:ph type="title"/>
+          </p:nvPr>
+        </p:nvSpPr>
+        <p:spPr/>
+        <p:txBody>
+          <a:bodyPr/>
+          <a:lstStyle/>
+          <a:p>
+            <a:r>
               <a:rPr lang="sr-Latn-RS" dirty="0" smtClean="0"/>
               <a:t>Testiranje</a:t>
             </a:r>
@@ -14004,13 +14123,13 @@
   <p:clrMapOvr>
     <a:masterClrMapping/>
   </p:clrMapOvr>
-  <mc:AlternateContent xmlns:mc="http://schemas.openxmlformats.org/markup-compatibility/2006">
-    <mc:Choice xmlns:p14="http://schemas.microsoft.com/office/powerpoint/2010/main" Requires="p14">
+  <mc:AlternateContent xmlns:mc="http://schemas.openxmlformats.org/markup-compatibility/2006" xmlns:p14="http://schemas.microsoft.com/office/powerpoint/2010/main">
+    <mc:Choice Requires="p14">
       <p:transition spd="slow" p14:dur="800">
         <p:circle/>
       </p:transition>
     </mc:Choice>
-    <mc:Fallback>
+    <mc:Fallback xmlns="">
       <p:transition spd="slow">
         <p:circle/>
       </p:transition>
@@ -14140,7 +14259,7 @@
 </p:sld>
 </file>
 
-<file path=ppt/slides/slide14.xml><?xml version="1.0" encoding="utf-8"?>
+<file path=ppt/slides/slide15.xml><?xml version="1.0" encoding="utf-8"?>
 <p:sld xmlns:a="http://schemas.openxmlformats.org/drawingml/2006/main" xmlns:r="http://schemas.openxmlformats.org/officeDocument/2006/relationships" xmlns:p="http://schemas.openxmlformats.org/presentationml/2006/main">
   <p:cSld>
     <p:spTree>
@@ -14249,13 +14368,13 @@
   <p:clrMapOvr>
     <a:masterClrMapping/>
   </p:clrMapOvr>
-  <mc:AlternateContent xmlns:mc="http://schemas.openxmlformats.org/markup-compatibility/2006">
-    <mc:Choice xmlns:p14="http://schemas.microsoft.com/office/powerpoint/2010/main" Requires="p14">
+  <mc:AlternateContent xmlns:mc="http://schemas.openxmlformats.org/markup-compatibility/2006" xmlns:p14="http://schemas.microsoft.com/office/powerpoint/2010/main">
+    <mc:Choice Requires="p14">
       <p:transition spd="slow" p14:dur="800">
         <p:circle/>
       </p:transition>
     </mc:Choice>
-    <mc:Fallback>
+    <mc:Fallback xmlns="">
       <p:transition spd="slow">
         <p:circle/>
       </p:transition>
@@ -14577,7 +14696,7 @@
 </p:sld>
 </file>
 
-<file path=ppt/slides/slide15.xml><?xml version="1.0" encoding="utf-8"?>
+<file path=ppt/slides/slide16.xml><?xml version="1.0" encoding="utf-8"?>
 <p:sld xmlns:a="http://schemas.openxmlformats.org/drawingml/2006/main" xmlns:r="http://schemas.openxmlformats.org/officeDocument/2006/relationships" xmlns:p="http://schemas.openxmlformats.org/presentationml/2006/main">
   <p:cSld>
     <p:spTree>
@@ -14802,13 +14921,13 @@
   <p:clrMapOvr>
     <a:masterClrMapping/>
   </p:clrMapOvr>
-  <mc:AlternateContent xmlns:mc="http://schemas.openxmlformats.org/markup-compatibility/2006">
-    <mc:Choice xmlns:p14="http://schemas.microsoft.com/office/powerpoint/2010/main" Requires="p14">
+  <mc:AlternateContent xmlns:mc="http://schemas.openxmlformats.org/markup-compatibility/2006" xmlns:p14="http://schemas.microsoft.com/office/powerpoint/2010/main">
+    <mc:Choice Requires="p14">
       <p:transition spd="slow" p14:dur="800">
         <p:circle/>
       </p:transition>
     </mc:Choice>
-    <mc:Fallback>
+    <mc:Fallback xmlns="">
       <p:transition spd="slow">
         <p:circle/>
       </p:transition>
@@ -15199,13 +15318,13 @@
   <p:clrMapOvr>
     <a:masterClrMapping/>
   </p:clrMapOvr>
-  <mc:AlternateContent xmlns:mc="http://schemas.openxmlformats.org/markup-compatibility/2006">
-    <mc:Choice xmlns:p14="http://schemas.microsoft.com/office/powerpoint/2010/main" Requires="p14">
+  <mc:AlternateContent xmlns:mc="http://schemas.openxmlformats.org/markup-compatibility/2006" xmlns:p14="http://schemas.microsoft.com/office/powerpoint/2010/main">
+    <mc:Choice Requires="p14">
       <p:transition spd="slow" p14:dur="800">
         <p:circle/>
       </p:transition>
     </mc:Choice>
-    <mc:Fallback>
+    <mc:Fallback xmlns="">
       <p:transition spd="slow">
         <p:circle/>
       </p:transition>
@@ -15955,13 +16074,13 @@
   <p:clrMapOvr>
     <a:masterClrMapping/>
   </p:clrMapOvr>
-  <mc:AlternateContent xmlns:mc="http://schemas.openxmlformats.org/markup-compatibility/2006">
-    <mc:Choice xmlns:p14="http://schemas.microsoft.com/office/powerpoint/2010/main" Requires="p14">
+  <mc:AlternateContent xmlns:mc="http://schemas.openxmlformats.org/markup-compatibility/2006" xmlns:p14="http://schemas.microsoft.com/office/powerpoint/2010/main">
+    <mc:Choice Requires="p14">
       <p:transition spd="slow" p14:dur="800">
         <p:circle/>
       </p:transition>
     </mc:Choice>
-    <mc:Fallback>
+    <mc:Fallback xmlns="">
       <p:transition spd="slow">
         <p:circle/>
       </p:transition>
@@ -16457,13 +16576,13 @@
   <p:clrMapOvr>
     <a:masterClrMapping/>
   </p:clrMapOvr>
-  <mc:AlternateContent xmlns:mc="http://schemas.openxmlformats.org/markup-compatibility/2006">
-    <mc:Choice xmlns:p14="http://schemas.microsoft.com/office/powerpoint/2010/main" Requires="p14">
+  <mc:AlternateContent xmlns:mc="http://schemas.openxmlformats.org/markup-compatibility/2006" xmlns:p14="http://schemas.microsoft.com/office/powerpoint/2010/main">
+    <mc:Choice Requires="p14">
       <p:transition spd="slow" p14:dur="800">
         <p:circle/>
       </p:transition>
     </mc:Choice>
-    <mc:Fallback>
+    <mc:Fallback xmlns="">
       <p:transition spd="slow">
         <p:circle/>
       </p:transition>
@@ -16976,6 +17095,36 @@
           </a:p>
         </p:txBody>
       </p:sp>
+      <p:pic>
+        <p:nvPicPr>
+          <p:cNvPr id="4" name="Picture 3"/>
+          <p:cNvPicPr>
+            <a:picLocks noChangeAspect="1"/>
+          </p:cNvPicPr>
+          <p:nvPr/>
+        </p:nvPicPr>
+        <p:blipFill>
+          <a:blip r:embed="rId2">
+            <a:extLst>
+              <a:ext uri="{28A0092B-C50C-407E-A947-70E740481C1C}">
+                <a14:useLocalDpi xmlns:a14="http://schemas.microsoft.com/office/drawing/2010/main" val="0"/>
+              </a:ext>
+            </a:extLst>
+          </a:blip>
+          <a:stretch>
+            <a:fillRect/>
+          </a:stretch>
+        </p:blipFill>
+        <p:spPr>
+          <a:xfrm>
+            <a:off x="6389718" y="2097088"/>
+            <a:ext cx="4483330" cy="3813028"/>
+          </a:xfrm>
+          <a:prstGeom prst="rect">
+            <a:avLst/>
+          </a:prstGeom>
+        </p:spPr>
+      </p:pic>
     </p:spTree>
     <p:extLst>
       <p:ext uri="{BB962C8B-B14F-4D97-AF65-F5344CB8AC3E}">
@@ -16986,13 +17135,13 @@
   <p:clrMapOvr>
     <a:masterClrMapping/>
   </p:clrMapOvr>
-  <mc:AlternateContent xmlns:mc="http://schemas.openxmlformats.org/markup-compatibility/2006">
-    <mc:Choice xmlns:p14="http://schemas.microsoft.com/office/powerpoint/2010/main" Requires="p14">
+  <mc:AlternateContent xmlns:mc="http://schemas.openxmlformats.org/markup-compatibility/2006" xmlns:p14="http://schemas.microsoft.com/office/powerpoint/2010/main">
+    <mc:Choice Requires="p14">
       <p:transition spd="slow" p14:dur="800">
         <p:circle/>
       </p:transition>
     </mc:Choice>
-    <mc:Fallback>
+    <mc:Fallback xmlns="">
       <p:transition spd="slow">
         <p:circle/>
       </p:transition>
@@ -17506,13 +17655,13 @@
   <p:clrMapOvr>
     <a:masterClrMapping/>
   </p:clrMapOvr>
-  <mc:AlternateContent xmlns:mc="http://schemas.openxmlformats.org/markup-compatibility/2006">
-    <mc:Choice xmlns:p14="http://schemas.microsoft.com/office/powerpoint/2010/main" Requires="p14">
+  <mc:AlternateContent xmlns:mc="http://schemas.openxmlformats.org/markup-compatibility/2006" xmlns:p14="http://schemas.microsoft.com/office/powerpoint/2010/main">
+    <mc:Choice Requires="p14">
       <p:transition spd="slow" p14:dur="800">
         <p:circle/>
       </p:transition>
     </mc:Choice>
-    <mc:Fallback>
+    <mc:Fallback xmlns="">
       <p:transition spd="slow">
         <p:circle/>
       </p:transition>
@@ -18165,12 +18314,8 @@
           </a:p>
           <a:p>
             <a:r>
-              <a:rPr lang="sr-Latn-RS" i="1" dirty="0" smtClean="0"/>
-              <a:t>.</a:t>
-            </a:r>
-            <a:r>
-              <a:rPr lang="sr-Latn-RS" i="1" dirty="0" err="1" smtClean="0"/>
-              <a:t>wsdl</a:t>
+              <a:rPr lang="en-US" i="1" dirty="0" smtClean="0"/>
+              <a:t>Web Service Description Language</a:t>
             </a:r>
             <a:endParaRPr lang="sr-Latn-RS" i="1" dirty="0" smtClean="0"/>
           </a:p>
@@ -18218,6 +18363,36 @@
           </a:p>
         </p:txBody>
       </p:sp>
+      <p:pic>
+        <p:nvPicPr>
+          <p:cNvPr id="4" name="Picture 3"/>
+          <p:cNvPicPr>
+            <a:picLocks noChangeAspect="1"/>
+          </p:cNvPicPr>
+          <p:nvPr/>
+        </p:nvPicPr>
+        <p:blipFill>
+          <a:blip r:embed="rId2">
+            <a:extLst>
+              <a:ext uri="{28A0092B-C50C-407E-A947-70E740481C1C}">
+                <a14:useLocalDpi xmlns:a14="http://schemas.microsoft.com/office/drawing/2010/main" val="0"/>
+              </a:ext>
+            </a:extLst>
+          </a:blip>
+          <a:stretch>
+            <a:fillRect/>
+          </a:stretch>
+        </p:blipFill>
+        <p:spPr>
+          <a:xfrm>
+            <a:off x="6722225" y="2097088"/>
+            <a:ext cx="5048598" cy="2414042"/>
+          </a:xfrm>
+          <a:prstGeom prst="rect">
+            <a:avLst/>
+          </a:prstGeom>
+        </p:spPr>
+      </p:pic>
     </p:spTree>
     <p:extLst>
       <p:ext uri="{BB962C8B-B14F-4D97-AF65-F5344CB8AC3E}">
@@ -18228,13 +18403,13 @@
   <p:clrMapOvr>
     <a:masterClrMapping/>
   </p:clrMapOvr>
-  <mc:AlternateContent xmlns:mc="http://schemas.openxmlformats.org/markup-compatibility/2006">
-    <mc:Choice xmlns:p14="http://schemas.microsoft.com/office/powerpoint/2010/main" Requires="p14">
+  <mc:AlternateContent xmlns:mc="http://schemas.openxmlformats.org/markup-compatibility/2006" xmlns:p14="http://schemas.microsoft.com/office/powerpoint/2010/main">
+    <mc:Choice Requires="p14">
       <p:transition spd="slow" p14:dur="800">
         <p:circle/>
       </p:transition>
     </mc:Choice>
-    <mc:Fallback>
+    <mc:Fallback xmlns="">
       <p:transition spd="slow">
         <p:circle/>
       </p:transition>
@@ -18650,13 +18825,13 @@
   <p:clrMapOvr>
     <a:masterClrMapping/>
   </p:clrMapOvr>
-  <mc:AlternateContent xmlns:mc="http://schemas.openxmlformats.org/markup-compatibility/2006">
-    <mc:Choice xmlns:p14="http://schemas.microsoft.com/office/powerpoint/2010/main" Requires="p14">
+  <mc:AlternateContent xmlns:mc="http://schemas.openxmlformats.org/markup-compatibility/2006" xmlns:p14="http://schemas.microsoft.com/office/powerpoint/2010/main">
+    <mc:Choice Requires="p14">
       <p:transition spd="slow" p14:dur="800">
         <p:circle/>
       </p:transition>
     </mc:Choice>
-    <mc:Fallback>
+    <mc:Fallback xmlns="">
       <p:transition spd="slow">
         <p:circle/>
       </p:transition>
@@ -18880,13 +19055,13 @@
   <p:clrMapOvr>
     <a:masterClrMapping/>
   </p:clrMapOvr>
-  <mc:AlternateContent xmlns:mc="http://schemas.openxmlformats.org/markup-compatibility/2006">
-    <mc:Choice xmlns:p14="http://schemas.microsoft.com/office/powerpoint/2010/main" Requires="p14">
+  <mc:AlternateContent xmlns:mc="http://schemas.openxmlformats.org/markup-compatibility/2006" xmlns:p14="http://schemas.microsoft.com/office/powerpoint/2010/main">
+    <mc:Choice Requires="p14">
       <p:transition spd="slow" p14:dur="800">
         <p:circle/>
       </p:transition>
     </mc:Choice>
-    <mc:Fallback>
+    <mc:Fallback xmlns="">
       <p:transition spd="slow">
         <p:circle/>
       </p:transition>

--- a/Prezentacija.pptx
+++ b/Prezentacija.pptx
@@ -121,7 +121,7 @@
   </p:defaultTextStyle>
   <p:extLst>
     <p:ext uri="{EFAFB233-063F-42B5-8137-9DF3F51BA10A}">
-      <p15:sldGuideLst xmlns:p15="http://schemas.microsoft.com/office/powerpoint/2012/main"/>
+      <p15:sldGuideLst xmlns:p15="http://schemas.microsoft.com/office/powerpoint/2012/main" xmlns=""/>
     </p:ext>
   </p:extLst>
 </p:presentation>
@@ -176,8 +176,8 @@
           </a:prstGeom>
           <a:noFill/>
           <a:extLst>
-            <a:ext uri="{909E8E84-426E-40dd-AFC4-6F175D3DCCD1}">
-              <a14:hiddenFill xmlns="" xmlns:a14="http://schemas.microsoft.com/office/drawing/2010/main">
+            <a:ext uri="{909E8E84-426E-40DD-AFC4-6F175D3DCCD1}">
+              <a14:hiddenFill xmlns:a14="http://schemas.microsoft.com/office/drawing/2010/main">
                 <a:solidFill>
                   <a:srgbClr val="FFFFFF"/>
                 </a:solidFill>
@@ -236,8 +236,8 @@
               <a:noFill/>
             </a:ln>
             <a:extLst>
-              <a:ext uri="{91240B29-F687-4f45-9708-019B960494DF}">
-                <a14:hiddenLine xmlns="" xmlns:a14="http://schemas.microsoft.com/office/drawing/2010/main" w="9525">
+              <a:ext uri="{91240B29-F687-4F45-9708-019B960494DF}">
+                <a14:hiddenLine xmlns:a14="http://schemas.microsoft.com/office/drawing/2010/main" w="9525">
                   <a:solidFill>
                     <a:srgbClr val="000000"/>
                   </a:solidFill>
@@ -326,8 +326,8 @@
               <a:noFill/>
             </a:ln>
             <a:extLst>
-              <a:ext uri="{91240B29-F687-4f45-9708-019B960494DF}">
-                <a14:hiddenLine xmlns="" xmlns:a14="http://schemas.microsoft.com/office/drawing/2010/main" w="9525">
+              <a:ext uri="{91240B29-F687-4F45-9708-019B960494DF}">
+                <a14:hiddenLine xmlns:a14="http://schemas.microsoft.com/office/drawing/2010/main" w="9525">
                   <a:solidFill>
                     <a:srgbClr val="000000"/>
                   </a:solidFill>
@@ -416,8 +416,8 @@
               <a:noFill/>
             </a:ln>
             <a:extLst>
-              <a:ext uri="{91240B29-F687-4f45-9708-019B960494DF}">
-                <a14:hiddenLine xmlns="" xmlns:a14="http://schemas.microsoft.com/office/drawing/2010/main" w="9525">
+              <a:ext uri="{91240B29-F687-4F45-9708-019B960494DF}">
+                <a14:hiddenLine xmlns:a14="http://schemas.microsoft.com/office/drawing/2010/main" w="9525">
                   <a:solidFill>
                     <a:srgbClr val="000000"/>
                   </a:solidFill>
@@ -450,8 +450,8 @@
               <a:noFill/>
             </a:ln>
             <a:extLst>
-              <a:ext uri="{91240B29-F687-4f45-9708-019B960494DF}">
-                <a14:hiddenLine xmlns="" xmlns:a14="http://schemas.microsoft.com/office/drawing/2010/main" w="9525">
+              <a:ext uri="{91240B29-F687-4F45-9708-019B960494DF}">
+                <a14:hiddenLine xmlns:a14="http://schemas.microsoft.com/office/drawing/2010/main" w="9525">
                   <a:solidFill>
                     <a:srgbClr val="000000"/>
                   </a:solidFill>
@@ -540,8 +540,8 @@
               <a:noFill/>
             </a:ln>
             <a:extLst>
-              <a:ext uri="{91240B29-F687-4f45-9708-019B960494DF}">
-                <a14:hiddenLine xmlns="" xmlns:a14="http://schemas.microsoft.com/office/drawing/2010/main" w="9525">
+              <a:ext uri="{91240B29-F687-4F45-9708-019B960494DF}">
+                <a14:hiddenLine xmlns:a14="http://schemas.microsoft.com/office/drawing/2010/main" w="9525">
                   <a:solidFill>
                     <a:srgbClr val="000000"/>
                   </a:solidFill>
@@ -602,8 +602,8 @@
               <a:noFill/>
             </a:ln>
             <a:extLst>
-              <a:ext uri="{91240B29-F687-4f45-9708-019B960494DF}">
-                <a14:hiddenLine xmlns="" xmlns:a14="http://schemas.microsoft.com/office/drawing/2010/main" w="9525">
+              <a:ext uri="{91240B29-F687-4F45-9708-019B960494DF}">
+                <a14:hiddenLine xmlns:a14="http://schemas.microsoft.com/office/drawing/2010/main" w="9525">
                   <a:solidFill>
                     <a:srgbClr val="000000"/>
                   </a:solidFill>
@@ -664,8 +664,8 @@
               <a:noFill/>
             </a:ln>
             <a:extLst>
-              <a:ext uri="{91240B29-F687-4f45-9708-019B960494DF}">
-                <a14:hiddenLine xmlns="" xmlns:a14="http://schemas.microsoft.com/office/drawing/2010/main" w="9525">
+              <a:ext uri="{91240B29-F687-4F45-9708-019B960494DF}">
+                <a14:hiddenLine xmlns:a14="http://schemas.microsoft.com/office/drawing/2010/main" w="9525">
                   <a:solidFill>
                     <a:srgbClr val="000000"/>
                   </a:solidFill>
@@ -754,8 +754,8 @@
               <a:noFill/>
             </a:ln>
             <a:extLst>
-              <a:ext uri="{91240B29-F687-4f45-9708-019B960494DF}">
-                <a14:hiddenLine xmlns="" xmlns:a14="http://schemas.microsoft.com/office/drawing/2010/main" w="9525">
+              <a:ext uri="{91240B29-F687-4F45-9708-019B960494DF}">
+                <a14:hiddenLine xmlns:a14="http://schemas.microsoft.com/office/drawing/2010/main" w="9525">
                   <a:solidFill>
                     <a:srgbClr val="000000"/>
                   </a:solidFill>
@@ -816,8 +816,8 @@
               <a:noFill/>
             </a:ln>
             <a:extLst>
-              <a:ext uri="{91240B29-F687-4f45-9708-019B960494DF}">
-                <a14:hiddenLine xmlns="" xmlns:a14="http://schemas.microsoft.com/office/drawing/2010/main" w="9525">
+              <a:ext uri="{91240B29-F687-4F45-9708-019B960494DF}">
+                <a14:hiddenLine xmlns:a14="http://schemas.microsoft.com/office/drawing/2010/main" w="9525">
                   <a:solidFill>
                     <a:srgbClr val="000000"/>
                   </a:solidFill>
@@ -878,8 +878,8 @@
               <a:noFill/>
             </a:ln>
             <a:extLst>
-              <a:ext uri="{91240B29-F687-4f45-9708-019B960494DF}">
-                <a14:hiddenLine xmlns="" xmlns:a14="http://schemas.microsoft.com/office/drawing/2010/main" w="9525">
+              <a:ext uri="{91240B29-F687-4F45-9708-019B960494DF}">
+                <a14:hiddenLine xmlns:a14="http://schemas.microsoft.com/office/drawing/2010/main" w="9525">
                   <a:solidFill>
                     <a:srgbClr val="000000"/>
                   </a:solidFill>
@@ -968,8 +968,8 @@
               <a:noFill/>
             </a:ln>
             <a:extLst>
-              <a:ext uri="{91240B29-F687-4f45-9708-019B960494DF}">
-                <a14:hiddenLine xmlns="" xmlns:a14="http://schemas.microsoft.com/office/drawing/2010/main" w="9525">
+              <a:ext uri="{91240B29-F687-4F45-9708-019B960494DF}">
+                <a14:hiddenLine xmlns:a14="http://schemas.microsoft.com/office/drawing/2010/main" w="9525">
                   <a:solidFill>
                     <a:srgbClr val="000000"/>
                   </a:solidFill>
@@ -1058,8 +1058,8 @@
               <a:noFill/>
             </a:ln>
             <a:extLst>
-              <a:ext uri="{91240B29-F687-4f45-9708-019B960494DF}">
-                <a14:hiddenLine xmlns="" xmlns:a14="http://schemas.microsoft.com/office/drawing/2010/main" w="9525">
+              <a:ext uri="{91240B29-F687-4F45-9708-019B960494DF}">
+                <a14:hiddenLine xmlns:a14="http://schemas.microsoft.com/office/drawing/2010/main" w="9525">
                   <a:solidFill>
                     <a:srgbClr val="000000"/>
                   </a:solidFill>
@@ -1120,8 +1120,8 @@
               <a:noFill/>
             </a:ln>
             <a:extLst>
-              <a:ext uri="{91240B29-F687-4f45-9708-019B960494DF}">
-                <a14:hiddenLine xmlns="" xmlns:a14="http://schemas.microsoft.com/office/drawing/2010/main" w="9525">
+              <a:ext uri="{91240B29-F687-4F45-9708-019B960494DF}">
+                <a14:hiddenLine xmlns:a14="http://schemas.microsoft.com/office/drawing/2010/main" w="9525">
                   <a:solidFill>
                     <a:srgbClr val="000000"/>
                   </a:solidFill>
@@ -1230,8 +1230,8 @@
               <a:noFill/>
             </a:ln>
             <a:extLst>
-              <a:ext uri="{91240B29-F687-4f45-9708-019B960494DF}">
-                <a14:hiddenLine xmlns="" xmlns:a14="http://schemas.microsoft.com/office/drawing/2010/main" w="9525">
+              <a:ext uri="{91240B29-F687-4F45-9708-019B960494DF}">
+                <a14:hiddenLine xmlns:a14="http://schemas.microsoft.com/office/drawing/2010/main" w="9525">
                   <a:solidFill>
                     <a:srgbClr val="000000"/>
                   </a:solidFill>
@@ -1292,8 +1292,8 @@
               <a:noFill/>
             </a:ln>
             <a:extLst>
-              <a:ext uri="{91240B29-F687-4f45-9708-019B960494DF}">
-                <a14:hiddenLine xmlns="" xmlns:a14="http://schemas.microsoft.com/office/drawing/2010/main" w="9525">
+              <a:ext uri="{91240B29-F687-4F45-9708-019B960494DF}">
+                <a14:hiddenLine xmlns:a14="http://schemas.microsoft.com/office/drawing/2010/main" w="9525">
                   <a:solidFill>
                     <a:srgbClr val="000000"/>
                   </a:solidFill>
@@ -1382,8 +1382,8 @@
               <a:noFill/>
             </a:ln>
             <a:extLst>
-              <a:ext uri="{91240B29-F687-4f45-9708-019B960494DF}">
-                <a14:hiddenLine xmlns="" xmlns:a14="http://schemas.microsoft.com/office/drawing/2010/main" w="9525">
+              <a:ext uri="{91240B29-F687-4F45-9708-019B960494DF}">
+                <a14:hiddenLine xmlns:a14="http://schemas.microsoft.com/office/drawing/2010/main" w="9525">
                   <a:solidFill>
                     <a:srgbClr val="000000"/>
                   </a:solidFill>
@@ -1472,8 +1472,8 @@
               <a:noFill/>
             </a:ln>
             <a:extLst>
-              <a:ext uri="{91240B29-F687-4f45-9708-019B960494DF}">
-                <a14:hiddenLine xmlns="" xmlns:a14="http://schemas.microsoft.com/office/drawing/2010/main" w="9525">
+              <a:ext uri="{91240B29-F687-4F45-9708-019B960494DF}">
+                <a14:hiddenLine xmlns:a14="http://schemas.microsoft.com/office/drawing/2010/main" w="9525">
                   <a:solidFill>
                     <a:srgbClr val="000000"/>
                   </a:solidFill>
@@ -1534,8 +1534,8 @@
               <a:noFill/>
             </a:ln>
             <a:extLst>
-              <a:ext uri="{91240B29-F687-4f45-9708-019B960494DF}">
-                <a14:hiddenLine xmlns="" xmlns:a14="http://schemas.microsoft.com/office/drawing/2010/main" w="9525">
+              <a:ext uri="{91240B29-F687-4F45-9708-019B960494DF}">
+                <a14:hiddenLine xmlns:a14="http://schemas.microsoft.com/office/drawing/2010/main" w="9525">
                   <a:solidFill>
                     <a:srgbClr val="000000"/>
                   </a:solidFill>
@@ -1624,8 +1624,8 @@
               <a:noFill/>
             </a:ln>
             <a:extLst>
-              <a:ext uri="{91240B29-F687-4f45-9708-019B960494DF}">
-                <a14:hiddenLine xmlns="" xmlns:a14="http://schemas.microsoft.com/office/drawing/2010/main" w="9525">
+              <a:ext uri="{91240B29-F687-4F45-9708-019B960494DF}">
+                <a14:hiddenLine xmlns:a14="http://schemas.microsoft.com/office/drawing/2010/main" w="9525">
                   <a:solidFill>
                     <a:srgbClr val="000000"/>
                   </a:solidFill>
@@ -1714,8 +1714,8 @@
               <a:noFill/>
             </a:ln>
             <a:extLst>
-              <a:ext uri="{91240B29-F687-4f45-9708-019B960494DF}">
-                <a14:hiddenLine xmlns="" xmlns:a14="http://schemas.microsoft.com/office/drawing/2010/main" w="9525">
+              <a:ext uri="{91240B29-F687-4F45-9708-019B960494DF}">
+                <a14:hiddenLine xmlns:a14="http://schemas.microsoft.com/office/drawing/2010/main" w="9525">
                   <a:solidFill>
                     <a:srgbClr val="000000"/>
                   </a:solidFill>
@@ -1770,8 +1770,8 @@
               <a:noFill/>
             </a:ln>
             <a:extLst>
-              <a:ext uri="{91240B29-F687-4f45-9708-019B960494DF}">
-                <a14:hiddenLine xmlns="" xmlns:a14="http://schemas.microsoft.com/office/drawing/2010/main" w="9525">
+              <a:ext uri="{91240B29-F687-4F45-9708-019B960494DF}">
+                <a14:hiddenLine xmlns:a14="http://schemas.microsoft.com/office/drawing/2010/main" w="9525">
                   <a:solidFill>
                     <a:srgbClr val="000000"/>
                   </a:solidFill>
@@ -1860,8 +1860,8 @@
               <a:noFill/>
             </a:ln>
             <a:extLst>
-              <a:ext uri="{91240B29-F687-4f45-9708-019B960494DF}">
-                <a14:hiddenLine xmlns="" xmlns:a14="http://schemas.microsoft.com/office/drawing/2010/main" w="9525">
+              <a:ext uri="{91240B29-F687-4F45-9708-019B960494DF}">
+                <a14:hiddenLine xmlns:a14="http://schemas.microsoft.com/office/drawing/2010/main" w="9525">
                   <a:solidFill>
                     <a:srgbClr val="000000"/>
                   </a:solidFill>
@@ -1916,8 +1916,8 @@
               <a:noFill/>
             </a:ln>
             <a:extLst>
-              <a:ext uri="{91240B29-F687-4f45-9708-019B960494DF}">
-                <a14:hiddenLine xmlns="" xmlns:a14="http://schemas.microsoft.com/office/drawing/2010/main" w="9525">
+              <a:ext uri="{91240B29-F687-4F45-9708-019B960494DF}">
+                <a14:hiddenLine xmlns:a14="http://schemas.microsoft.com/office/drawing/2010/main" w="9525">
                   <a:solidFill>
                     <a:srgbClr val="000000"/>
                   </a:solidFill>
@@ -2006,8 +2006,8 @@
               <a:noFill/>
             </a:ln>
             <a:extLst>
-              <a:ext uri="{91240B29-F687-4f45-9708-019B960494DF}">
-                <a14:hiddenLine xmlns="" xmlns:a14="http://schemas.microsoft.com/office/drawing/2010/main" w="9525">
+              <a:ext uri="{91240B29-F687-4F45-9708-019B960494DF}">
+                <a14:hiddenLine xmlns:a14="http://schemas.microsoft.com/office/drawing/2010/main" w="9525">
                   <a:solidFill>
                     <a:srgbClr val="000000"/>
                   </a:solidFill>
@@ -2074,8 +2074,8 @@
               <a:noFill/>
             </a:ln>
             <a:extLst>
-              <a:ext uri="{91240B29-F687-4f45-9708-019B960494DF}">
-                <a14:hiddenLine xmlns="" xmlns:a14="http://schemas.microsoft.com/office/drawing/2010/main" w="9525">
+              <a:ext uri="{91240B29-F687-4F45-9708-019B960494DF}">
+                <a14:hiddenLine xmlns:a14="http://schemas.microsoft.com/office/drawing/2010/main" w="9525">
                   <a:solidFill>
                     <a:srgbClr val="000000"/>
                   </a:solidFill>
@@ -2164,8 +2164,8 @@
               <a:noFill/>
             </a:ln>
             <a:extLst>
-              <a:ext uri="{91240B29-F687-4f45-9708-019B960494DF}">
-                <a14:hiddenLine xmlns="" xmlns:a14="http://schemas.microsoft.com/office/drawing/2010/main" w="9525">
+              <a:ext uri="{91240B29-F687-4F45-9708-019B960494DF}">
+                <a14:hiddenLine xmlns:a14="http://schemas.microsoft.com/office/drawing/2010/main" w="9525">
                   <a:solidFill>
                     <a:srgbClr val="000000"/>
                   </a:solidFill>
@@ -2232,8 +2232,8 @@
               <a:noFill/>
             </a:ln>
             <a:extLst>
-              <a:ext uri="{91240B29-F687-4f45-9708-019B960494DF}">
-                <a14:hiddenLine xmlns="" xmlns:a14="http://schemas.microsoft.com/office/drawing/2010/main" w="9525">
+              <a:ext uri="{91240B29-F687-4F45-9708-019B960494DF}">
+                <a14:hiddenLine xmlns:a14="http://schemas.microsoft.com/office/drawing/2010/main" w="9525">
                   <a:solidFill>
                     <a:srgbClr val="000000"/>
                   </a:solidFill>
@@ -2322,8 +2322,8 @@
               <a:noFill/>
             </a:ln>
             <a:extLst>
-              <a:ext uri="{91240B29-F687-4f45-9708-019B960494DF}">
-                <a14:hiddenLine xmlns="" xmlns:a14="http://schemas.microsoft.com/office/drawing/2010/main" w="9525">
+              <a:ext uri="{91240B29-F687-4F45-9708-019B960494DF}">
+                <a14:hiddenLine xmlns:a14="http://schemas.microsoft.com/office/drawing/2010/main" w="9525">
                   <a:solidFill>
                     <a:srgbClr val="000000"/>
                   </a:solidFill>
@@ -2356,8 +2356,8 @@
               <a:noFill/>
             </a:ln>
             <a:extLst>
-              <a:ext uri="{91240B29-F687-4f45-9708-019B960494DF}">
-                <a14:hiddenLine xmlns="" xmlns:a14="http://schemas.microsoft.com/office/drawing/2010/main" w="9525">
+              <a:ext uri="{91240B29-F687-4F45-9708-019B960494DF}">
+                <a14:hiddenLine xmlns:a14="http://schemas.microsoft.com/office/drawing/2010/main" w="9525">
                   <a:solidFill>
                     <a:srgbClr val="000000"/>
                   </a:solidFill>
@@ -2446,8 +2446,8 @@
               <a:noFill/>
             </a:ln>
             <a:extLst>
-              <a:ext uri="{91240B29-F687-4f45-9708-019B960494DF}">
-                <a14:hiddenLine xmlns="" xmlns:a14="http://schemas.microsoft.com/office/drawing/2010/main" w="9525">
+              <a:ext uri="{91240B29-F687-4F45-9708-019B960494DF}">
+                <a14:hiddenLine xmlns:a14="http://schemas.microsoft.com/office/drawing/2010/main" w="9525">
                   <a:solidFill>
                     <a:srgbClr val="000000"/>
                   </a:solidFill>
@@ -2508,8 +2508,8 @@
               <a:noFill/>
             </a:ln>
             <a:extLst>
-              <a:ext uri="{91240B29-F687-4f45-9708-019B960494DF}">
-                <a14:hiddenLine xmlns="" xmlns:a14="http://schemas.microsoft.com/office/drawing/2010/main" w="9525">
+              <a:ext uri="{91240B29-F687-4F45-9708-019B960494DF}">
+                <a14:hiddenLine xmlns:a14="http://schemas.microsoft.com/office/drawing/2010/main" w="9525">
                   <a:solidFill>
                     <a:srgbClr val="000000"/>
                   </a:solidFill>
@@ -2570,8 +2570,8 @@
               <a:noFill/>
             </a:ln>
             <a:extLst>
-              <a:ext uri="{91240B29-F687-4f45-9708-019B960494DF}">
-                <a14:hiddenLine xmlns="" xmlns:a14="http://schemas.microsoft.com/office/drawing/2010/main" w="9525">
+              <a:ext uri="{91240B29-F687-4F45-9708-019B960494DF}">
+                <a14:hiddenLine xmlns:a14="http://schemas.microsoft.com/office/drawing/2010/main" w="9525">
                   <a:solidFill>
                     <a:srgbClr val="000000"/>
                   </a:solidFill>
@@ -2660,8 +2660,8 @@
               <a:noFill/>
             </a:ln>
             <a:extLst>
-              <a:ext uri="{91240B29-F687-4f45-9708-019B960494DF}">
-                <a14:hiddenLine xmlns="" xmlns:a14="http://schemas.microsoft.com/office/drawing/2010/main" w="9525">
+              <a:ext uri="{91240B29-F687-4F45-9708-019B960494DF}">
+                <a14:hiddenLine xmlns:a14="http://schemas.microsoft.com/office/drawing/2010/main" w="9525">
                   <a:solidFill>
                     <a:srgbClr val="000000"/>
                   </a:solidFill>
@@ -2728,8 +2728,8 @@
               <a:noFill/>
             </a:ln>
             <a:extLst>
-              <a:ext uri="{91240B29-F687-4f45-9708-019B960494DF}">
-                <a14:hiddenLine xmlns="" xmlns:a14="http://schemas.microsoft.com/office/drawing/2010/main" w="9525">
+              <a:ext uri="{91240B29-F687-4F45-9708-019B960494DF}">
+                <a14:hiddenLine xmlns:a14="http://schemas.microsoft.com/office/drawing/2010/main" w="9525">
                   <a:solidFill>
                     <a:srgbClr val="000000"/>
                   </a:solidFill>
@@ -2790,8 +2790,8 @@
               <a:noFill/>
             </a:ln>
             <a:extLst>
-              <a:ext uri="{91240B29-F687-4f45-9708-019B960494DF}">
-                <a14:hiddenLine xmlns="" xmlns:a14="http://schemas.microsoft.com/office/drawing/2010/main" w="9525">
+              <a:ext uri="{91240B29-F687-4F45-9708-019B960494DF}">
+                <a14:hiddenLine xmlns:a14="http://schemas.microsoft.com/office/drawing/2010/main" w="9525">
                   <a:solidFill>
                     <a:srgbClr val="000000"/>
                   </a:solidFill>
@@ -2880,8 +2880,8 @@
               <a:noFill/>
             </a:ln>
             <a:extLst>
-              <a:ext uri="{91240B29-F687-4f45-9708-019B960494DF}">
-                <a14:hiddenLine xmlns="" xmlns:a14="http://schemas.microsoft.com/office/drawing/2010/main" w="9525">
+              <a:ext uri="{91240B29-F687-4F45-9708-019B960494DF}">
+                <a14:hiddenLine xmlns:a14="http://schemas.microsoft.com/office/drawing/2010/main" w="9525">
                   <a:solidFill>
                     <a:srgbClr val="000000"/>
                   </a:solidFill>
@@ -2942,8 +2942,8 @@
               <a:noFill/>
             </a:ln>
             <a:extLst>
-              <a:ext uri="{91240B29-F687-4f45-9708-019B960494DF}">
-                <a14:hiddenLine xmlns="" xmlns:a14="http://schemas.microsoft.com/office/drawing/2010/main" w="9525">
+              <a:ext uri="{91240B29-F687-4F45-9708-019B960494DF}">
+                <a14:hiddenLine xmlns:a14="http://schemas.microsoft.com/office/drawing/2010/main" w="9525">
                   <a:solidFill>
                     <a:srgbClr val="000000"/>
                   </a:solidFill>
@@ -3032,8 +3032,8 @@
               <a:noFill/>
             </a:ln>
             <a:extLst>
-              <a:ext uri="{91240B29-F687-4f45-9708-019B960494DF}">
-                <a14:hiddenLine xmlns="" xmlns:a14="http://schemas.microsoft.com/office/drawing/2010/main" w="9525">
+              <a:ext uri="{91240B29-F687-4F45-9708-019B960494DF}">
+                <a14:hiddenLine xmlns:a14="http://schemas.microsoft.com/office/drawing/2010/main" w="9525">
                   <a:solidFill>
                     <a:srgbClr val="000000"/>
                   </a:solidFill>
@@ -3094,8 +3094,8 @@
               <a:noFill/>
             </a:ln>
             <a:extLst>
-              <a:ext uri="{91240B29-F687-4f45-9708-019B960494DF}">
-                <a14:hiddenLine xmlns="" xmlns:a14="http://schemas.microsoft.com/office/drawing/2010/main" w="9525">
+              <a:ext uri="{91240B29-F687-4F45-9708-019B960494DF}">
+                <a14:hiddenLine xmlns:a14="http://schemas.microsoft.com/office/drawing/2010/main" w="9525">
                   <a:solidFill>
                     <a:srgbClr val="000000"/>
                   </a:solidFill>
@@ -3184,8 +3184,8 @@
               <a:noFill/>
             </a:ln>
             <a:extLst>
-              <a:ext uri="{91240B29-F687-4f45-9708-019B960494DF}">
-                <a14:hiddenLine xmlns="" xmlns:a14="http://schemas.microsoft.com/office/drawing/2010/main" w="9525">
+              <a:ext uri="{91240B29-F687-4F45-9708-019B960494DF}">
+                <a14:hiddenLine xmlns:a14="http://schemas.microsoft.com/office/drawing/2010/main" w="9525">
                   <a:solidFill>
                     <a:srgbClr val="000000"/>
                   </a:solidFill>
@@ -3218,8 +3218,8 @@
               <a:noFill/>
             </a:ln>
             <a:extLst>
-              <a:ext uri="{91240B29-F687-4f45-9708-019B960494DF}">
-                <a14:hiddenLine xmlns="" xmlns:a14="http://schemas.microsoft.com/office/drawing/2010/main" w="9525">
+              <a:ext uri="{91240B29-F687-4F45-9708-019B960494DF}">
+                <a14:hiddenLine xmlns:a14="http://schemas.microsoft.com/office/drawing/2010/main" w="9525">
                   <a:solidFill>
                     <a:srgbClr val="000000"/>
                   </a:solidFill>
@@ -3283,8 +3283,8 @@
               <a:noFill/>
             </a:ln>
             <a:extLst>
-              <a:ext uri="{91240B29-F687-4f45-9708-019B960494DF}">
-                <a14:hiddenLine xmlns="" xmlns:a14="http://schemas.microsoft.com/office/drawing/2010/main" w="9525">
+              <a:ext uri="{91240B29-F687-4F45-9708-019B960494DF}">
+                <a14:hiddenLine xmlns:a14="http://schemas.microsoft.com/office/drawing/2010/main" w="9525">
                   <a:solidFill>
                     <a:srgbClr val="000000"/>
                   </a:solidFill>
@@ -3373,8 +3373,8 @@
               <a:noFill/>
             </a:ln>
             <a:extLst>
-              <a:ext uri="{91240B29-F687-4f45-9708-019B960494DF}">
-                <a14:hiddenLine xmlns="" xmlns:a14="http://schemas.microsoft.com/office/drawing/2010/main" w="9525">
+              <a:ext uri="{91240B29-F687-4F45-9708-019B960494DF}">
+                <a14:hiddenLine xmlns:a14="http://schemas.microsoft.com/office/drawing/2010/main" w="9525">
                   <a:solidFill>
                     <a:srgbClr val="000000"/>
                   </a:solidFill>
@@ -3435,8 +3435,8 @@
               <a:noFill/>
             </a:ln>
             <a:extLst>
-              <a:ext uri="{91240B29-F687-4f45-9708-019B960494DF}">
-                <a14:hiddenLine xmlns="" xmlns:a14="http://schemas.microsoft.com/office/drawing/2010/main" w="9525">
+              <a:ext uri="{91240B29-F687-4F45-9708-019B960494DF}">
+                <a14:hiddenLine xmlns:a14="http://schemas.microsoft.com/office/drawing/2010/main" w="9525">
                   <a:solidFill>
                     <a:srgbClr val="000000"/>
                   </a:solidFill>
@@ -3525,8 +3525,8 @@
               <a:noFill/>
             </a:ln>
             <a:extLst>
-              <a:ext uri="{91240B29-F687-4f45-9708-019B960494DF}">
-                <a14:hiddenLine xmlns="" xmlns:a14="http://schemas.microsoft.com/office/drawing/2010/main" w="9525">
+              <a:ext uri="{91240B29-F687-4F45-9708-019B960494DF}">
+                <a14:hiddenLine xmlns:a14="http://schemas.microsoft.com/office/drawing/2010/main" w="9525">
                   <a:solidFill>
                     <a:srgbClr val="000000"/>
                   </a:solidFill>
@@ -3615,8 +3615,8 @@
               <a:noFill/>
             </a:ln>
             <a:extLst>
-              <a:ext uri="{91240B29-F687-4f45-9708-019B960494DF}">
-                <a14:hiddenLine xmlns="" xmlns:a14="http://schemas.microsoft.com/office/drawing/2010/main" w="9525">
+              <a:ext uri="{91240B29-F687-4F45-9708-019B960494DF}">
+                <a14:hiddenLine xmlns:a14="http://schemas.microsoft.com/office/drawing/2010/main" w="9525">
                   <a:solidFill>
                     <a:srgbClr val="000000"/>
                   </a:solidFill>
@@ -3680,8 +3680,8 @@
               <a:noFill/>
             </a:ln>
             <a:extLst>
-              <a:ext uri="{91240B29-F687-4f45-9708-019B960494DF}">
-                <a14:hiddenLine xmlns="" xmlns:a14="http://schemas.microsoft.com/office/drawing/2010/main" w="9525">
+              <a:ext uri="{91240B29-F687-4F45-9708-019B960494DF}">
+                <a14:hiddenLine xmlns:a14="http://schemas.microsoft.com/office/drawing/2010/main" w="9525">
                   <a:solidFill>
                     <a:srgbClr val="000000"/>
                   </a:solidFill>
@@ -3742,8 +3742,8 @@
               <a:noFill/>
             </a:ln>
             <a:extLst>
-              <a:ext uri="{91240B29-F687-4f45-9708-019B960494DF}">
-                <a14:hiddenLine xmlns="" xmlns:a14="http://schemas.microsoft.com/office/drawing/2010/main" w="9525">
+              <a:ext uri="{91240B29-F687-4F45-9708-019B960494DF}">
+                <a14:hiddenLine xmlns:a14="http://schemas.microsoft.com/office/drawing/2010/main" w="9525">
                   <a:solidFill>
                     <a:srgbClr val="000000"/>
                   </a:solidFill>
@@ -3832,8 +3832,8 @@
               <a:noFill/>
             </a:ln>
             <a:extLst>
-              <a:ext uri="{91240B29-F687-4f45-9708-019B960494DF}">
-                <a14:hiddenLine xmlns="" xmlns:a14="http://schemas.microsoft.com/office/drawing/2010/main" w="9525">
+              <a:ext uri="{91240B29-F687-4F45-9708-019B960494DF}">
+                <a14:hiddenLine xmlns:a14="http://schemas.microsoft.com/office/drawing/2010/main" w="9525">
                   <a:solidFill>
                     <a:srgbClr val="000000"/>
                   </a:solidFill>
@@ -3922,8 +3922,8 @@
               <a:noFill/>
             </a:ln>
             <a:extLst>
-              <a:ext uri="{91240B29-F687-4f45-9708-019B960494DF}">
-                <a14:hiddenLine xmlns="" xmlns:a14="http://schemas.microsoft.com/office/drawing/2010/main" w="9525">
+              <a:ext uri="{91240B29-F687-4F45-9708-019B960494DF}">
+                <a14:hiddenLine xmlns:a14="http://schemas.microsoft.com/office/drawing/2010/main" w="9525">
                   <a:solidFill>
                     <a:srgbClr val="000000"/>
                   </a:solidFill>
@@ -3984,8 +3984,8 @@
               <a:noFill/>
             </a:ln>
             <a:extLst>
-              <a:ext uri="{91240B29-F687-4f45-9708-019B960494DF}">
-                <a14:hiddenLine xmlns="" xmlns:a14="http://schemas.microsoft.com/office/drawing/2010/main" w="9525">
+              <a:ext uri="{91240B29-F687-4F45-9708-019B960494DF}">
+                <a14:hiddenLine xmlns:a14="http://schemas.microsoft.com/office/drawing/2010/main" w="9525">
                   <a:solidFill>
                     <a:srgbClr val="000000"/>
                   </a:solidFill>
@@ -4104,8 +4104,8 @@
               <a:noFill/>
             </a:ln>
             <a:extLst>
-              <a:ext uri="{91240B29-F687-4f45-9708-019B960494DF}">
-                <a14:hiddenLine xmlns="" xmlns:a14="http://schemas.microsoft.com/office/drawing/2010/main" w="9525">
+              <a:ext uri="{91240B29-F687-4F45-9708-019B960494DF}">
+                <a14:hiddenLine xmlns:a14="http://schemas.microsoft.com/office/drawing/2010/main" w="9525">
                   <a:solidFill>
                     <a:srgbClr val="000000"/>
                   </a:solidFill>
@@ -4172,8 +4172,8 @@
               <a:noFill/>
             </a:ln>
             <a:extLst>
-              <a:ext uri="{91240B29-F687-4f45-9708-019B960494DF}">
-                <a14:hiddenLine xmlns="" xmlns:a14="http://schemas.microsoft.com/office/drawing/2010/main" w="9525">
+              <a:ext uri="{91240B29-F687-4F45-9708-019B960494DF}">
+                <a14:hiddenLine xmlns:a14="http://schemas.microsoft.com/office/drawing/2010/main" w="9525">
                   <a:solidFill>
                     <a:srgbClr val="000000"/>
                   </a:solidFill>
@@ -4262,8 +4262,8 @@
               <a:noFill/>
             </a:ln>
             <a:extLst>
-              <a:ext uri="{91240B29-F687-4f45-9708-019B960494DF}">
-                <a14:hiddenLine xmlns="" xmlns:a14="http://schemas.microsoft.com/office/drawing/2010/main" w="9525">
+              <a:ext uri="{91240B29-F687-4F45-9708-019B960494DF}">
+                <a14:hiddenLine xmlns:a14="http://schemas.microsoft.com/office/drawing/2010/main" w="9525">
                   <a:solidFill>
                     <a:srgbClr val="000000"/>
                   </a:solidFill>
@@ -9188,8 +9188,8 @@
           </a:prstGeom>
           <a:noFill/>
           <a:extLst>
-            <a:ext uri="{909E8E84-426E-40dd-AFC4-6F175D3DCCD1}">
-              <a14:hiddenFill xmlns="" xmlns:a14="http://schemas.microsoft.com/office/drawing/2010/main">
+            <a:ext uri="{909E8E84-426E-40DD-AFC4-6F175D3DCCD1}">
+              <a14:hiddenFill xmlns:a14="http://schemas.microsoft.com/office/drawing/2010/main">
                 <a:solidFill>
                   <a:srgbClr val="FFFFFF"/>
                 </a:solidFill>
@@ -9262,8 +9262,8 @@
                 <a:noFill/>
               </a:ln>
               <a:extLst>
-                <a:ext uri="{91240B29-F687-4f45-9708-019B960494DF}">
-                  <a14:hiddenLine xmlns="" xmlns:a14="http://schemas.microsoft.com/office/drawing/2010/main" w="9525">
+                <a:ext uri="{91240B29-F687-4F45-9708-019B960494DF}">
+                  <a14:hiddenLine xmlns:a14="http://schemas.microsoft.com/office/drawing/2010/main" w="9525">
                     <a:solidFill>
                       <a:srgbClr val="000000"/>
                     </a:solidFill>
@@ -9352,8 +9352,8 @@
                 <a:noFill/>
               </a:ln>
               <a:extLst>
-                <a:ext uri="{91240B29-F687-4f45-9708-019B960494DF}">
-                  <a14:hiddenLine xmlns="" xmlns:a14="http://schemas.microsoft.com/office/drawing/2010/main" w="9525">
+                <a:ext uri="{91240B29-F687-4F45-9708-019B960494DF}">
+                  <a14:hiddenLine xmlns:a14="http://schemas.microsoft.com/office/drawing/2010/main" w="9525">
                     <a:solidFill>
                       <a:srgbClr val="000000"/>
                     </a:solidFill>
@@ -9442,8 +9442,8 @@
                 <a:noFill/>
               </a:ln>
               <a:extLst>
-                <a:ext uri="{91240B29-F687-4f45-9708-019B960494DF}">
-                  <a14:hiddenLine xmlns="" xmlns:a14="http://schemas.microsoft.com/office/drawing/2010/main" w="9525">
+                <a:ext uri="{91240B29-F687-4F45-9708-019B960494DF}">
+                  <a14:hiddenLine xmlns:a14="http://schemas.microsoft.com/office/drawing/2010/main" w="9525">
                     <a:solidFill>
                       <a:srgbClr val="000000"/>
                     </a:solidFill>
@@ -9504,8 +9504,8 @@
                 <a:noFill/>
               </a:ln>
               <a:extLst>
-                <a:ext uri="{91240B29-F687-4f45-9708-019B960494DF}">
-                  <a14:hiddenLine xmlns="" xmlns:a14="http://schemas.microsoft.com/office/drawing/2010/main" w="9525">
+                <a:ext uri="{91240B29-F687-4F45-9708-019B960494DF}">
+                  <a14:hiddenLine xmlns:a14="http://schemas.microsoft.com/office/drawing/2010/main" w="9525">
                     <a:solidFill>
                       <a:srgbClr val="000000"/>
                     </a:solidFill>
@@ -9594,8 +9594,8 @@
                 <a:noFill/>
               </a:ln>
               <a:extLst>
-                <a:ext uri="{91240B29-F687-4f45-9708-019B960494DF}">
-                  <a14:hiddenLine xmlns="" xmlns:a14="http://schemas.microsoft.com/office/drawing/2010/main" w="9525">
+                <a:ext uri="{91240B29-F687-4F45-9708-019B960494DF}">
+                  <a14:hiddenLine xmlns:a14="http://schemas.microsoft.com/office/drawing/2010/main" w="9525">
                     <a:solidFill>
                       <a:srgbClr val="000000"/>
                     </a:solidFill>
@@ -9656,8 +9656,8 @@
                 <a:noFill/>
               </a:ln>
               <a:extLst>
-                <a:ext uri="{91240B29-F687-4f45-9708-019B960494DF}">
-                  <a14:hiddenLine xmlns="" xmlns:a14="http://schemas.microsoft.com/office/drawing/2010/main" w="9525">
+                <a:ext uri="{91240B29-F687-4F45-9708-019B960494DF}">
+                  <a14:hiddenLine xmlns:a14="http://schemas.microsoft.com/office/drawing/2010/main" w="9525">
                     <a:solidFill>
                       <a:srgbClr val="000000"/>
                     </a:solidFill>
@@ -9718,8 +9718,8 @@
                 <a:noFill/>
               </a:ln>
               <a:extLst>
-                <a:ext uri="{91240B29-F687-4f45-9708-019B960494DF}">
-                  <a14:hiddenLine xmlns="" xmlns:a14="http://schemas.microsoft.com/office/drawing/2010/main" w="9525">
+                <a:ext uri="{91240B29-F687-4F45-9708-019B960494DF}">
+                  <a14:hiddenLine xmlns:a14="http://schemas.microsoft.com/office/drawing/2010/main" w="9525">
                     <a:solidFill>
                       <a:srgbClr val="000000"/>
                     </a:solidFill>
@@ -9808,8 +9808,8 @@
                 <a:noFill/>
               </a:ln>
               <a:extLst>
-                <a:ext uri="{91240B29-F687-4f45-9708-019B960494DF}">
-                  <a14:hiddenLine xmlns="" xmlns:a14="http://schemas.microsoft.com/office/drawing/2010/main" w="9525">
+                <a:ext uri="{91240B29-F687-4F45-9708-019B960494DF}">
+                  <a14:hiddenLine xmlns:a14="http://schemas.microsoft.com/office/drawing/2010/main" w="9525">
                     <a:solidFill>
                       <a:srgbClr val="000000"/>
                     </a:solidFill>
@@ -9898,8 +9898,8 @@
                 <a:noFill/>
               </a:ln>
               <a:extLst>
-                <a:ext uri="{91240B29-F687-4f45-9708-019B960494DF}">
-                  <a14:hiddenLine xmlns="" xmlns:a14="http://schemas.microsoft.com/office/drawing/2010/main" w="9525">
+                <a:ext uri="{91240B29-F687-4F45-9708-019B960494DF}">
+                  <a14:hiddenLine xmlns:a14="http://schemas.microsoft.com/office/drawing/2010/main" w="9525">
                     <a:solidFill>
                       <a:srgbClr val="000000"/>
                     </a:solidFill>
@@ -9960,8 +9960,8 @@
                 <a:noFill/>
               </a:ln>
               <a:extLst>
-                <a:ext uri="{91240B29-F687-4f45-9708-019B960494DF}">
-                  <a14:hiddenLine xmlns="" xmlns:a14="http://schemas.microsoft.com/office/drawing/2010/main" w="9525">
+                <a:ext uri="{91240B29-F687-4F45-9708-019B960494DF}">
+                  <a14:hiddenLine xmlns:a14="http://schemas.microsoft.com/office/drawing/2010/main" w="9525">
                     <a:solidFill>
                       <a:srgbClr val="000000"/>
                     </a:solidFill>
@@ -10070,8 +10070,8 @@
                 <a:noFill/>
               </a:ln>
               <a:extLst>
-                <a:ext uri="{91240B29-F687-4f45-9708-019B960494DF}">
-                  <a14:hiddenLine xmlns="" xmlns:a14="http://schemas.microsoft.com/office/drawing/2010/main" w="9525">
+                <a:ext uri="{91240B29-F687-4F45-9708-019B960494DF}">
+                  <a14:hiddenLine xmlns:a14="http://schemas.microsoft.com/office/drawing/2010/main" w="9525">
                     <a:solidFill>
                       <a:srgbClr val="000000"/>
                     </a:solidFill>
@@ -10154,8 +10154,8 @@
                 <a:noFill/>
               </a:ln>
               <a:extLst>
-                <a:ext uri="{91240B29-F687-4f45-9708-019B960494DF}">
-                  <a14:hiddenLine xmlns="" xmlns:a14="http://schemas.microsoft.com/office/drawing/2010/main" w="9525">
+                <a:ext uri="{91240B29-F687-4F45-9708-019B960494DF}">
+                  <a14:hiddenLine xmlns:a14="http://schemas.microsoft.com/office/drawing/2010/main" w="9525">
                     <a:solidFill>
                       <a:srgbClr val="000000"/>
                     </a:solidFill>
@@ -10216,8 +10216,8 @@
                 <a:noFill/>
               </a:ln>
               <a:extLst>
-                <a:ext uri="{91240B29-F687-4f45-9708-019B960494DF}">
-                  <a14:hiddenLine xmlns="" xmlns:a14="http://schemas.microsoft.com/office/drawing/2010/main" w="9525">
+                <a:ext uri="{91240B29-F687-4F45-9708-019B960494DF}">
+                  <a14:hiddenLine xmlns:a14="http://schemas.microsoft.com/office/drawing/2010/main" w="9525">
                     <a:solidFill>
                       <a:srgbClr val="000000"/>
                     </a:solidFill>
@@ -10278,8 +10278,8 @@
                 <a:noFill/>
               </a:ln>
               <a:extLst>
-                <a:ext uri="{91240B29-F687-4f45-9708-019B960494DF}">
-                  <a14:hiddenLine xmlns="" xmlns:a14="http://schemas.microsoft.com/office/drawing/2010/main" w="9525">
+                <a:ext uri="{91240B29-F687-4F45-9708-019B960494DF}">
+                  <a14:hiddenLine xmlns:a14="http://schemas.microsoft.com/office/drawing/2010/main" w="9525">
                     <a:solidFill>
                       <a:srgbClr val="000000"/>
                     </a:solidFill>
@@ -10368,8 +10368,8 @@
                 <a:noFill/>
               </a:ln>
               <a:extLst>
-                <a:ext uri="{91240B29-F687-4f45-9708-019B960494DF}">
-                  <a14:hiddenLine xmlns="" xmlns:a14="http://schemas.microsoft.com/office/drawing/2010/main" w="9525">
+                <a:ext uri="{91240B29-F687-4F45-9708-019B960494DF}">
+                  <a14:hiddenLine xmlns:a14="http://schemas.microsoft.com/office/drawing/2010/main" w="9525">
                     <a:solidFill>
                       <a:srgbClr val="000000"/>
                     </a:solidFill>
@@ -10402,8 +10402,8 @@
                 <a:noFill/>
               </a:ln>
               <a:extLst>
-                <a:ext uri="{91240B29-F687-4f45-9708-019B960494DF}">
-                  <a14:hiddenLine xmlns="" xmlns:a14="http://schemas.microsoft.com/office/drawing/2010/main" w="9525">
+                <a:ext uri="{91240B29-F687-4F45-9708-019B960494DF}">
+                  <a14:hiddenLine xmlns:a14="http://schemas.microsoft.com/office/drawing/2010/main" w="9525">
                     <a:solidFill>
                       <a:srgbClr val="000000"/>
                     </a:solidFill>
@@ -10467,8 +10467,8 @@
                 <a:noFill/>
               </a:ln>
               <a:extLst>
-                <a:ext uri="{91240B29-F687-4f45-9708-019B960494DF}">
-                  <a14:hiddenLine xmlns="" xmlns:a14="http://schemas.microsoft.com/office/drawing/2010/main" w="9525">
+                <a:ext uri="{91240B29-F687-4F45-9708-019B960494DF}">
+                  <a14:hiddenLine xmlns:a14="http://schemas.microsoft.com/office/drawing/2010/main" w="9525">
                     <a:solidFill>
                       <a:srgbClr val="000000"/>
                     </a:solidFill>
@@ -10557,8 +10557,8 @@
                 <a:noFill/>
               </a:ln>
               <a:extLst>
-                <a:ext uri="{91240B29-F687-4f45-9708-019B960494DF}">
-                  <a14:hiddenLine xmlns="" xmlns:a14="http://schemas.microsoft.com/office/drawing/2010/main" w="9525">
+                <a:ext uri="{91240B29-F687-4F45-9708-019B960494DF}">
+                  <a14:hiddenLine xmlns:a14="http://schemas.microsoft.com/office/drawing/2010/main" w="9525">
                     <a:solidFill>
                       <a:srgbClr val="000000"/>
                     </a:solidFill>
@@ -10619,8 +10619,8 @@
                 <a:noFill/>
               </a:ln>
               <a:extLst>
-                <a:ext uri="{91240B29-F687-4f45-9708-019B960494DF}">
-                  <a14:hiddenLine xmlns="" xmlns:a14="http://schemas.microsoft.com/office/drawing/2010/main" w="9525">
+                <a:ext uri="{91240B29-F687-4F45-9708-019B960494DF}">
+                  <a14:hiddenLine xmlns:a14="http://schemas.microsoft.com/office/drawing/2010/main" w="9525">
                     <a:solidFill>
                       <a:srgbClr val="000000"/>
                     </a:solidFill>
@@ -10709,8 +10709,8 @@
                 <a:noFill/>
               </a:ln>
               <a:extLst>
-                <a:ext uri="{91240B29-F687-4f45-9708-019B960494DF}">
-                  <a14:hiddenLine xmlns="" xmlns:a14="http://schemas.microsoft.com/office/drawing/2010/main" w="9525">
+                <a:ext uri="{91240B29-F687-4F45-9708-019B960494DF}">
+                  <a14:hiddenLine xmlns:a14="http://schemas.microsoft.com/office/drawing/2010/main" w="9525">
                     <a:solidFill>
                       <a:srgbClr val="000000"/>
                     </a:solidFill>
@@ -10774,8 +10774,8 @@
                 <a:noFill/>
               </a:ln>
               <a:extLst>
-                <a:ext uri="{91240B29-F687-4f45-9708-019B960494DF}">
-                  <a14:hiddenLine xmlns="" xmlns:a14="http://schemas.microsoft.com/office/drawing/2010/main" w="9525">
+                <a:ext uri="{91240B29-F687-4F45-9708-019B960494DF}">
+                  <a14:hiddenLine xmlns:a14="http://schemas.microsoft.com/office/drawing/2010/main" w="9525">
                     <a:solidFill>
                       <a:srgbClr val="000000"/>
                     </a:solidFill>
@@ -10836,8 +10836,8 @@
                 <a:noFill/>
               </a:ln>
               <a:extLst>
-                <a:ext uri="{91240B29-F687-4f45-9708-019B960494DF}">
-                  <a14:hiddenLine xmlns="" xmlns:a14="http://schemas.microsoft.com/office/drawing/2010/main" w="9525">
+                <a:ext uri="{91240B29-F687-4F45-9708-019B960494DF}">
+                  <a14:hiddenLine xmlns:a14="http://schemas.microsoft.com/office/drawing/2010/main" w="9525">
                     <a:solidFill>
                       <a:srgbClr val="000000"/>
                     </a:solidFill>
@@ -10926,8 +10926,8 @@
                 <a:noFill/>
               </a:ln>
               <a:extLst>
-                <a:ext uri="{91240B29-F687-4f45-9708-019B960494DF}">
-                  <a14:hiddenLine xmlns="" xmlns:a14="http://schemas.microsoft.com/office/drawing/2010/main" w="9525">
+                <a:ext uri="{91240B29-F687-4F45-9708-019B960494DF}">
+                  <a14:hiddenLine xmlns:a14="http://schemas.microsoft.com/office/drawing/2010/main" w="9525">
                     <a:solidFill>
                       <a:srgbClr val="000000"/>
                     </a:solidFill>
@@ -11016,8 +11016,8 @@
                 <a:noFill/>
               </a:ln>
               <a:extLst>
-                <a:ext uri="{91240B29-F687-4f45-9708-019B960494DF}">
-                  <a14:hiddenLine xmlns="" xmlns:a14="http://schemas.microsoft.com/office/drawing/2010/main" w="9525">
+                <a:ext uri="{91240B29-F687-4F45-9708-019B960494DF}">
+                  <a14:hiddenLine xmlns:a14="http://schemas.microsoft.com/office/drawing/2010/main" w="9525">
                     <a:solidFill>
                       <a:srgbClr val="000000"/>
                     </a:solidFill>
@@ -11081,8 +11081,8 @@
                 <a:noFill/>
               </a:ln>
               <a:extLst>
-                <a:ext uri="{91240B29-F687-4f45-9708-019B960494DF}">
-                  <a14:hiddenLine xmlns="" xmlns:a14="http://schemas.microsoft.com/office/drawing/2010/main" w="9525">
+                <a:ext uri="{91240B29-F687-4F45-9708-019B960494DF}">
+                  <a14:hiddenLine xmlns:a14="http://schemas.microsoft.com/office/drawing/2010/main" w="9525">
                     <a:solidFill>
                       <a:srgbClr val="000000"/>
                     </a:solidFill>
@@ -11201,8 +11201,8 @@
                 <a:noFill/>
               </a:ln>
               <a:extLst>
-                <a:ext uri="{91240B29-F687-4f45-9708-019B960494DF}">
-                  <a14:hiddenLine xmlns="" xmlns:a14="http://schemas.microsoft.com/office/drawing/2010/main" w="9525">
+                <a:ext uri="{91240B29-F687-4F45-9708-019B960494DF}">
+                  <a14:hiddenLine xmlns:a14="http://schemas.microsoft.com/office/drawing/2010/main" w="9525">
                     <a:solidFill>
                       <a:srgbClr val="000000"/>
                     </a:solidFill>
@@ -11299,8 +11299,8 @@
                 <a:noFill/>
               </a:ln>
               <a:extLst>
-                <a:ext uri="{91240B29-F687-4f45-9708-019B960494DF}">
-                  <a14:hiddenLine xmlns="" xmlns:a14="http://schemas.microsoft.com/office/drawing/2010/main" w="9525">
+                <a:ext uri="{91240B29-F687-4F45-9708-019B960494DF}">
+                  <a14:hiddenLine xmlns:a14="http://schemas.microsoft.com/office/drawing/2010/main" w="9525">
                     <a:solidFill>
                       <a:srgbClr val="000000"/>
                     </a:solidFill>
@@ -11414,8 +11414,8 @@
                 <a:noFill/>
               </a:ln>
               <a:extLst>
-                <a:ext uri="{91240B29-F687-4f45-9708-019B960494DF}">
-                  <a14:hiddenLine xmlns="" xmlns:a14="http://schemas.microsoft.com/office/drawing/2010/main" w="9525">
+                <a:ext uri="{91240B29-F687-4F45-9708-019B960494DF}">
+                  <a14:hiddenLine xmlns:a14="http://schemas.microsoft.com/office/drawing/2010/main" w="9525">
                     <a:solidFill>
                       <a:srgbClr val="000000"/>
                     </a:solidFill>
@@ -11504,8 +11504,8 @@
                 <a:noFill/>
               </a:ln>
               <a:extLst>
-                <a:ext uri="{91240B29-F687-4f45-9708-019B960494DF}">
-                  <a14:hiddenLine xmlns="" xmlns:a14="http://schemas.microsoft.com/office/drawing/2010/main" w="9525">
+                <a:ext uri="{91240B29-F687-4F45-9708-019B960494DF}">
+                  <a14:hiddenLine xmlns:a14="http://schemas.microsoft.com/office/drawing/2010/main" w="9525">
                     <a:solidFill>
                       <a:srgbClr val="000000"/>
                     </a:solidFill>
@@ -11569,8 +11569,8 @@
                 <a:noFill/>
               </a:ln>
               <a:extLst>
-                <a:ext uri="{91240B29-F687-4f45-9708-019B960494DF}">
-                  <a14:hiddenLine xmlns="" xmlns:a14="http://schemas.microsoft.com/office/drawing/2010/main" w="9525">
+                <a:ext uri="{91240B29-F687-4F45-9708-019B960494DF}">
+                  <a14:hiddenLine xmlns:a14="http://schemas.microsoft.com/office/drawing/2010/main" w="9525">
                     <a:solidFill>
                       <a:srgbClr val="000000"/>
                     </a:solidFill>
@@ -11659,8 +11659,8 @@
                 <a:noFill/>
               </a:ln>
               <a:extLst>
-                <a:ext uri="{91240B29-F687-4f45-9708-019B960494DF}">
-                  <a14:hiddenLine xmlns="" xmlns:a14="http://schemas.microsoft.com/office/drawing/2010/main" w="9525">
+                <a:ext uri="{91240B29-F687-4F45-9708-019B960494DF}">
+                  <a14:hiddenLine xmlns:a14="http://schemas.microsoft.com/office/drawing/2010/main" w="9525">
                     <a:solidFill>
                       <a:srgbClr val="000000"/>
                     </a:solidFill>
@@ -11727,8 +11727,8 @@
                 <a:noFill/>
               </a:ln>
               <a:extLst>
-                <a:ext uri="{91240B29-F687-4f45-9708-019B960494DF}">
-                  <a14:hiddenLine xmlns="" xmlns:a14="http://schemas.microsoft.com/office/drawing/2010/main" w="9525">
+                <a:ext uri="{91240B29-F687-4F45-9708-019B960494DF}">
+                  <a14:hiddenLine xmlns:a14="http://schemas.microsoft.com/office/drawing/2010/main" w="9525">
                     <a:solidFill>
                       <a:srgbClr val="000000"/>
                     </a:solidFill>
@@ -11817,8 +11817,8 @@
                 <a:noFill/>
               </a:ln>
               <a:extLst>
-                <a:ext uri="{91240B29-F687-4f45-9708-019B960494DF}">
-                  <a14:hiddenLine xmlns="" xmlns:a14="http://schemas.microsoft.com/office/drawing/2010/main" w="9525">
+                <a:ext uri="{91240B29-F687-4F45-9708-019B960494DF}">
+                  <a14:hiddenLine xmlns:a14="http://schemas.microsoft.com/office/drawing/2010/main" w="9525">
                     <a:solidFill>
                       <a:srgbClr val="000000"/>
                     </a:solidFill>
@@ -11885,8 +11885,8 @@
                 <a:noFill/>
               </a:ln>
               <a:extLst>
-                <a:ext uri="{91240B29-F687-4f45-9708-019B960494DF}">
-                  <a14:hiddenLine xmlns="" xmlns:a14="http://schemas.microsoft.com/office/drawing/2010/main" w="9525">
+                <a:ext uri="{91240B29-F687-4F45-9708-019B960494DF}">
+                  <a14:hiddenLine xmlns:a14="http://schemas.microsoft.com/office/drawing/2010/main" w="9525">
                     <a:solidFill>
                       <a:srgbClr val="000000"/>
                     </a:solidFill>
@@ -11975,8 +11975,8 @@
                 <a:noFill/>
               </a:ln>
               <a:extLst>
-                <a:ext uri="{91240B29-F687-4f45-9708-019B960494DF}">
-                  <a14:hiddenLine xmlns="" xmlns:a14="http://schemas.microsoft.com/office/drawing/2010/main" w="9525">
+                <a:ext uri="{91240B29-F687-4F45-9708-019B960494DF}">
+                  <a14:hiddenLine xmlns:a14="http://schemas.microsoft.com/office/drawing/2010/main" w="9525">
                     <a:solidFill>
                       <a:srgbClr val="000000"/>
                     </a:solidFill>
@@ -12009,8 +12009,8 @@
                 <a:noFill/>
               </a:ln>
               <a:extLst>
-                <a:ext uri="{91240B29-F687-4f45-9708-019B960494DF}">
-                  <a14:hiddenLine xmlns="" xmlns:a14="http://schemas.microsoft.com/office/drawing/2010/main" w="9525">
+                <a:ext uri="{91240B29-F687-4F45-9708-019B960494DF}">
+                  <a14:hiddenLine xmlns:a14="http://schemas.microsoft.com/office/drawing/2010/main" w="9525">
                     <a:solidFill>
                       <a:srgbClr val="000000"/>
                     </a:solidFill>
@@ -12595,58 +12595,114 @@
           <a:lstStyle/>
           <a:p>
             <a:r>
-              <a:rPr lang="en-US" dirty="0" err="1" smtClean="0"/>
+              <a:rPr lang="en-US" dirty="0" err="1" smtClean="0">
+                <a:solidFill>
+                  <a:schemeClr val="bg1"/>
+                </a:solidFill>
+              </a:rPr>
               <a:t>Primena</a:t>
             </a:r>
             <a:r>
-              <a:rPr lang="en-US" dirty="0" smtClean="0"/>
+              <a:rPr lang="en-US" dirty="0" smtClean="0">
+                <a:solidFill>
+                  <a:schemeClr val="bg1"/>
+                </a:solidFill>
+              </a:rPr>
               <a:t> </a:t>
             </a:r>
             <a:r>
-              <a:rPr lang="en-US" dirty="0" err="1" smtClean="0"/>
+              <a:rPr lang="en-US" dirty="0" err="1" smtClean="0">
+                <a:solidFill>
+                  <a:schemeClr val="bg1"/>
+                </a:solidFill>
+              </a:rPr>
               <a:t>biztalk</a:t>
             </a:r>
             <a:r>
-              <a:rPr lang="en-US" dirty="0" smtClean="0"/>
+              <a:rPr lang="en-US" dirty="0" smtClean="0">
+                <a:solidFill>
+                  <a:schemeClr val="bg1"/>
+                </a:solidFill>
+              </a:rPr>
               <a:t> server</a:t>
             </a:r>
             <a:r>
-              <a:rPr lang="sr-Latn-RS" dirty="0" smtClean="0"/>
+              <a:rPr lang="sr-Latn-RS" dirty="0" smtClean="0">
+                <a:solidFill>
+                  <a:schemeClr val="bg1"/>
+                </a:solidFill>
+              </a:rPr>
               <a:t>a</a:t>
             </a:r>
             <a:r>
-              <a:rPr lang="en-US" dirty="0" smtClean="0"/>
+              <a:rPr lang="en-US" dirty="0" smtClean="0">
+                <a:solidFill>
+                  <a:schemeClr val="bg1"/>
+                </a:solidFill>
+              </a:rPr>
               <a:t> u </a:t>
             </a:r>
             <a:r>
-              <a:rPr lang="en-US" dirty="0" err="1" smtClean="0"/>
+              <a:rPr lang="en-US" dirty="0" err="1" smtClean="0">
+                <a:solidFill>
+                  <a:schemeClr val="bg1"/>
+                </a:solidFill>
+              </a:rPr>
               <a:t>orkestraciji</a:t>
             </a:r>
             <a:r>
-              <a:rPr lang="en-US" dirty="0" smtClean="0"/>
+              <a:rPr lang="en-US" dirty="0" smtClean="0">
+                <a:solidFill>
+                  <a:schemeClr val="bg1"/>
+                </a:solidFill>
+              </a:rPr>
               <a:t> </a:t>
             </a:r>
             <a:r>
-              <a:rPr lang="en-US" dirty="0" err="1" smtClean="0"/>
+              <a:rPr lang="en-US" dirty="0" err="1" smtClean="0">
+                <a:solidFill>
+                  <a:schemeClr val="bg1"/>
+                </a:solidFill>
+              </a:rPr>
               <a:t>procesa</a:t>
             </a:r>
             <a:r>
-              <a:rPr lang="en-US" dirty="0" smtClean="0"/>
+              <a:rPr lang="en-US" dirty="0" smtClean="0">
+                <a:solidFill>
+                  <a:schemeClr val="bg1"/>
+                </a:solidFill>
+              </a:rPr>
               <a:t> </a:t>
             </a:r>
             <a:r>
-              <a:rPr lang="en-US" dirty="0" err="1" smtClean="0"/>
+              <a:rPr lang="en-US" dirty="0" err="1" smtClean="0">
+                <a:solidFill>
+                  <a:schemeClr val="bg1"/>
+                </a:solidFill>
+              </a:rPr>
               <a:t>javne</a:t>
             </a:r>
             <a:r>
-              <a:rPr lang="en-US" dirty="0" smtClean="0"/>
+              <a:rPr lang="en-US" dirty="0" smtClean="0">
+                <a:solidFill>
+                  <a:schemeClr val="bg1"/>
+                </a:solidFill>
+              </a:rPr>
               <a:t> </a:t>
             </a:r>
             <a:r>
-              <a:rPr lang="en-US" dirty="0" err="1" smtClean="0"/>
+              <a:rPr lang="en-US" dirty="0" err="1" smtClean="0">
+                <a:solidFill>
+                  <a:schemeClr val="bg1"/>
+                </a:solidFill>
+              </a:rPr>
               <a:t>uprave</a:t>
             </a:r>
-            <a:endParaRPr lang="en-US" dirty="0"/>
+            <a:endParaRPr lang="en-US" dirty="0">
+              <a:solidFill>
+                <a:schemeClr val="bg1"/>
+              </a:solidFill>
+            </a:endParaRPr>
           </a:p>
         </p:txBody>
       </p:sp>
@@ -12668,10 +12724,7 @@
             <a:r>
               <a:rPr lang="en-US" dirty="0" smtClean="0">
                 <a:solidFill>
-                  <a:schemeClr val="bg1">
-                    <a:lumMod val="95000"/>
-                    <a:lumOff val="5000"/>
-                  </a:schemeClr>
+                  <a:schemeClr val="bg1"/>
                 </a:solidFill>
               </a:rPr>
               <a:t>Student: S</a:t>
@@ -12679,10 +12732,7 @@
             <a:r>
               <a:rPr lang="sr-Latn-RS" dirty="0" err="1" smtClean="0">
                 <a:solidFill>
-                  <a:schemeClr val="bg1">
-                    <a:lumMod val="95000"/>
-                    <a:lumOff val="5000"/>
-                  </a:schemeClr>
+                  <a:schemeClr val="bg1"/>
                 </a:solidFill>
               </a:rPr>
               <a:t>rđan</a:t>
@@ -12690,10 +12740,7 @@
             <a:r>
               <a:rPr lang="sr-Latn-RS" dirty="0" smtClean="0">
                 <a:solidFill>
-                  <a:schemeClr val="bg1">
-                    <a:lumMod val="95000"/>
-                    <a:lumOff val="5000"/>
-                  </a:schemeClr>
+                  <a:schemeClr val="bg1"/>
                 </a:solidFill>
               </a:rPr>
               <a:t> </a:t>
@@ -12701,10 +12748,7 @@
             <a:r>
               <a:rPr lang="sr-Latn-RS" dirty="0" err="1" smtClean="0">
                 <a:solidFill>
-                  <a:schemeClr val="bg1">
-                    <a:lumMod val="95000"/>
-                    <a:lumOff val="5000"/>
-                  </a:schemeClr>
+                  <a:schemeClr val="bg1"/>
                 </a:solidFill>
               </a:rPr>
               <a:t>mlađenović</a:t>
@@ -12712,10 +12756,7 @@
             <a:r>
               <a:rPr lang="sr-Latn-RS" dirty="0" smtClean="0">
                 <a:solidFill>
-                  <a:schemeClr val="bg1">
-                    <a:lumMod val="95000"/>
-                    <a:lumOff val="5000"/>
-                  </a:schemeClr>
+                  <a:schemeClr val="bg1"/>
                 </a:solidFill>
               </a:rPr>
               <a:t>	</a:t>
@@ -12725,53 +12766,54 @@
             <a:r>
               <a:rPr lang="sr-Latn-RS" dirty="0" smtClean="0">
                 <a:solidFill>
-                  <a:schemeClr val="bg1">
-                    <a:lumMod val="95000"/>
-                    <a:lumOff val="5000"/>
-                  </a:schemeClr>
+                  <a:schemeClr val="bg1"/>
                 </a:solidFill>
               </a:rPr>
               <a:t>Mentor: </a:t>
             </a:r>
             <a:r>
-              <a:rPr lang="sr-Latn-RS" dirty="0" err="1" smtClean="0">
-                <a:solidFill>
-                  <a:schemeClr val="bg1">
-                    <a:lumMod val="95000"/>
-                    <a:lumOff val="5000"/>
-                  </a:schemeClr>
+              <a:rPr lang="sr-Latn-RS" dirty="0" smtClean="0">
+                <a:solidFill>
+                  <a:schemeClr val="bg1"/>
                 </a:solidFill>
               </a:rPr>
               <a:t>prof</a:t>
             </a:r>
             <a:r>
+              <a:rPr lang="en-US" smtClean="0">
+                <a:solidFill>
+                  <a:schemeClr val="bg1"/>
+                </a:solidFill>
+              </a:rPr>
+              <a:t>.</a:t>
+            </a:r>
+            <a:r>
+              <a:rPr lang="sr-Latn-RS" smtClean="0">
+                <a:solidFill>
+                  <a:schemeClr val="bg1"/>
+                </a:solidFill>
+              </a:rPr>
+              <a:t> </a:t>
+            </a:r>
+            <a:r>
               <a:rPr lang="sr-Latn-RS" dirty="0" smtClean="0">
                 <a:solidFill>
-                  <a:schemeClr val="bg1">
-                    <a:lumMod val="95000"/>
-                    <a:lumOff val="5000"/>
-                  </a:schemeClr>
+                  <a:schemeClr val="bg1"/>
                 </a:solidFill>
               </a:rPr>
-              <a:t> dr Slađan </a:t>
+              <a:t>dr Slađan </a:t>
             </a:r>
             <a:r>
               <a:rPr lang="sr-Latn-RS" dirty="0" err="1" smtClean="0">
                 <a:solidFill>
-                  <a:schemeClr val="bg1">
-                    <a:lumMod val="95000"/>
-                    <a:lumOff val="5000"/>
-                  </a:schemeClr>
+                  <a:schemeClr val="bg1"/>
                 </a:solidFill>
               </a:rPr>
               <a:t>babarogić</a:t>
             </a:r>
             <a:endParaRPr lang="en-US" dirty="0">
               <a:solidFill>
-                <a:schemeClr val="bg1">
-                  <a:lumMod val="95000"/>
-                  <a:lumOff val="5000"/>
-                </a:schemeClr>
+                <a:schemeClr val="bg1"/>
               </a:solidFill>
             </a:endParaRPr>
           </a:p>
@@ -12802,9 +12844,157 @@
   <p:timing>
     <p:tnLst>
       <p:par>
-        <p:cTn id="1" dur="indefinite" restart="never" nodeType="tmRoot"/>
+        <p:cTn id="1" dur="indefinite" restart="never" nodeType="tmRoot">
+          <p:childTnLst>
+            <p:seq concurrent="1" nextAc="seek">
+              <p:cTn id="2" dur="indefinite" nodeType="mainSeq">
+                <p:childTnLst>
+                  <p:par>
+                    <p:cTn id="3" fill="hold">
+                      <p:stCondLst>
+                        <p:cond delay="indefinite"/>
+                      </p:stCondLst>
+                      <p:childTnLst>
+                        <p:par>
+                          <p:cTn id="4" fill="hold">
+                            <p:stCondLst>
+                              <p:cond delay="0"/>
+                            </p:stCondLst>
+                            <p:childTnLst>
+                              <p:par>
+                                <p:cTn id="5" presetID="22" presetClass="entr" presetSubtype="4" fill="hold" grpId="0" nodeType="clickEffect">
+                                  <p:stCondLst>
+                                    <p:cond delay="0"/>
+                                  </p:stCondLst>
+                                  <p:childTnLst>
+                                    <p:set>
+                                      <p:cBhvr>
+                                        <p:cTn id="6" dur="1" fill="hold">
+                                          <p:stCondLst>
+                                            <p:cond delay="0"/>
+                                          </p:stCondLst>
+                                        </p:cTn>
+                                        <p:tgtEl>
+                                          <p:spTgt spid="3">
+                                            <p:txEl>
+                                              <p:pRg st="0" end="0"/>
+                                            </p:txEl>
+                                          </p:spTgt>
+                                        </p:tgtEl>
+                                        <p:attrNameLst>
+                                          <p:attrName>style.visibility</p:attrName>
+                                        </p:attrNameLst>
+                                      </p:cBhvr>
+                                      <p:to>
+                                        <p:strVal val="visible"/>
+                                      </p:to>
+                                    </p:set>
+                                    <p:animEffect transition="in" filter="wipe(down)">
+                                      <p:cBhvr>
+                                        <p:cTn id="7" dur="500"/>
+                                        <p:tgtEl>
+                                          <p:spTgt spid="3">
+                                            <p:txEl>
+                                              <p:pRg st="0" end="0"/>
+                                            </p:txEl>
+                                          </p:spTgt>
+                                        </p:tgtEl>
+                                      </p:cBhvr>
+                                    </p:animEffect>
+                                  </p:childTnLst>
+                                </p:cTn>
+                              </p:par>
+                            </p:childTnLst>
+                          </p:cTn>
+                        </p:par>
+                      </p:childTnLst>
+                    </p:cTn>
+                  </p:par>
+                  <p:par>
+                    <p:cTn id="8" fill="hold">
+                      <p:stCondLst>
+                        <p:cond delay="indefinite"/>
+                      </p:stCondLst>
+                      <p:childTnLst>
+                        <p:par>
+                          <p:cTn id="9" fill="hold">
+                            <p:stCondLst>
+                              <p:cond delay="0"/>
+                            </p:stCondLst>
+                            <p:childTnLst>
+                              <p:par>
+                                <p:cTn id="10" presetID="22" presetClass="entr" presetSubtype="4" fill="hold" grpId="0" nodeType="clickEffect">
+                                  <p:stCondLst>
+                                    <p:cond delay="0"/>
+                                  </p:stCondLst>
+                                  <p:childTnLst>
+                                    <p:set>
+                                      <p:cBhvr>
+                                        <p:cTn id="11" dur="1" fill="hold">
+                                          <p:stCondLst>
+                                            <p:cond delay="0"/>
+                                          </p:stCondLst>
+                                        </p:cTn>
+                                        <p:tgtEl>
+                                          <p:spTgt spid="3">
+                                            <p:txEl>
+                                              <p:pRg st="1" end="1"/>
+                                            </p:txEl>
+                                          </p:spTgt>
+                                        </p:tgtEl>
+                                        <p:attrNameLst>
+                                          <p:attrName>style.visibility</p:attrName>
+                                        </p:attrNameLst>
+                                      </p:cBhvr>
+                                      <p:to>
+                                        <p:strVal val="visible"/>
+                                      </p:to>
+                                    </p:set>
+                                    <p:animEffect transition="in" filter="wipe(down)">
+                                      <p:cBhvr>
+                                        <p:cTn id="12" dur="500"/>
+                                        <p:tgtEl>
+                                          <p:spTgt spid="3">
+                                            <p:txEl>
+                                              <p:pRg st="1" end="1"/>
+                                            </p:txEl>
+                                          </p:spTgt>
+                                        </p:tgtEl>
+                                      </p:cBhvr>
+                                    </p:animEffect>
+                                  </p:childTnLst>
+                                </p:cTn>
+                              </p:par>
+                            </p:childTnLst>
+                          </p:cTn>
+                        </p:par>
+                      </p:childTnLst>
+                    </p:cTn>
+                  </p:par>
+                </p:childTnLst>
+              </p:cTn>
+              <p:prevCondLst>
+                <p:cond evt="onPrev" delay="0">
+                  <p:tgtEl>
+                    <p:sldTgt/>
+                  </p:tgtEl>
+                </p:cond>
+              </p:prevCondLst>
+              <p:nextCondLst>
+                <p:cond evt="onNext" delay="0">
+                  <p:tgtEl>
+                    <p:sldTgt/>
+                  </p:tgtEl>
+                </p:cond>
+              </p:nextCondLst>
+            </p:seq>
+          </p:childTnLst>
+        </p:cTn>
       </p:par>
     </p:tnLst>
+    <p:bldLst>
+      <p:bldP spid="3" grpId="0" build="p"/>
+    </p:bldLst>
   </p:timing>
 </p:sld>
 </file>
@@ -12842,22 +13032,42 @@
           <a:lstStyle/>
           <a:p>
             <a:r>
-              <a:rPr lang="sr-Latn-RS" dirty="0"/>
+              <a:rPr lang="sr-Latn-RS" dirty="0">
+                <a:solidFill>
+                  <a:schemeClr val="bg1"/>
+                </a:solidFill>
+              </a:rPr>
               <a:t>Arhitektura </a:t>
             </a:r>
             <a:r>
-              <a:rPr lang="sr-Latn-RS" i="1" dirty="0" err="1"/>
+              <a:rPr lang="sr-Latn-RS" i="1" dirty="0" err="1">
+                <a:solidFill>
+                  <a:schemeClr val="bg1"/>
+                </a:solidFill>
+              </a:rPr>
               <a:t>biztalk</a:t>
             </a:r>
             <a:r>
-              <a:rPr lang="sr-Latn-RS" i="1" dirty="0"/>
+              <a:rPr lang="sr-Latn-RS" i="1" dirty="0">
+                <a:solidFill>
+                  <a:schemeClr val="bg1"/>
+                </a:solidFill>
+              </a:rPr>
               <a:t> </a:t>
             </a:r>
             <a:r>
-              <a:rPr lang="sr-Latn-RS" dirty="0"/>
+              <a:rPr lang="sr-Latn-RS" dirty="0">
+                <a:solidFill>
+                  <a:schemeClr val="bg1"/>
+                </a:solidFill>
+              </a:rPr>
               <a:t>servera</a:t>
             </a:r>
-            <a:endParaRPr lang="en-US" dirty="0"/>
+            <a:endParaRPr lang="en-US" dirty="0">
+              <a:solidFill>
+                <a:schemeClr val="bg1"/>
+              </a:solidFill>
+            </a:endParaRPr>
           </a:p>
         </p:txBody>
       </p:sp>
@@ -12879,109 +13089,193 @@
           <a:lstStyle/>
           <a:p>
             <a:r>
-              <a:rPr lang="sr-Latn-RS" dirty="0"/>
+              <a:rPr lang="sr-Latn-RS" dirty="0">
+                <a:solidFill>
+                  <a:schemeClr val="bg1"/>
+                </a:solidFill>
+              </a:rPr>
               <a:t>Baza podataka</a:t>
             </a:r>
           </a:p>
           <a:p>
             <a:pPr lvl="1"/>
             <a:r>
-              <a:rPr lang="sr-Latn-RS" i="1" dirty="0"/>
+              <a:rPr lang="sr-Latn-RS" i="1" dirty="0">
+                <a:solidFill>
+                  <a:schemeClr val="bg1"/>
+                </a:solidFill>
+              </a:rPr>
               <a:t>SSODB </a:t>
             </a:r>
           </a:p>
           <a:p>
             <a:pPr lvl="1"/>
             <a:r>
-              <a:rPr lang="sr-Latn-RS" i="1" dirty="0" err="1"/>
+              <a:rPr lang="sr-Latn-RS" i="1" dirty="0" err="1">
+                <a:solidFill>
+                  <a:schemeClr val="bg1"/>
+                </a:solidFill>
+              </a:rPr>
               <a:t>BizTalkRuleEngineDb</a:t>
             </a:r>
             <a:r>
-              <a:rPr lang="sr-Latn-RS" i="1" dirty="0"/>
+              <a:rPr lang="sr-Latn-RS" i="1" dirty="0">
+                <a:solidFill>
+                  <a:schemeClr val="bg1"/>
+                </a:solidFill>
+              </a:rPr>
               <a:t> </a:t>
             </a:r>
           </a:p>
           <a:p>
             <a:pPr lvl="1"/>
             <a:r>
-              <a:rPr lang="sr-Latn-RS" i="1" dirty="0" err="1"/>
+              <a:rPr lang="sr-Latn-RS" i="1" dirty="0" err="1">
+                <a:solidFill>
+                  <a:schemeClr val="bg1"/>
+                </a:solidFill>
+              </a:rPr>
               <a:t>BizTalkMsgboxDb</a:t>
             </a:r>
             <a:r>
-              <a:rPr lang="sr-Latn-RS" i="1" dirty="0"/>
+              <a:rPr lang="sr-Latn-RS" i="1" dirty="0">
+                <a:solidFill>
+                  <a:schemeClr val="bg1"/>
+                </a:solidFill>
+              </a:rPr>
               <a:t> </a:t>
             </a:r>
           </a:p>
           <a:p>
             <a:pPr lvl="1"/>
             <a:r>
-              <a:rPr lang="sr-Latn-RS" i="1" dirty="0"/>
+              <a:rPr lang="sr-Latn-RS" i="1" dirty="0">
+                <a:solidFill>
+                  <a:schemeClr val="bg1"/>
+                </a:solidFill>
+              </a:rPr>
               <a:t>BizTalk </a:t>
             </a:r>
             <a:r>
-              <a:rPr lang="sr-Latn-RS" i="1" dirty="0" err="1"/>
+              <a:rPr lang="sr-Latn-RS" i="1" dirty="0" err="1">
+                <a:solidFill>
+                  <a:schemeClr val="bg1"/>
+                </a:solidFill>
+              </a:rPr>
               <a:t>DTADb</a:t>
             </a:r>
             <a:r>
-              <a:rPr lang="sr-Latn-RS" i="1" dirty="0"/>
+              <a:rPr lang="sr-Latn-RS" i="1" dirty="0">
+                <a:solidFill>
+                  <a:schemeClr val="bg1"/>
+                </a:solidFill>
+              </a:rPr>
               <a:t> </a:t>
             </a:r>
           </a:p>
           <a:p>
             <a:r>
-              <a:rPr lang="sr-Latn-RS" dirty="0"/>
+              <a:rPr lang="sr-Latn-RS" dirty="0">
+                <a:solidFill>
+                  <a:schemeClr val="bg1"/>
+                </a:solidFill>
+              </a:rPr>
               <a:t>Portovi</a:t>
             </a:r>
           </a:p>
           <a:p>
             <a:pPr lvl="1"/>
             <a:r>
-              <a:rPr lang="sr-Latn-RS" dirty="0"/>
+              <a:rPr lang="sr-Latn-RS" dirty="0">
+                <a:solidFill>
+                  <a:schemeClr val="bg1"/>
+                </a:solidFill>
+              </a:rPr>
               <a:t>Prijemni portovi</a:t>
             </a:r>
           </a:p>
           <a:p>
             <a:pPr lvl="1"/>
             <a:r>
-              <a:rPr lang="sr-Latn-RS" dirty="0"/>
+              <a:rPr lang="sr-Latn-RS" dirty="0">
+                <a:solidFill>
+                  <a:schemeClr val="bg1"/>
+                </a:solidFill>
+              </a:rPr>
               <a:t>Portovi slanja</a:t>
             </a:r>
           </a:p>
           <a:p>
             <a:r>
-              <a:rPr lang="sr-Latn-RS" dirty="0" smtClean="0"/>
+              <a:rPr lang="sr-Latn-RS" dirty="0" smtClean="0">
+                <a:solidFill>
+                  <a:schemeClr val="bg1"/>
+                </a:solidFill>
+              </a:rPr>
               <a:t>Orkestracije – </a:t>
             </a:r>
             <a:r>
-              <a:rPr lang="sr-Latn-RS" i="1" dirty="0" err="1" smtClean="0"/>
+              <a:rPr lang="sr-Latn-RS" i="1" dirty="0" err="1" smtClean="0">
+                <a:solidFill>
+                  <a:schemeClr val="bg1"/>
+                </a:solidFill>
+              </a:rPr>
               <a:t>Business</a:t>
             </a:r>
             <a:r>
-              <a:rPr lang="sr-Latn-RS" i="1" dirty="0" smtClean="0"/>
+              <a:rPr lang="sr-Latn-RS" i="1" dirty="0" smtClean="0">
+                <a:solidFill>
+                  <a:schemeClr val="bg1"/>
+                </a:solidFill>
+              </a:rPr>
               <a:t> </a:t>
             </a:r>
             <a:r>
-              <a:rPr lang="sr-Latn-RS" i="1" dirty="0" err="1" smtClean="0"/>
+              <a:rPr lang="sr-Latn-RS" i="1" dirty="0" err="1" smtClean="0">
+                <a:solidFill>
+                  <a:schemeClr val="bg1"/>
+                </a:solidFill>
+              </a:rPr>
               <a:t>Rule</a:t>
             </a:r>
             <a:r>
-              <a:rPr lang="sr-Latn-RS" i="1" dirty="0" smtClean="0"/>
+              <a:rPr lang="sr-Latn-RS" i="1" dirty="0" smtClean="0">
+                <a:solidFill>
+                  <a:schemeClr val="bg1"/>
+                </a:solidFill>
+              </a:rPr>
               <a:t> </a:t>
             </a:r>
             <a:r>
-              <a:rPr lang="sr-Latn-RS" i="1" dirty="0" err="1" smtClean="0"/>
+              <a:rPr lang="sr-Latn-RS" i="1" dirty="0" err="1" smtClean="0">
+                <a:solidFill>
+                  <a:schemeClr val="bg1"/>
+                </a:solidFill>
+              </a:rPr>
               <a:t>Engine</a:t>
             </a:r>
-            <a:endParaRPr lang="sr-Latn-RS" dirty="0"/>
+            <a:endParaRPr lang="sr-Latn-RS" dirty="0">
+              <a:solidFill>
+                <a:schemeClr val="bg1"/>
+              </a:solidFill>
+            </a:endParaRPr>
           </a:p>
           <a:p>
             <a:pPr marL="0" indent="0">
               <a:buNone/>
             </a:pPr>
-            <a:endParaRPr lang="en-US" dirty="0"/>
-          </a:p>
-          <a:p>
-            <a:endParaRPr lang="en-US" dirty="0"/>
+            <a:endParaRPr lang="en-US" dirty="0">
+              <a:solidFill>
+                <a:schemeClr val="bg1"/>
+              </a:solidFill>
+            </a:endParaRPr>
+          </a:p>
+          <a:p>
+            <a:endParaRPr lang="en-US" dirty="0">
+              <a:solidFill>
+                <a:schemeClr val="bg1"/>
+              </a:solidFill>
+            </a:endParaRPr>
           </a:p>
         </p:txBody>
       </p:sp>
@@ -13558,18 +13852,34 @@
           <a:lstStyle/>
           <a:p>
             <a:r>
-              <a:rPr lang="sr-Latn-RS" i="1" dirty="0" err="1" smtClean="0"/>
+              <a:rPr lang="sr-Latn-RS" i="1" dirty="0" err="1" smtClean="0">
+                <a:solidFill>
+                  <a:schemeClr val="bg1"/>
+                </a:solidFill>
+              </a:rPr>
               <a:t>Biztalk</a:t>
             </a:r>
             <a:r>
-              <a:rPr lang="sr-Latn-RS" i="1" dirty="0" smtClean="0"/>
+              <a:rPr lang="sr-Latn-RS" i="1" dirty="0" smtClean="0">
+                <a:solidFill>
+                  <a:schemeClr val="bg1"/>
+                </a:solidFill>
+              </a:rPr>
               <a:t> </a:t>
             </a:r>
             <a:r>
-              <a:rPr lang="sr-Latn-RS" dirty="0" smtClean="0"/>
+              <a:rPr lang="sr-Latn-RS" dirty="0" smtClean="0">
+                <a:solidFill>
+                  <a:schemeClr val="bg1"/>
+                </a:solidFill>
+              </a:rPr>
               <a:t>orkestracije</a:t>
             </a:r>
-            <a:endParaRPr lang="en-US" i="1" dirty="0"/>
+            <a:endParaRPr lang="en-US" i="1" dirty="0">
+              <a:solidFill>
+                <a:schemeClr val="bg1"/>
+              </a:solidFill>
+            </a:endParaRPr>
           </a:p>
         </p:txBody>
       </p:sp>
@@ -13591,13 +13901,21 @@
             <a:pPr marL="0" indent="0">
               <a:buNone/>
             </a:pPr>
-            <a:endParaRPr lang="sr-Latn-RS" dirty="0" smtClean="0"/>
+            <a:endParaRPr lang="sr-Latn-RS" dirty="0" smtClean="0">
+              <a:solidFill>
+                <a:schemeClr val="bg1"/>
+              </a:solidFill>
+            </a:endParaRPr>
           </a:p>
           <a:p>
             <a:pPr marL="0" indent="0">
               <a:buNone/>
             </a:pPr>
-            <a:endParaRPr lang="sr-Latn-RS" dirty="0" smtClean="0"/>
+            <a:endParaRPr lang="sr-Latn-RS" dirty="0" smtClean="0">
+              <a:solidFill>
+                <a:schemeClr val="bg1"/>
+              </a:solidFill>
+            </a:endParaRPr>
           </a:p>
         </p:txBody>
       </p:sp>
@@ -13857,10 +14175,18 @@
           <a:lstStyle/>
           <a:p>
             <a:r>
-              <a:rPr lang="sr-Latn-RS" dirty="0" smtClean="0"/>
+              <a:rPr lang="sr-Latn-RS" dirty="0" smtClean="0">
+                <a:solidFill>
+                  <a:schemeClr val="bg1"/>
+                </a:solidFill>
+              </a:rPr>
               <a:t>Mapiranje poruka</a:t>
             </a:r>
-            <a:endParaRPr lang="en-US" dirty="0"/>
+            <a:endParaRPr lang="en-US" dirty="0">
+              <a:solidFill>
+                <a:schemeClr val="bg1"/>
+              </a:solidFill>
+            </a:endParaRPr>
           </a:p>
         </p:txBody>
       </p:sp>
@@ -13961,22 +14287,42 @@
           <a:lstStyle/>
           <a:p>
             <a:r>
-              <a:rPr lang="en-US" dirty="0" err="1" smtClean="0"/>
+              <a:rPr lang="en-US" dirty="0" err="1" smtClean="0">
+                <a:solidFill>
+                  <a:schemeClr val="bg1"/>
+                </a:solidFill>
+              </a:rPr>
               <a:t>Otkrivanje</a:t>
             </a:r>
             <a:r>
-              <a:rPr lang="en-US" dirty="0" smtClean="0"/>
+              <a:rPr lang="en-US" dirty="0" smtClean="0">
+                <a:solidFill>
+                  <a:schemeClr val="bg1"/>
+                </a:solidFill>
+              </a:rPr>
               <a:t> </a:t>
             </a:r>
             <a:r>
-              <a:rPr lang="en-US" dirty="0" err="1" smtClean="0"/>
+              <a:rPr lang="en-US" dirty="0" err="1" smtClean="0">
+                <a:solidFill>
+                  <a:schemeClr val="bg1"/>
+                </a:solidFill>
+              </a:rPr>
               <a:t>gre</a:t>
             </a:r>
             <a:r>
-              <a:rPr lang="sr-Latn-RS" dirty="0" smtClean="0"/>
+              <a:rPr lang="sr-Latn-RS" dirty="0" smtClean="0">
+                <a:solidFill>
+                  <a:schemeClr val="bg1"/>
+                </a:solidFill>
+              </a:rPr>
               <a:t>šaka</a:t>
             </a:r>
-            <a:endParaRPr lang="en-US" dirty="0"/>
+            <a:endParaRPr lang="en-US" dirty="0">
+              <a:solidFill>
+                <a:schemeClr val="bg1"/>
+              </a:solidFill>
+            </a:endParaRPr>
           </a:p>
         </p:txBody>
       </p:sp>
@@ -14074,10 +14420,18 @@
           <a:lstStyle/>
           <a:p>
             <a:r>
-              <a:rPr lang="sr-Latn-RS" dirty="0" smtClean="0"/>
+              <a:rPr lang="sr-Latn-RS" dirty="0" smtClean="0">
+                <a:solidFill>
+                  <a:schemeClr val="bg1"/>
+                </a:solidFill>
+              </a:rPr>
               <a:t>Testiranje</a:t>
             </a:r>
-            <a:endParaRPr lang="en-US" dirty="0"/>
+            <a:endParaRPr lang="en-US" dirty="0">
+              <a:solidFill>
+                <a:schemeClr val="bg1"/>
+              </a:solidFill>
+            </a:endParaRPr>
           </a:p>
         </p:txBody>
       </p:sp>
@@ -14292,10 +14646,18 @@
           <a:lstStyle/>
           <a:p>
             <a:r>
-              <a:rPr lang="sr-Latn-RS" dirty="0" smtClean="0"/>
+              <a:rPr lang="sr-Latn-RS" dirty="0" smtClean="0">
+                <a:solidFill>
+                  <a:schemeClr val="bg1"/>
+                </a:solidFill>
+              </a:rPr>
               <a:t>Zaključak</a:t>
             </a:r>
-            <a:endParaRPr lang="en-US" dirty="0"/>
+            <a:endParaRPr lang="en-US" dirty="0">
+              <a:solidFill>
+                <a:schemeClr val="bg1"/>
+              </a:solidFill>
+            </a:endParaRPr>
           </a:p>
         </p:txBody>
       </p:sp>
@@ -14315,46 +14677,82 @@
           <a:lstStyle/>
           <a:p>
             <a:r>
-              <a:rPr lang="sr-Latn-RS" dirty="0" smtClean="0"/>
+              <a:rPr lang="sr-Latn-RS" dirty="0" smtClean="0">
+                <a:solidFill>
+                  <a:schemeClr val="bg1"/>
+                </a:solidFill>
+              </a:rPr>
               <a:t>Stabilna, </a:t>
             </a:r>
             <a:r>
-              <a:rPr lang="sr-Latn-RS" dirty="0" err="1" smtClean="0"/>
+              <a:rPr lang="sr-Latn-RS" dirty="0" err="1" smtClean="0">
+                <a:solidFill>
+                  <a:schemeClr val="bg1"/>
+                </a:solidFill>
+              </a:rPr>
               <a:t>robustna</a:t>
             </a:r>
             <a:r>
-              <a:rPr lang="sr-Latn-RS" dirty="0" smtClean="0"/>
+              <a:rPr lang="sr-Latn-RS" dirty="0" smtClean="0">
+                <a:solidFill>
+                  <a:schemeClr val="bg1"/>
+                </a:solidFill>
+              </a:rPr>
               <a:t>, </a:t>
             </a:r>
             <a:r>
-              <a:rPr lang="sr-Latn-RS" dirty="0" err="1" smtClean="0"/>
+              <a:rPr lang="sr-Latn-RS" dirty="0" err="1" smtClean="0">
+                <a:solidFill>
+                  <a:schemeClr val="bg1"/>
+                </a:solidFill>
+              </a:rPr>
               <a:t>skalabilna</a:t>
             </a:r>
             <a:r>
-              <a:rPr lang="sr-Latn-RS" dirty="0" smtClean="0"/>
+              <a:rPr lang="sr-Latn-RS" dirty="0" smtClean="0">
+                <a:solidFill>
+                  <a:schemeClr val="bg1"/>
+                </a:solidFill>
+              </a:rPr>
               <a:t> platforma</a:t>
             </a:r>
           </a:p>
           <a:p>
             <a:r>
-              <a:rPr lang="sr-Latn-RS" dirty="0" smtClean="0"/>
+              <a:rPr lang="sr-Latn-RS" dirty="0" smtClean="0">
+                <a:solidFill>
+                  <a:schemeClr val="bg1"/>
+                </a:solidFill>
+              </a:rPr>
               <a:t>Odstupanje od standarda pravi problem</a:t>
             </a:r>
           </a:p>
           <a:p>
             <a:r>
-              <a:rPr lang="sr-Latn-RS" dirty="0" smtClean="0"/>
+              <a:rPr lang="sr-Latn-RS" dirty="0" smtClean="0">
+                <a:solidFill>
+                  <a:schemeClr val="bg1"/>
+                </a:solidFill>
+              </a:rPr>
               <a:t>Automatizacija procesa obrade zahteva</a:t>
             </a:r>
           </a:p>
           <a:p>
             <a:r>
-              <a:rPr lang="sr-Latn-RS" dirty="0" smtClean="0"/>
+              <a:rPr lang="sr-Latn-RS" dirty="0" smtClean="0">
+                <a:solidFill>
+                  <a:schemeClr val="bg1"/>
+                </a:solidFill>
+              </a:rPr>
               <a:t>Neizbežan uticaj ljudskog faktora</a:t>
             </a:r>
           </a:p>
           <a:p>
-            <a:endParaRPr lang="en-US" dirty="0"/>
+            <a:endParaRPr lang="en-US" dirty="0">
+              <a:solidFill>
+                <a:schemeClr val="bg1"/>
+              </a:solidFill>
+            </a:endParaRPr>
           </a:p>
         </p:txBody>
       </p:sp>
@@ -14729,58 +15127,114 @@
           <a:lstStyle/>
           <a:p>
             <a:r>
-              <a:rPr lang="en-US" dirty="0" err="1" smtClean="0"/>
+              <a:rPr lang="en-US" dirty="0" err="1" smtClean="0">
+                <a:solidFill>
+                  <a:schemeClr val="bg1"/>
+                </a:solidFill>
+              </a:rPr>
               <a:t>Primena</a:t>
             </a:r>
             <a:r>
-              <a:rPr lang="en-US" dirty="0" smtClean="0"/>
+              <a:rPr lang="en-US" dirty="0" smtClean="0">
+                <a:solidFill>
+                  <a:schemeClr val="bg1"/>
+                </a:solidFill>
+              </a:rPr>
               <a:t> </a:t>
             </a:r>
             <a:r>
-              <a:rPr lang="en-US" dirty="0" err="1" smtClean="0"/>
+              <a:rPr lang="en-US" dirty="0" err="1" smtClean="0">
+                <a:solidFill>
+                  <a:schemeClr val="bg1"/>
+                </a:solidFill>
+              </a:rPr>
               <a:t>biztalk</a:t>
             </a:r>
             <a:r>
-              <a:rPr lang="en-US" dirty="0" smtClean="0"/>
+              <a:rPr lang="en-US" dirty="0" smtClean="0">
+                <a:solidFill>
+                  <a:schemeClr val="bg1"/>
+                </a:solidFill>
+              </a:rPr>
               <a:t> server</a:t>
             </a:r>
             <a:r>
-              <a:rPr lang="sr-Latn-RS" dirty="0" smtClean="0"/>
+              <a:rPr lang="sr-Latn-RS" dirty="0" smtClean="0">
+                <a:solidFill>
+                  <a:schemeClr val="bg1"/>
+                </a:solidFill>
+              </a:rPr>
               <a:t>a</a:t>
             </a:r>
             <a:r>
-              <a:rPr lang="en-US" dirty="0" smtClean="0"/>
+              <a:rPr lang="en-US" dirty="0" smtClean="0">
+                <a:solidFill>
+                  <a:schemeClr val="bg1"/>
+                </a:solidFill>
+              </a:rPr>
               <a:t> u </a:t>
             </a:r>
             <a:r>
-              <a:rPr lang="en-US" dirty="0" err="1" smtClean="0"/>
+              <a:rPr lang="en-US" dirty="0" err="1" smtClean="0">
+                <a:solidFill>
+                  <a:schemeClr val="bg1"/>
+                </a:solidFill>
+              </a:rPr>
               <a:t>orkestraciji</a:t>
             </a:r>
             <a:r>
-              <a:rPr lang="en-US" dirty="0" smtClean="0"/>
+              <a:rPr lang="en-US" dirty="0" smtClean="0">
+                <a:solidFill>
+                  <a:schemeClr val="bg1"/>
+                </a:solidFill>
+              </a:rPr>
               <a:t> </a:t>
             </a:r>
             <a:r>
-              <a:rPr lang="en-US" dirty="0" err="1" smtClean="0"/>
+              <a:rPr lang="en-US" dirty="0" err="1" smtClean="0">
+                <a:solidFill>
+                  <a:schemeClr val="bg1"/>
+                </a:solidFill>
+              </a:rPr>
               <a:t>procesa</a:t>
             </a:r>
             <a:r>
-              <a:rPr lang="en-US" dirty="0" smtClean="0"/>
+              <a:rPr lang="en-US" dirty="0" smtClean="0">
+                <a:solidFill>
+                  <a:schemeClr val="bg1"/>
+                </a:solidFill>
+              </a:rPr>
               <a:t> </a:t>
             </a:r>
             <a:r>
-              <a:rPr lang="en-US" dirty="0" err="1" smtClean="0"/>
+              <a:rPr lang="en-US" dirty="0" err="1" smtClean="0">
+                <a:solidFill>
+                  <a:schemeClr val="bg1"/>
+                </a:solidFill>
+              </a:rPr>
               <a:t>javne</a:t>
             </a:r>
             <a:r>
-              <a:rPr lang="en-US" dirty="0" smtClean="0"/>
+              <a:rPr lang="en-US" dirty="0" smtClean="0">
+                <a:solidFill>
+                  <a:schemeClr val="bg1"/>
+                </a:solidFill>
+              </a:rPr>
               <a:t> </a:t>
             </a:r>
             <a:r>
-              <a:rPr lang="en-US" dirty="0" err="1" smtClean="0"/>
+              <a:rPr lang="en-US" dirty="0" err="1" smtClean="0">
+                <a:solidFill>
+                  <a:schemeClr val="bg1"/>
+                </a:solidFill>
+              </a:rPr>
               <a:t>uprave</a:t>
             </a:r>
-            <a:endParaRPr lang="en-US" dirty="0"/>
+            <a:endParaRPr lang="en-US" dirty="0">
+              <a:solidFill>
+                <a:schemeClr val="bg1"/>
+              </a:solidFill>
+            </a:endParaRPr>
           </a:p>
         </p:txBody>
       </p:sp>
@@ -14802,10 +15256,7 @@
             <a:r>
               <a:rPr lang="en-US" dirty="0" smtClean="0">
                 <a:solidFill>
-                  <a:schemeClr val="bg1">
-                    <a:lumMod val="95000"/>
-                    <a:lumOff val="5000"/>
-                  </a:schemeClr>
+                  <a:schemeClr val="bg1"/>
                 </a:solidFill>
               </a:rPr>
               <a:t>Student: S</a:t>
@@ -14813,10 +15264,7 @@
             <a:r>
               <a:rPr lang="sr-Latn-RS" dirty="0" err="1" smtClean="0">
                 <a:solidFill>
-                  <a:schemeClr val="bg1">
-                    <a:lumMod val="95000"/>
-                    <a:lumOff val="5000"/>
-                  </a:schemeClr>
+                  <a:schemeClr val="bg1"/>
                 </a:solidFill>
               </a:rPr>
               <a:t>rđan</a:t>
@@ -14824,10 +15272,7 @@
             <a:r>
               <a:rPr lang="sr-Latn-RS" dirty="0" smtClean="0">
                 <a:solidFill>
-                  <a:schemeClr val="bg1">
-                    <a:lumMod val="95000"/>
-                    <a:lumOff val="5000"/>
-                  </a:schemeClr>
+                  <a:schemeClr val="bg1"/>
                 </a:solidFill>
               </a:rPr>
               <a:t> </a:t>
@@ -14835,10 +15280,7 @@
             <a:r>
               <a:rPr lang="sr-Latn-RS" dirty="0" err="1" smtClean="0">
                 <a:solidFill>
-                  <a:schemeClr val="bg1">
-                    <a:lumMod val="95000"/>
-                    <a:lumOff val="5000"/>
-                  </a:schemeClr>
+                  <a:schemeClr val="bg1"/>
                 </a:solidFill>
               </a:rPr>
               <a:t>mlađenović</a:t>
@@ -14846,10 +15288,7 @@
             <a:r>
               <a:rPr lang="sr-Latn-RS" dirty="0" smtClean="0">
                 <a:solidFill>
-                  <a:schemeClr val="bg1">
-                    <a:lumMod val="95000"/>
-                    <a:lumOff val="5000"/>
-                  </a:schemeClr>
+                  <a:schemeClr val="bg1"/>
                 </a:solidFill>
               </a:rPr>
               <a:t>	</a:t>
@@ -14859,53 +15298,46 @@
             <a:r>
               <a:rPr lang="sr-Latn-RS" dirty="0" smtClean="0">
                 <a:solidFill>
-                  <a:schemeClr val="bg1">
-                    <a:lumMod val="95000"/>
-                    <a:lumOff val="5000"/>
-                  </a:schemeClr>
+                  <a:schemeClr val="bg1"/>
                 </a:solidFill>
               </a:rPr>
               <a:t>Mentor: </a:t>
             </a:r>
             <a:r>
-              <a:rPr lang="sr-Latn-RS" dirty="0" err="1" smtClean="0">
-                <a:solidFill>
-                  <a:schemeClr val="bg1">
-                    <a:lumMod val="95000"/>
-                    <a:lumOff val="5000"/>
-                  </a:schemeClr>
+              <a:rPr lang="sr-Latn-RS" dirty="0" smtClean="0">
+                <a:solidFill>
+                  <a:schemeClr val="bg1"/>
                 </a:solidFill>
               </a:rPr>
               <a:t>prof</a:t>
             </a:r>
             <a:r>
+              <a:rPr lang="en-US" dirty="0" smtClean="0">
+                <a:solidFill>
+                  <a:schemeClr val="bg1"/>
+                </a:solidFill>
+              </a:rPr>
+              <a:t>.</a:t>
+            </a:r>
+            <a:r>
               <a:rPr lang="sr-Latn-RS" dirty="0" smtClean="0">
                 <a:solidFill>
-                  <a:schemeClr val="bg1">
-                    <a:lumMod val="95000"/>
-                    <a:lumOff val="5000"/>
-                  </a:schemeClr>
+                  <a:schemeClr val="bg1"/>
                 </a:solidFill>
               </a:rPr>
-              <a:t> dr Slađan </a:t>
-            </a:r>
-            <a:r>
-              <a:rPr lang="sr-Latn-RS" dirty="0" err="1" smtClean="0">
-                <a:solidFill>
-                  <a:schemeClr val="bg1">
-                    <a:lumMod val="95000"/>
-                    <a:lumOff val="5000"/>
-                  </a:schemeClr>
+              <a:t> </a:t>
+            </a:r>
+            <a:r>
+              <a:rPr lang="sr-Latn-RS" dirty="0" smtClean="0">
+                <a:solidFill>
+                  <a:schemeClr val="bg1"/>
                 </a:solidFill>
               </a:rPr>
-              <a:t>babarogić</a:t>
+              <a:t>dr Slađan babarogić</a:t>
             </a:r>
             <a:endParaRPr lang="en-US" dirty="0">
               <a:solidFill>
-                <a:schemeClr val="bg1">
-                  <a:lumMod val="95000"/>
-                  <a:lumOff val="5000"/>
-                </a:schemeClr>
+                <a:schemeClr val="bg1"/>
               </a:solidFill>
             </a:endParaRPr>
           </a:p>
@@ -15160,10 +15592,18 @@
           <a:lstStyle/>
           <a:p>
             <a:r>
-              <a:rPr lang="en-US" dirty="0" smtClean="0"/>
+              <a:rPr lang="en-US" dirty="0" smtClean="0">
+                <a:solidFill>
+                  <a:schemeClr val="bg1"/>
+                </a:solidFill>
+              </a:rPr>
               <a:t>Agenda</a:t>
             </a:r>
-            <a:endParaRPr lang="en-US" dirty="0"/>
+            <a:endParaRPr lang="en-US" dirty="0">
+              <a:solidFill>
+                <a:schemeClr val="bg1"/>
+              </a:solidFill>
+            </a:endParaRPr>
           </a:p>
         </p:txBody>
       </p:sp>
@@ -15190,121 +15630,225 @@
           <a:lstStyle/>
           <a:p>
             <a:r>
-              <a:rPr lang="en-US" dirty="0" smtClean="0"/>
+              <a:rPr lang="en-US" dirty="0" smtClean="0">
+                <a:solidFill>
+                  <a:schemeClr val="bg1"/>
+                </a:solidFill>
+              </a:rPr>
               <a:t>D</a:t>
             </a:r>
             <a:r>
-              <a:rPr lang="sr-Latn-RS" dirty="0" err="1" smtClean="0"/>
+              <a:rPr lang="sr-Latn-RS" dirty="0" err="1" smtClean="0">
+                <a:solidFill>
+                  <a:schemeClr val="bg1"/>
+                </a:solidFill>
+              </a:rPr>
               <a:t>ržavna</a:t>
             </a:r>
             <a:r>
-              <a:rPr lang="sr-Latn-RS" dirty="0" smtClean="0"/>
+              <a:rPr lang="sr-Latn-RS" dirty="0" smtClean="0">
+                <a:solidFill>
+                  <a:schemeClr val="bg1"/>
+                </a:solidFill>
+              </a:rPr>
               <a:t> uprava</a:t>
             </a:r>
           </a:p>
           <a:p>
             <a:r>
-              <a:rPr lang="sr-Latn-RS" dirty="0" smtClean="0"/>
+              <a:rPr lang="sr-Latn-RS" dirty="0" smtClean="0">
+                <a:solidFill>
+                  <a:schemeClr val="bg1"/>
+                </a:solidFill>
+              </a:rPr>
               <a:t>Osnovni procesi javne uprave</a:t>
             </a:r>
           </a:p>
           <a:p>
             <a:r>
-              <a:rPr lang="sr-Latn-RS" dirty="0" smtClean="0"/>
+              <a:rPr lang="sr-Latn-RS" dirty="0" smtClean="0">
+                <a:solidFill>
+                  <a:schemeClr val="bg1"/>
+                </a:solidFill>
+              </a:rPr>
               <a:t>Koncepti </a:t>
             </a:r>
             <a:r>
-              <a:rPr lang="sr-Latn-RS" i="1" dirty="0" err="1" smtClean="0"/>
+              <a:rPr lang="sr-Latn-RS" i="1" dirty="0" err="1" smtClean="0">
+                <a:solidFill>
+                  <a:schemeClr val="bg1"/>
+                </a:solidFill>
+              </a:rPr>
               <a:t>xml</a:t>
             </a:r>
             <a:r>
-              <a:rPr lang="sr-Latn-RS" dirty="0" smtClean="0"/>
+              <a:rPr lang="sr-Latn-RS" dirty="0" smtClean="0">
+                <a:solidFill>
+                  <a:schemeClr val="bg1"/>
+                </a:solidFill>
+              </a:rPr>
               <a:t>-a</a:t>
             </a:r>
           </a:p>
           <a:p>
             <a:r>
-              <a:rPr lang="sr-Latn-RS" i="1" dirty="0" err="1" smtClean="0"/>
+              <a:rPr lang="sr-Latn-RS" i="1" dirty="0" err="1" smtClean="0">
+                <a:solidFill>
+                  <a:schemeClr val="bg1"/>
+                </a:solidFill>
+              </a:rPr>
               <a:t>Soap</a:t>
             </a:r>
             <a:r>
-              <a:rPr lang="sr-Latn-RS" i="1" dirty="0" smtClean="0"/>
+              <a:rPr lang="sr-Latn-RS" i="1" dirty="0" smtClean="0">
+                <a:solidFill>
+                  <a:schemeClr val="bg1"/>
+                </a:solidFill>
+              </a:rPr>
               <a:t> </a:t>
             </a:r>
           </a:p>
           <a:p>
             <a:r>
-              <a:rPr lang="sr-Latn-RS" i="1" dirty="0" err="1" smtClean="0"/>
+              <a:rPr lang="sr-Latn-RS" i="1" dirty="0" err="1" smtClean="0">
+                <a:solidFill>
+                  <a:schemeClr val="bg1"/>
+                </a:solidFill>
+              </a:rPr>
               <a:t>Soa</a:t>
             </a:r>
             <a:r>
-              <a:rPr lang="sr-Latn-RS" i="1" dirty="0" smtClean="0"/>
+              <a:rPr lang="sr-Latn-RS" i="1" dirty="0" smtClean="0">
+                <a:solidFill>
+                  <a:schemeClr val="bg1"/>
+                </a:solidFill>
+              </a:rPr>
               <a:t> </a:t>
             </a:r>
             <a:r>
-              <a:rPr lang="sr-Latn-RS" dirty="0" smtClean="0"/>
+              <a:rPr lang="sr-Latn-RS" dirty="0" smtClean="0">
+                <a:solidFill>
+                  <a:schemeClr val="bg1"/>
+                </a:solidFill>
+              </a:rPr>
               <a:t>servisi</a:t>
             </a:r>
           </a:p>
           <a:p>
             <a:r>
-              <a:rPr lang="sr-Latn-RS" dirty="0"/>
+              <a:rPr lang="sr-Latn-RS" dirty="0">
+                <a:solidFill>
+                  <a:schemeClr val="bg1"/>
+                </a:solidFill>
+              </a:rPr>
               <a:t>Osnovni koncepti i namena </a:t>
             </a:r>
             <a:r>
-              <a:rPr lang="sr-Latn-RS" i="1" dirty="0" err="1" smtClean="0"/>
+              <a:rPr lang="sr-Latn-RS" i="1" dirty="0" err="1" smtClean="0">
+                <a:solidFill>
+                  <a:schemeClr val="bg1"/>
+                </a:solidFill>
+              </a:rPr>
               <a:t>Biztalk</a:t>
             </a:r>
             <a:r>
-              <a:rPr lang="sr-Latn-RS" i="1" dirty="0" smtClean="0"/>
+              <a:rPr lang="sr-Latn-RS" i="1" dirty="0" smtClean="0">
+                <a:solidFill>
+                  <a:schemeClr val="bg1"/>
+                </a:solidFill>
+              </a:rPr>
               <a:t> </a:t>
             </a:r>
             <a:r>
-              <a:rPr lang="sr-Latn-RS" dirty="0" smtClean="0"/>
+              <a:rPr lang="sr-Latn-RS" dirty="0" smtClean="0">
+                <a:solidFill>
+                  <a:schemeClr val="bg1"/>
+                </a:solidFill>
+              </a:rPr>
               <a:t>servera</a:t>
             </a:r>
           </a:p>
           <a:p>
             <a:r>
-              <a:rPr lang="sr-Latn-RS" dirty="0"/>
+              <a:rPr lang="sr-Latn-RS" dirty="0">
+                <a:solidFill>
+                  <a:schemeClr val="bg1"/>
+                </a:solidFill>
+              </a:rPr>
               <a:t>Arhitektura </a:t>
             </a:r>
             <a:r>
-              <a:rPr lang="sr-Latn-RS" i="1" dirty="0" err="1" smtClean="0"/>
+              <a:rPr lang="sr-Latn-RS" i="1" dirty="0" err="1" smtClean="0">
+                <a:solidFill>
+                  <a:schemeClr val="bg1"/>
+                </a:solidFill>
+              </a:rPr>
               <a:t>Biztalk</a:t>
             </a:r>
             <a:r>
-              <a:rPr lang="sr-Latn-RS" i="1" dirty="0" smtClean="0"/>
+              <a:rPr lang="sr-Latn-RS" i="1" dirty="0" smtClean="0">
+                <a:solidFill>
+                  <a:schemeClr val="bg1"/>
+                </a:solidFill>
+              </a:rPr>
               <a:t> </a:t>
             </a:r>
             <a:r>
-              <a:rPr lang="sr-Latn-RS" dirty="0" smtClean="0"/>
+              <a:rPr lang="sr-Latn-RS" dirty="0" smtClean="0">
+                <a:solidFill>
+                  <a:schemeClr val="bg1"/>
+                </a:solidFill>
+              </a:rPr>
               <a:t>servera</a:t>
             </a:r>
           </a:p>
           <a:p>
             <a:r>
-              <a:rPr lang="sr-Latn-RS" i="1" dirty="0" err="1"/>
+              <a:rPr lang="sr-Latn-RS" i="1" dirty="0" err="1">
+                <a:solidFill>
+                  <a:schemeClr val="bg1"/>
+                </a:solidFill>
+              </a:rPr>
               <a:t>Biztalk</a:t>
             </a:r>
             <a:r>
-              <a:rPr lang="sr-Latn-RS" i="1" dirty="0"/>
+              <a:rPr lang="sr-Latn-RS" i="1" dirty="0">
+                <a:solidFill>
+                  <a:schemeClr val="bg1"/>
+                </a:solidFill>
+              </a:rPr>
               <a:t> </a:t>
             </a:r>
             <a:r>
-              <a:rPr lang="sr-Latn-RS" dirty="0" smtClean="0"/>
+              <a:rPr lang="sr-Latn-RS" dirty="0" smtClean="0">
+                <a:solidFill>
+                  <a:schemeClr val="bg1"/>
+                </a:solidFill>
+              </a:rPr>
               <a:t>orkestracije</a:t>
             </a:r>
           </a:p>
           <a:p>
             <a:r>
-              <a:rPr lang="sr-Latn-RS" dirty="0"/>
+              <a:rPr lang="sr-Latn-RS" dirty="0">
+                <a:solidFill>
+                  <a:schemeClr val="bg1"/>
+                </a:solidFill>
+              </a:rPr>
               <a:t>Testiranje</a:t>
             </a:r>
-            <a:endParaRPr lang="sr-Latn-RS" dirty="0" smtClean="0"/>
-          </a:p>
-          <a:p>
-            <a:endParaRPr lang="en-US" i="1" dirty="0"/>
+            <a:endParaRPr lang="sr-Latn-RS" dirty="0" smtClean="0">
+              <a:solidFill>
+                <a:schemeClr val="bg1"/>
+              </a:solidFill>
+            </a:endParaRPr>
+          </a:p>
+          <a:p>
+            <a:endParaRPr lang="en-US" i="1" dirty="0">
+              <a:solidFill>
+                <a:schemeClr val="bg1"/>
+              </a:solidFill>
+            </a:endParaRPr>
           </a:p>
         </p:txBody>
       </p:sp>
@@ -15984,10 +16528,18 @@
           <a:lstStyle/>
           <a:p>
             <a:r>
-              <a:rPr lang="sr-Latn-RS" dirty="0" smtClean="0"/>
+              <a:rPr lang="sr-Latn-RS" dirty="0" smtClean="0">
+                <a:solidFill>
+                  <a:schemeClr val="bg1"/>
+                </a:solidFill>
+              </a:rPr>
               <a:t>Državna uprava</a:t>
             </a:r>
-            <a:endParaRPr lang="en-US" dirty="0"/>
+            <a:endParaRPr lang="en-US" dirty="0">
+              <a:solidFill>
+                <a:schemeClr val="bg1"/>
+              </a:solidFill>
+            </a:endParaRPr>
           </a:p>
         </p:txBody>
       </p:sp>
@@ -16007,60 +16559,116 @@
           <a:lstStyle/>
           <a:p>
             <a:r>
-              <a:rPr lang="sr-Latn-RS" dirty="0" smtClean="0"/>
+              <a:rPr lang="sr-Latn-RS" dirty="0" smtClean="0">
+                <a:solidFill>
+                  <a:schemeClr val="bg1"/>
+                </a:solidFill>
+              </a:rPr>
               <a:t>Osnovni činioci javne uprave</a:t>
             </a:r>
-            <a:endParaRPr lang="en-US" dirty="0" smtClean="0"/>
-          </a:p>
-          <a:p>
-            <a:r>
-              <a:rPr lang="en-US" dirty="0" err="1" smtClean="0"/>
+            <a:endParaRPr lang="en-US" dirty="0" smtClean="0">
+              <a:solidFill>
+                <a:schemeClr val="bg1"/>
+              </a:solidFill>
+            </a:endParaRPr>
+          </a:p>
+          <a:p>
+            <a:r>
+              <a:rPr lang="en-US" dirty="0" err="1" smtClean="0">
+                <a:solidFill>
+                  <a:schemeClr val="bg1"/>
+                </a:solidFill>
+              </a:rPr>
               <a:t>Integracija</a:t>
             </a:r>
             <a:r>
-              <a:rPr lang="en-US" dirty="0" smtClean="0"/>
+              <a:rPr lang="en-US" dirty="0" smtClean="0">
+                <a:solidFill>
+                  <a:schemeClr val="bg1"/>
+                </a:solidFill>
+              </a:rPr>
               <a:t> </a:t>
             </a:r>
             <a:r>
-              <a:rPr lang="en-US" dirty="0" err="1" smtClean="0"/>
+              <a:rPr lang="en-US" dirty="0" err="1" smtClean="0">
+                <a:solidFill>
+                  <a:schemeClr val="bg1"/>
+                </a:solidFill>
+              </a:rPr>
               <a:t>sistema</a:t>
             </a:r>
             <a:r>
-              <a:rPr lang="en-US" dirty="0" smtClean="0"/>
+              <a:rPr lang="en-US" dirty="0" smtClean="0">
+                <a:solidFill>
+                  <a:schemeClr val="bg1"/>
+                </a:solidFill>
+              </a:rPr>
               <a:t> </a:t>
             </a:r>
             <a:r>
-              <a:rPr lang="en-US" dirty="0" err="1" smtClean="0"/>
+              <a:rPr lang="en-US" dirty="0" err="1" smtClean="0">
+                <a:solidFill>
+                  <a:schemeClr val="bg1"/>
+                </a:solidFill>
+              </a:rPr>
               <a:t>javnih</a:t>
             </a:r>
             <a:r>
-              <a:rPr lang="en-US" dirty="0" smtClean="0"/>
+              <a:rPr lang="en-US" dirty="0" smtClean="0">
+                <a:solidFill>
+                  <a:schemeClr val="bg1"/>
+                </a:solidFill>
+              </a:rPr>
               <a:t> </a:t>
             </a:r>
             <a:r>
-              <a:rPr lang="en-US" dirty="0" err="1" smtClean="0"/>
+              <a:rPr lang="en-US" dirty="0" err="1" smtClean="0">
+                <a:solidFill>
+                  <a:schemeClr val="bg1"/>
+                </a:solidFill>
+              </a:rPr>
               <a:t>institucija</a:t>
             </a:r>
-            <a:endParaRPr lang="sr-Latn-RS" dirty="0" smtClean="0"/>
-          </a:p>
-          <a:p>
-            <a:r>
-              <a:rPr lang="sr-Latn-RS" dirty="0" smtClean="0"/>
+            <a:endParaRPr lang="sr-Latn-RS" dirty="0" smtClean="0">
+              <a:solidFill>
+                <a:schemeClr val="bg1"/>
+              </a:solidFill>
+            </a:endParaRPr>
+          </a:p>
+          <a:p>
+            <a:r>
+              <a:rPr lang="sr-Latn-RS" dirty="0" smtClean="0">
+                <a:solidFill>
+                  <a:schemeClr val="bg1"/>
+                </a:solidFill>
+              </a:rPr>
               <a:t>Veze državnih organa</a:t>
             </a:r>
           </a:p>
           <a:p>
             <a:r>
-              <a:rPr lang="sr-Latn-RS" dirty="0" smtClean="0"/>
+              <a:rPr lang="sr-Latn-RS" dirty="0" smtClean="0">
+                <a:solidFill>
+                  <a:schemeClr val="bg1"/>
+                </a:solidFill>
+              </a:rPr>
               <a:t>Odnos javne uprave sa građanima</a:t>
             </a:r>
           </a:p>
           <a:p>
             <a:r>
-              <a:rPr lang="sr-Latn-RS" dirty="0" smtClean="0"/>
+              <a:rPr lang="sr-Latn-RS" dirty="0" smtClean="0">
+                <a:solidFill>
+                  <a:schemeClr val="bg1"/>
+                </a:solidFill>
+              </a:rPr>
               <a:t>Elektronska javna uprava</a:t>
             </a:r>
-            <a:endParaRPr lang="en-US" dirty="0"/>
+            <a:endParaRPr lang="en-US" dirty="0">
+              <a:solidFill>
+                <a:schemeClr val="bg1"/>
+              </a:solidFill>
+            </a:endParaRPr>
           </a:p>
         </p:txBody>
       </p:sp>
@@ -16496,10 +17104,18 @@
           <a:lstStyle/>
           <a:p>
             <a:r>
-              <a:rPr lang="sr-Latn-RS" dirty="0" smtClean="0"/>
+              <a:rPr lang="sr-Latn-RS" dirty="0" smtClean="0">
+                <a:solidFill>
+                  <a:schemeClr val="bg1"/>
+                </a:solidFill>
+              </a:rPr>
               <a:t>Osnovni procesi javne uprave</a:t>
             </a:r>
-            <a:endParaRPr lang="en-US" dirty="0"/>
+            <a:endParaRPr lang="en-US" dirty="0">
+              <a:solidFill>
+                <a:schemeClr val="bg1"/>
+              </a:solidFill>
+            </a:endParaRPr>
           </a:p>
         </p:txBody>
       </p:sp>
@@ -16519,50 +17135,82 @@
           <a:lstStyle/>
           <a:p>
             <a:r>
-              <a:rPr lang="sr-Latn-RS" dirty="0" smtClean="0"/>
+              <a:rPr lang="sr-Latn-RS" dirty="0" smtClean="0">
+                <a:solidFill>
+                  <a:schemeClr val="bg1"/>
+                </a:solidFill>
+              </a:rPr>
               <a:t>Kreiranje usluga</a:t>
             </a:r>
           </a:p>
           <a:p>
             <a:pPr lvl="1"/>
             <a:r>
-              <a:rPr lang="sr-Latn-RS" dirty="0" smtClean="0"/>
+              <a:rPr lang="sr-Latn-RS" dirty="0" smtClean="0">
+                <a:solidFill>
+                  <a:schemeClr val="bg1"/>
+                </a:solidFill>
+              </a:rPr>
               <a:t>Definisanje šablona usluga</a:t>
             </a:r>
           </a:p>
           <a:p>
             <a:pPr lvl="1"/>
             <a:r>
-              <a:rPr lang="sr-Latn-RS" dirty="0" smtClean="0"/>
+              <a:rPr lang="sr-Latn-RS" dirty="0" smtClean="0">
+                <a:solidFill>
+                  <a:schemeClr val="bg1"/>
+                </a:solidFill>
+              </a:rPr>
               <a:t>Dodeljivanje prava</a:t>
             </a:r>
           </a:p>
           <a:p>
             <a:r>
-              <a:rPr lang="sr-Latn-RS" dirty="0" smtClean="0"/>
+              <a:rPr lang="sr-Latn-RS" dirty="0" smtClean="0">
+                <a:solidFill>
+                  <a:schemeClr val="bg1"/>
+                </a:solidFill>
+              </a:rPr>
               <a:t>Podnošenje zahteva</a:t>
             </a:r>
           </a:p>
           <a:p>
             <a:pPr lvl="1"/>
             <a:r>
-              <a:rPr lang="sr-Latn-RS" dirty="0" smtClean="0"/>
+              <a:rPr lang="sr-Latn-RS" dirty="0" smtClean="0">
+                <a:solidFill>
+                  <a:schemeClr val="bg1"/>
+                </a:solidFill>
+              </a:rPr>
               <a:t>Autorizacija korisnika</a:t>
             </a:r>
           </a:p>
           <a:p>
             <a:pPr lvl="1"/>
             <a:r>
-              <a:rPr lang="sr-Latn-RS" dirty="0" smtClean="0"/>
+              <a:rPr lang="sr-Latn-RS" dirty="0" smtClean="0">
+                <a:solidFill>
+                  <a:schemeClr val="bg1"/>
+                </a:solidFill>
+              </a:rPr>
               <a:t>Pozivanje eksternih servisa</a:t>
             </a:r>
           </a:p>
           <a:p>
             <a:r>
-              <a:rPr lang="sr-Latn-RS" dirty="0" smtClean="0"/>
+              <a:rPr lang="sr-Latn-RS" dirty="0" smtClean="0">
+                <a:solidFill>
+                  <a:schemeClr val="bg1"/>
+                </a:solidFill>
+              </a:rPr>
               <a:t>Administracija institucija i korisnika</a:t>
             </a:r>
-            <a:endParaRPr lang="en-US" dirty="0"/>
+            <a:endParaRPr lang="en-US" dirty="0">
+              <a:solidFill>
+                <a:schemeClr val="bg1"/>
+              </a:solidFill>
+            </a:endParaRPr>
           </a:p>
         </p:txBody>
       </p:sp>
@@ -17048,10 +17696,18 @@
           <a:lstStyle/>
           <a:p>
             <a:r>
-              <a:rPr lang="sr-Latn-RS" dirty="0" smtClean="0"/>
+              <a:rPr lang="sr-Latn-RS" dirty="0" smtClean="0">
+                <a:solidFill>
+                  <a:schemeClr val="bg1"/>
+                </a:solidFill>
+              </a:rPr>
               <a:t>koncepti XML-a	</a:t>
             </a:r>
-            <a:endParaRPr lang="en-US" dirty="0"/>
+            <a:endParaRPr lang="en-US" dirty="0">
+              <a:solidFill>
+                <a:schemeClr val="bg1"/>
+              </a:solidFill>
+            </a:endParaRPr>
           </a:p>
         </p:txBody>
       </p:sp>
@@ -17071,27 +17727,51 @@
           <a:lstStyle/>
           <a:p>
             <a:r>
-              <a:rPr lang="sr-Latn-RS" dirty="0" smtClean="0"/>
+              <a:rPr lang="sr-Latn-RS" dirty="0" smtClean="0">
+                <a:solidFill>
+                  <a:schemeClr val="bg1"/>
+                </a:solidFill>
+              </a:rPr>
               <a:t>Struktura podataka</a:t>
             </a:r>
           </a:p>
           <a:p>
             <a:r>
-              <a:rPr lang="sr-Latn-RS" i="1" dirty="0" smtClean="0"/>
+              <a:rPr lang="sr-Latn-RS" i="1" dirty="0" smtClean="0">
+                <a:solidFill>
+                  <a:schemeClr val="bg1"/>
+                </a:solidFill>
+              </a:rPr>
               <a:t>XML </a:t>
             </a:r>
             <a:r>
-              <a:rPr lang="sr-Latn-RS" i="1" dirty="0" err="1" smtClean="0"/>
+              <a:rPr lang="sr-Latn-RS" i="1" dirty="0" err="1" smtClean="0">
+                <a:solidFill>
+                  <a:schemeClr val="bg1"/>
+                </a:solidFill>
+              </a:rPr>
               <a:t>schemas</a:t>
             </a:r>
-            <a:endParaRPr lang="sr-Latn-RS" i="1" dirty="0" smtClean="0"/>
-          </a:p>
-          <a:p>
-            <a:r>
-              <a:rPr lang="sr-Latn-RS" i="1" dirty="0" err="1" smtClean="0"/>
+            <a:endParaRPr lang="sr-Latn-RS" i="1" dirty="0" smtClean="0">
+              <a:solidFill>
+                <a:schemeClr val="bg1"/>
+              </a:solidFill>
+            </a:endParaRPr>
+          </a:p>
+          <a:p>
+            <a:r>
+              <a:rPr lang="sr-Latn-RS" i="1" dirty="0" err="1" smtClean="0">
+                <a:solidFill>
+                  <a:schemeClr val="bg1"/>
+                </a:solidFill>
+              </a:rPr>
               <a:t>xPath</a:t>
             </a:r>
-            <a:endParaRPr lang="en-US" i="1" dirty="0"/>
+            <a:endParaRPr lang="en-US" i="1" dirty="0">
+              <a:solidFill>
+                <a:schemeClr val="bg1"/>
+              </a:solidFill>
+            </a:endParaRPr>
           </a:p>
         </p:txBody>
       </p:sp>
@@ -17435,10 +18115,18 @@
           <a:lstStyle/>
           <a:p>
             <a:r>
-              <a:rPr lang="sr-Latn-RS" i="1" dirty="0" err="1" smtClean="0"/>
+              <a:rPr lang="sr-Latn-RS" i="1" dirty="0" err="1" smtClean="0">
+                <a:solidFill>
+                  <a:schemeClr val="bg1"/>
+                </a:solidFill>
+              </a:rPr>
               <a:t>Soap</a:t>
             </a:r>
-            <a:endParaRPr lang="en-US" i="1" dirty="0"/>
+            <a:endParaRPr lang="en-US" i="1" dirty="0">
+              <a:solidFill>
+                <a:schemeClr val="bg1"/>
+              </a:solidFill>
+            </a:endParaRPr>
           </a:p>
         </p:txBody>
       </p:sp>
@@ -17460,17 +18148,29 @@
           <a:lstStyle/>
           <a:p>
             <a:r>
-              <a:rPr lang="sr-Latn-RS" i="1" dirty="0" smtClean="0"/>
+              <a:rPr lang="sr-Latn-RS" i="1" dirty="0" smtClean="0">
+                <a:solidFill>
+                  <a:schemeClr val="bg1"/>
+                </a:solidFill>
+              </a:rPr>
               <a:t>B2B </a:t>
             </a:r>
             <a:r>
-              <a:rPr lang="sr-Latn-RS" dirty="0" smtClean="0"/>
+              <a:rPr lang="sr-Latn-RS" dirty="0" smtClean="0">
+                <a:solidFill>
+                  <a:schemeClr val="bg1"/>
+                </a:solidFill>
+              </a:rPr>
               <a:t>komunikacija</a:t>
             </a:r>
           </a:p>
           <a:p>
             <a:r>
-              <a:rPr lang="sr-Latn-RS" dirty="0" smtClean="0"/>
+              <a:rPr lang="sr-Latn-RS" dirty="0" smtClean="0">
+                <a:solidFill>
+                  <a:schemeClr val="bg1"/>
+                </a:solidFill>
+              </a:rPr>
               <a:t>Struktura poruke</a:t>
             </a:r>
           </a:p>
@@ -17479,169 +18179,321 @@
               <a:buNone/>
             </a:pPr>
             <a:r>
-              <a:rPr lang="sr-Latn-RS" i="1" dirty="0"/>
+              <a:rPr lang="sr-Latn-RS" i="1" dirty="0">
+                <a:solidFill>
+                  <a:schemeClr val="bg1"/>
+                </a:solidFill>
+              </a:rPr>
               <a:t>&lt;</a:t>
             </a:r>
             <a:r>
-              <a:rPr lang="sr-Latn-RS" i="1" dirty="0" err="1"/>
+              <a:rPr lang="sr-Latn-RS" i="1" dirty="0" err="1">
+                <a:solidFill>
+                  <a:schemeClr val="bg1"/>
+                </a:solidFill>
+              </a:rPr>
               <a:t>SOAP-ENV:Envelope</a:t>
             </a:r>
-            <a:endParaRPr lang="en-US" dirty="0"/>
+            <a:endParaRPr lang="en-US" dirty="0">
+              <a:solidFill>
+                <a:schemeClr val="bg1"/>
+              </a:solidFill>
+            </a:endParaRPr>
           </a:p>
           <a:p>
             <a:pPr marL="457200" lvl="1" indent="0">
               <a:buNone/>
             </a:pPr>
             <a:r>
-              <a:rPr lang="sr-Latn-RS" i="1" dirty="0" err="1"/>
+              <a:rPr lang="sr-Latn-RS" i="1" dirty="0" err="1">
+                <a:solidFill>
+                  <a:schemeClr val="bg1"/>
+                </a:solidFill>
+              </a:rPr>
               <a:t>xmlns:SOAP-ENV</a:t>
             </a:r>
             <a:r>
-              <a:rPr lang="sr-Latn-RS" i="1" dirty="0"/>
+              <a:rPr lang="sr-Latn-RS" i="1" dirty="0">
+                <a:solidFill>
+                  <a:schemeClr val="bg1"/>
+                </a:solidFill>
+              </a:rPr>
               <a:t>="http://schemas.xmlsoap.org/soap/envelope/"</a:t>
             </a:r>
-            <a:endParaRPr lang="en-US" dirty="0"/>
+            <a:endParaRPr lang="en-US" dirty="0">
+              <a:solidFill>
+                <a:schemeClr val="bg1"/>
+              </a:solidFill>
+            </a:endParaRPr>
           </a:p>
           <a:p>
             <a:pPr marL="457200" lvl="1" indent="0">
               <a:buNone/>
             </a:pPr>
             <a:r>
-              <a:rPr lang="sr-Latn-RS" i="1" dirty="0" err="1"/>
+              <a:rPr lang="sr-Latn-RS" i="1" dirty="0" err="1">
+                <a:solidFill>
+                  <a:schemeClr val="bg1"/>
+                </a:solidFill>
+              </a:rPr>
               <a:t>SOAP-ENV:encodingStyle</a:t>
             </a:r>
             <a:r>
-              <a:rPr lang="sr-Latn-RS" i="1" dirty="0"/>
+              <a:rPr lang="sr-Latn-RS" i="1" dirty="0">
+                <a:solidFill>
+                  <a:schemeClr val="bg1"/>
+                </a:solidFill>
+              </a:rPr>
               <a:t>="http://schemas.xmlsoap.org/soap/encoding/"&gt;</a:t>
             </a:r>
-            <a:endParaRPr lang="en-US" dirty="0"/>
+            <a:endParaRPr lang="en-US" dirty="0">
+              <a:solidFill>
+                <a:schemeClr val="bg1"/>
+              </a:solidFill>
+            </a:endParaRPr>
           </a:p>
           <a:p>
             <a:pPr marL="457200" lvl="1" indent="0">
               <a:buNone/>
             </a:pPr>
             <a:r>
-              <a:rPr lang="sr-Latn-RS" i="1" dirty="0"/>
+              <a:rPr lang="sr-Latn-RS" i="1" dirty="0">
+                <a:solidFill>
+                  <a:schemeClr val="bg1"/>
+                </a:solidFill>
+              </a:rPr>
               <a:t>&lt;</a:t>
             </a:r>
             <a:r>
-              <a:rPr lang="sr-Latn-RS" i="1" dirty="0" err="1"/>
+              <a:rPr lang="sr-Latn-RS" i="1" dirty="0" err="1">
+                <a:solidFill>
+                  <a:schemeClr val="bg1"/>
+                </a:solidFill>
+              </a:rPr>
               <a:t>SOAP-ENV:Body</a:t>
             </a:r>
             <a:r>
-              <a:rPr lang="sr-Latn-RS" i="1" dirty="0"/>
+              <a:rPr lang="sr-Latn-RS" i="1" dirty="0">
+                <a:solidFill>
+                  <a:schemeClr val="bg1"/>
+                </a:solidFill>
+              </a:rPr>
               <a:t>&gt;</a:t>
             </a:r>
-            <a:endParaRPr lang="en-US" dirty="0"/>
+            <a:endParaRPr lang="en-US" dirty="0">
+              <a:solidFill>
+                <a:schemeClr val="bg1"/>
+              </a:solidFill>
+            </a:endParaRPr>
           </a:p>
           <a:p>
             <a:pPr marL="457200" lvl="1" indent="0">
               <a:buNone/>
             </a:pPr>
             <a:r>
-              <a:rPr lang="sr-Latn-RS" i="1" dirty="0" smtClean="0"/>
+              <a:rPr lang="sr-Latn-RS" i="1" dirty="0" smtClean="0">
+                <a:solidFill>
+                  <a:schemeClr val="bg1"/>
+                </a:solidFill>
+              </a:rPr>
               <a:t>	&lt;</a:t>
             </a:r>
             <a:r>
-              <a:rPr lang="sr-Latn-RS" i="1" dirty="0" err="1"/>
+              <a:rPr lang="sr-Latn-RS" i="1" dirty="0" err="1">
+                <a:solidFill>
+                  <a:schemeClr val="bg1"/>
+                </a:solidFill>
+              </a:rPr>
               <a:t>m:GetLastTradePrice</a:t>
             </a:r>
             <a:r>
-              <a:rPr lang="sr-Latn-RS" i="1" dirty="0"/>
+              <a:rPr lang="sr-Latn-RS" i="1" dirty="0">
+                <a:solidFill>
+                  <a:schemeClr val="bg1"/>
+                </a:solidFill>
+              </a:rPr>
               <a:t> </a:t>
             </a:r>
             <a:r>
-              <a:rPr lang="sr-Latn-RS" i="1" dirty="0" err="1"/>
+              <a:rPr lang="sr-Latn-RS" i="1" dirty="0" err="1">
+                <a:solidFill>
+                  <a:schemeClr val="bg1"/>
+                </a:solidFill>
+              </a:rPr>
               <a:t>xmlns:m</a:t>
             </a:r>
             <a:r>
-              <a:rPr lang="sr-Latn-RS" i="1" dirty="0"/>
+              <a:rPr lang="sr-Latn-RS" i="1" dirty="0">
+                <a:solidFill>
+                  <a:schemeClr val="bg1"/>
+                </a:solidFill>
+              </a:rPr>
               <a:t>="Some-URI"&gt;</a:t>
             </a:r>
-            <a:endParaRPr lang="en-US" dirty="0"/>
+            <a:endParaRPr lang="en-US" dirty="0">
+              <a:solidFill>
+                <a:schemeClr val="bg1"/>
+              </a:solidFill>
+            </a:endParaRPr>
           </a:p>
           <a:p>
             <a:pPr marL="457200" lvl="1" indent="0">
               <a:buNone/>
             </a:pPr>
             <a:r>
-              <a:rPr lang="sr-Latn-RS" i="1" dirty="0" smtClean="0"/>
+              <a:rPr lang="sr-Latn-RS" i="1" dirty="0" smtClean="0">
+                <a:solidFill>
+                  <a:schemeClr val="bg1"/>
+                </a:solidFill>
+              </a:rPr>
               <a:t>		&lt;</a:t>
             </a:r>
             <a:r>
-              <a:rPr lang="sr-Latn-RS" i="1" dirty="0" err="1"/>
+              <a:rPr lang="sr-Latn-RS" i="1" dirty="0" err="1">
+                <a:solidFill>
+                  <a:schemeClr val="bg1"/>
+                </a:solidFill>
+              </a:rPr>
               <a:t>symbol</a:t>
             </a:r>
             <a:r>
-              <a:rPr lang="sr-Latn-RS" i="1" dirty="0"/>
+              <a:rPr lang="sr-Latn-RS" i="1" dirty="0">
+                <a:solidFill>
+                  <a:schemeClr val="bg1"/>
+                </a:solidFill>
+              </a:rPr>
               <a:t>&gt;DIS&lt;/</a:t>
             </a:r>
             <a:r>
-              <a:rPr lang="sr-Latn-RS" i="1" dirty="0" err="1"/>
+              <a:rPr lang="sr-Latn-RS" i="1" dirty="0" err="1">
+                <a:solidFill>
+                  <a:schemeClr val="bg1"/>
+                </a:solidFill>
+              </a:rPr>
               <a:t>symbol</a:t>
             </a:r>
             <a:r>
-              <a:rPr lang="sr-Latn-RS" i="1" dirty="0"/>
+              <a:rPr lang="sr-Latn-RS" i="1" dirty="0">
+                <a:solidFill>
+                  <a:schemeClr val="bg1"/>
+                </a:solidFill>
+              </a:rPr>
               <a:t>&gt;</a:t>
             </a:r>
-            <a:endParaRPr lang="en-US" dirty="0"/>
+            <a:endParaRPr lang="en-US" dirty="0">
+              <a:solidFill>
+                <a:schemeClr val="bg1"/>
+              </a:solidFill>
+            </a:endParaRPr>
           </a:p>
           <a:p>
             <a:pPr marL="457200" lvl="1" indent="0">
               <a:buNone/>
             </a:pPr>
             <a:r>
-              <a:rPr lang="sr-Latn-RS" i="1" dirty="0" smtClean="0"/>
+              <a:rPr lang="sr-Latn-RS" i="1" dirty="0" smtClean="0">
+                <a:solidFill>
+                  <a:schemeClr val="bg1"/>
+                </a:solidFill>
+              </a:rPr>
               <a:t>	&lt;/</a:t>
             </a:r>
             <a:r>
-              <a:rPr lang="sr-Latn-RS" i="1" dirty="0" err="1"/>
+              <a:rPr lang="sr-Latn-RS" i="1" dirty="0" err="1">
+                <a:solidFill>
+                  <a:schemeClr val="bg1"/>
+                </a:solidFill>
+              </a:rPr>
               <a:t>m:GetLastTradePrice</a:t>
             </a:r>
             <a:r>
-              <a:rPr lang="sr-Latn-RS" i="1" dirty="0"/>
+              <a:rPr lang="sr-Latn-RS" i="1" dirty="0">
+                <a:solidFill>
+                  <a:schemeClr val="bg1"/>
+                </a:solidFill>
+              </a:rPr>
               <a:t>&gt;</a:t>
             </a:r>
-            <a:endParaRPr lang="en-US" dirty="0"/>
+            <a:endParaRPr lang="en-US" dirty="0">
+              <a:solidFill>
+                <a:schemeClr val="bg1"/>
+              </a:solidFill>
+            </a:endParaRPr>
           </a:p>
           <a:p>
             <a:pPr marL="457200" lvl="1" indent="0">
               <a:buNone/>
             </a:pPr>
             <a:r>
-              <a:rPr lang="sr-Latn-RS" i="1" dirty="0"/>
+              <a:rPr lang="sr-Latn-RS" i="1" dirty="0">
+                <a:solidFill>
+                  <a:schemeClr val="bg1"/>
+                </a:solidFill>
+              </a:rPr>
               <a:t>&lt;/</a:t>
             </a:r>
             <a:r>
-              <a:rPr lang="sr-Latn-RS" i="1" dirty="0" err="1"/>
+              <a:rPr lang="sr-Latn-RS" i="1" dirty="0" err="1">
+                <a:solidFill>
+                  <a:schemeClr val="bg1"/>
+                </a:solidFill>
+              </a:rPr>
               <a:t>SOAP-ENV:Body</a:t>
             </a:r>
             <a:r>
-              <a:rPr lang="sr-Latn-RS" i="1" dirty="0"/>
+              <a:rPr lang="sr-Latn-RS" i="1" dirty="0">
+                <a:solidFill>
+                  <a:schemeClr val="bg1"/>
+                </a:solidFill>
+              </a:rPr>
               <a:t>&gt;</a:t>
             </a:r>
-            <a:endParaRPr lang="en-US" dirty="0"/>
+            <a:endParaRPr lang="en-US" dirty="0">
+              <a:solidFill>
+                <a:schemeClr val="bg1"/>
+              </a:solidFill>
+            </a:endParaRPr>
           </a:p>
           <a:p>
             <a:pPr marL="457200" lvl="1" indent="0">
               <a:buNone/>
             </a:pPr>
             <a:r>
-              <a:rPr lang="sr-Latn-RS" i="1" dirty="0"/>
+              <a:rPr lang="sr-Latn-RS" i="1" dirty="0">
+                <a:solidFill>
+                  <a:schemeClr val="bg1"/>
+                </a:solidFill>
+              </a:rPr>
               <a:t>&lt;/</a:t>
             </a:r>
             <a:r>
-              <a:rPr lang="sr-Latn-RS" i="1" dirty="0" err="1"/>
+              <a:rPr lang="sr-Latn-RS" i="1" dirty="0" err="1">
+                <a:solidFill>
+                  <a:schemeClr val="bg1"/>
+                </a:solidFill>
+              </a:rPr>
               <a:t>SOAP-ENV:Envelope</a:t>
             </a:r>
             <a:r>
-              <a:rPr lang="sr-Latn-RS" i="1" dirty="0"/>
+              <a:rPr lang="sr-Latn-RS" i="1" dirty="0">
+                <a:solidFill>
+                  <a:schemeClr val="bg1"/>
+                </a:solidFill>
+              </a:rPr>
               <a:t>&gt;</a:t>
             </a:r>
-            <a:endParaRPr lang="en-US" dirty="0"/>
-          </a:p>
-          <a:p>
-            <a:endParaRPr lang="en-US" dirty="0"/>
+            <a:endParaRPr lang="en-US" dirty="0">
+              <a:solidFill>
+                <a:schemeClr val="bg1"/>
+              </a:solidFill>
+            </a:endParaRPr>
+          </a:p>
+          <a:p>
+            <a:endParaRPr lang="en-US" dirty="0">
+              <a:solidFill>
+                <a:schemeClr val="bg1"/>
+              </a:solidFill>
+            </a:endParaRPr>
           </a:p>
         </p:txBody>
       </p:sp>
@@ -18281,14 +19133,26 @@
           <a:lstStyle/>
           <a:p>
             <a:r>
-              <a:rPr lang="sr-Latn-RS" i="1" dirty="0" smtClean="0"/>
+              <a:rPr lang="sr-Latn-RS" i="1" dirty="0" smtClean="0">
+                <a:solidFill>
+                  <a:schemeClr val="bg1"/>
+                </a:solidFill>
+              </a:rPr>
               <a:t>SOA </a:t>
             </a:r>
             <a:r>
-              <a:rPr lang="sr-Latn-RS" dirty="0" smtClean="0"/>
+              <a:rPr lang="sr-Latn-RS" dirty="0" smtClean="0">
+                <a:solidFill>
+                  <a:schemeClr val="bg1"/>
+                </a:solidFill>
+              </a:rPr>
               <a:t>servisi</a:t>
             </a:r>
-            <a:endParaRPr lang="en-US" i="1" dirty="0"/>
+            <a:endParaRPr lang="en-US" i="1" dirty="0">
+              <a:solidFill>
+                <a:schemeClr val="bg1"/>
+              </a:solidFill>
+            </a:endParaRPr>
           </a:p>
         </p:txBody>
       </p:sp>
@@ -18308,50 +19172,94 @@
           <a:lstStyle/>
           <a:p>
             <a:r>
-              <a:rPr lang="sr-Latn-RS" dirty="0" smtClean="0"/>
+              <a:rPr lang="sr-Latn-RS" dirty="0" smtClean="0">
+                <a:solidFill>
+                  <a:schemeClr val="bg1"/>
+                </a:solidFill>
+              </a:rPr>
               <a:t>Definicija servisa</a:t>
             </a:r>
           </a:p>
           <a:p>
             <a:r>
-              <a:rPr lang="en-US" i="1" dirty="0" smtClean="0"/>
+              <a:rPr lang="en-US" i="1" dirty="0" smtClean="0">
+                <a:solidFill>
+                  <a:schemeClr val="bg1"/>
+                </a:solidFill>
+              </a:rPr>
               <a:t>Web Service Description Language</a:t>
             </a:r>
-            <a:endParaRPr lang="sr-Latn-RS" i="1" dirty="0" smtClean="0"/>
-          </a:p>
-          <a:p>
-            <a:r>
-              <a:rPr lang="sr-Latn-RS" dirty="0" smtClean="0"/>
+            <a:endParaRPr lang="sr-Latn-RS" i="1" dirty="0" smtClean="0">
+              <a:solidFill>
+                <a:schemeClr val="bg1"/>
+              </a:solidFill>
+            </a:endParaRPr>
+          </a:p>
+          <a:p>
+            <a:r>
+              <a:rPr lang="sr-Latn-RS" dirty="0" smtClean="0">
+                <a:solidFill>
+                  <a:schemeClr val="bg1"/>
+                </a:solidFill>
+              </a:rPr>
               <a:t>Veb servisi i </a:t>
             </a:r>
             <a:r>
-              <a:rPr lang="sr-Latn-RS" i="1" dirty="0" smtClean="0"/>
+              <a:rPr lang="sr-Latn-RS" i="1" dirty="0" smtClean="0">
+                <a:solidFill>
+                  <a:schemeClr val="bg1"/>
+                </a:solidFill>
+              </a:rPr>
               <a:t>WCF </a:t>
             </a:r>
             <a:r>
-              <a:rPr lang="sr-Latn-RS" dirty="0" smtClean="0"/>
+              <a:rPr lang="sr-Latn-RS" dirty="0" smtClean="0">
+                <a:solidFill>
+                  <a:schemeClr val="bg1"/>
+                </a:solidFill>
+              </a:rPr>
               <a:t>servisi</a:t>
             </a:r>
           </a:p>
           <a:p>
             <a:r>
-              <a:rPr lang="sr-Latn-RS" dirty="0" smtClean="0"/>
+              <a:rPr lang="sr-Latn-RS" dirty="0" smtClean="0">
+                <a:solidFill>
+                  <a:schemeClr val="bg1"/>
+                </a:solidFill>
+              </a:rPr>
               <a:t>Poređenje </a:t>
             </a:r>
             <a:r>
-              <a:rPr lang="sr-Latn-RS" i="1" dirty="0" smtClean="0"/>
+              <a:rPr lang="sr-Latn-RS" i="1" dirty="0" smtClean="0">
+                <a:solidFill>
+                  <a:schemeClr val="bg1"/>
+                </a:solidFill>
+              </a:rPr>
               <a:t>SOAP </a:t>
             </a:r>
             <a:r>
-              <a:rPr lang="sr-Latn-RS" dirty="0" smtClean="0"/>
+              <a:rPr lang="sr-Latn-RS" dirty="0" smtClean="0">
+                <a:solidFill>
+                  <a:schemeClr val="bg1"/>
+                </a:solidFill>
+              </a:rPr>
               <a:t>i </a:t>
             </a:r>
             <a:r>
-              <a:rPr lang="sr-Latn-RS" i="1" dirty="0" smtClean="0"/>
+              <a:rPr lang="sr-Latn-RS" i="1" dirty="0" smtClean="0">
+                <a:solidFill>
+                  <a:schemeClr val="bg1"/>
+                </a:solidFill>
+              </a:rPr>
               <a:t>REST </a:t>
             </a:r>
             <a:r>
-              <a:rPr lang="sr-Latn-RS" dirty="0" smtClean="0"/>
+              <a:rPr lang="sr-Latn-RS" dirty="0" smtClean="0">
+                <a:solidFill>
+                  <a:schemeClr val="bg1"/>
+                </a:solidFill>
+              </a:rPr>
               <a:t>protokola</a:t>
             </a:r>
           </a:p>
@@ -18359,7 +19267,11 @@
             <a:pPr marL="0" indent="0">
               <a:buNone/>
             </a:pPr>
-            <a:endParaRPr lang="en-US" i="1" dirty="0"/>
+            <a:endParaRPr lang="en-US" i="1" dirty="0">
+              <a:solidFill>
+                <a:schemeClr val="bg1"/>
+              </a:solidFill>
+            </a:endParaRPr>
           </a:p>
         </p:txBody>
       </p:sp>
@@ -18764,22 +19676,42 @@
           <a:lstStyle/>
           <a:p>
             <a:r>
-              <a:rPr lang="sr-Latn-RS" dirty="0" smtClean="0"/>
+              <a:rPr lang="sr-Latn-RS" dirty="0" smtClean="0">
+                <a:solidFill>
+                  <a:schemeClr val="bg1"/>
+                </a:solidFill>
+              </a:rPr>
               <a:t>Osnovni koncepti i namena </a:t>
             </a:r>
             <a:r>
-              <a:rPr lang="sr-Latn-RS" i="1" dirty="0" err="1" smtClean="0"/>
+              <a:rPr lang="sr-Latn-RS" i="1" dirty="0" err="1" smtClean="0">
+                <a:solidFill>
+                  <a:schemeClr val="bg1"/>
+                </a:solidFill>
+              </a:rPr>
               <a:t>biztalk</a:t>
             </a:r>
             <a:r>
-              <a:rPr lang="sr-Latn-RS" i="1" dirty="0" smtClean="0"/>
+              <a:rPr lang="sr-Latn-RS" i="1" dirty="0" smtClean="0">
+                <a:solidFill>
+                  <a:schemeClr val="bg1"/>
+                </a:solidFill>
+              </a:rPr>
               <a:t> </a:t>
             </a:r>
             <a:r>
-              <a:rPr lang="sr-Latn-RS" dirty="0" smtClean="0"/>
+              <a:rPr lang="sr-Latn-RS" dirty="0" smtClean="0">
+                <a:solidFill>
+                  <a:schemeClr val="bg1"/>
+                </a:solidFill>
+              </a:rPr>
               <a:t>servera</a:t>
             </a:r>
-            <a:endParaRPr lang="en-US" dirty="0"/>
+            <a:endParaRPr lang="en-US" dirty="0">
+              <a:solidFill>
+                <a:schemeClr val="bg1"/>
+              </a:solidFill>
+            </a:endParaRPr>
           </a:p>
         </p:txBody>
       </p:sp>
@@ -18994,22 +19926,42 @@
           <a:lstStyle/>
           <a:p>
             <a:r>
-              <a:rPr lang="sr-Latn-RS" dirty="0" smtClean="0"/>
+              <a:rPr lang="sr-Latn-RS" dirty="0" smtClean="0">
+                <a:solidFill>
+                  <a:schemeClr val="bg1"/>
+                </a:solidFill>
+              </a:rPr>
               <a:t>Arhitektura </a:t>
             </a:r>
             <a:r>
-              <a:rPr lang="sr-Latn-RS" i="1" dirty="0" err="1" smtClean="0"/>
+              <a:rPr lang="sr-Latn-RS" i="1" dirty="0" err="1" smtClean="0">
+                <a:solidFill>
+                  <a:schemeClr val="bg1"/>
+                </a:solidFill>
+              </a:rPr>
               <a:t>biztalk</a:t>
             </a:r>
             <a:r>
-              <a:rPr lang="sr-Latn-RS" i="1" dirty="0" smtClean="0"/>
+              <a:rPr lang="sr-Latn-RS" i="1" dirty="0" smtClean="0">
+                <a:solidFill>
+                  <a:schemeClr val="bg1"/>
+                </a:solidFill>
+              </a:rPr>
               <a:t> </a:t>
             </a:r>
             <a:r>
-              <a:rPr lang="sr-Latn-RS" dirty="0" smtClean="0"/>
+              <a:rPr lang="sr-Latn-RS" dirty="0" smtClean="0">
+                <a:solidFill>
+                  <a:schemeClr val="bg1"/>
+                </a:solidFill>
+              </a:rPr>
               <a:t>servera</a:t>
             </a:r>
-            <a:endParaRPr lang="en-US" dirty="0"/>
+            <a:endParaRPr lang="en-US" dirty="0">
+              <a:solidFill>
+                <a:schemeClr val="bg1"/>
+              </a:solidFill>
+            </a:endParaRPr>
           </a:p>
         </p:txBody>
       </p:sp>
@@ -19234,7 +20186,7 @@
     </a:clrScheme>
     <a:fontScheme name="Circuit">
       <a:majorFont>
-        <a:latin typeface="Tw Cen MT" panose="020B0602020104020603"/>
+        <a:latin typeface="Tw Cen MT"/>
         <a:ea typeface=""/>
         <a:cs typeface=""/>
         <a:font script="Jpan" typeface="ＭＳ Ｐゴシック"/>
@@ -19269,7 +20221,7 @@
         <a:font script="Geor" typeface="Sylfaen"/>
       </a:majorFont>
       <a:minorFont>
-        <a:latin typeface="Tw Cen MT" panose="020B0602020104020603"/>
+        <a:latin typeface="Tw Cen MT"/>
         <a:ea typeface=""/>
         <a:cs typeface=""/>
         <a:font script="Jpan" typeface="ＭＳ Ｐゴシック"/>
@@ -19436,7 +20388,7 @@
   <a:extraClrSchemeLst/>
   <a:extLst>
     <a:ext uri="{05A4C25C-085E-4340-85A3-A5531E510DB2}">
-      <thm15:themeFamily xmlns:thm15="http://schemas.microsoft.com/office/thememl/2012/main" name="Circuit" id="{0AC2F7E7-15F5-431C-B2A2-456FE929F56C}" vid="{0911B802-464C-4241-8DD9-B60FF88E379F}"/>
+      <thm15:themeFamily xmlns:thm15="http://schemas.microsoft.com/office/thememl/2012/main" xmlns="" name="Circuit" id="{0AC2F7E7-15F5-431C-B2A2-456FE929F56C}" vid="{0911B802-464C-4241-8DD9-B60FF88E379F}"/>
     </a:ext>
   </a:extLst>
 </a:theme>

--- a/Prezentacija.pptx
+++ b/Prezentacija.pptx
@@ -121,7 +121,18 @@
   </p:defaultTextStyle>
   <p:extLst>
     <p:ext uri="{EFAFB233-063F-42B5-8137-9DF3F51BA10A}">
-      <p15:sldGuideLst xmlns:p15="http://schemas.microsoft.com/office/powerpoint/2012/main" xmlns=""/>
+      <p15:sldGuideLst xmlns:p15="http://schemas.microsoft.com/office/powerpoint/2012/main">
+        <p15:guide id="1" orient="horz" pos="2160">
+          <p15:clr>
+            <a:srgbClr val="A4A3A4"/>
+          </p15:clr>
+        </p15:guide>
+        <p15:guide id="2" pos="3840">
+          <p15:clr>
+            <a:srgbClr val="A4A3A4"/>
+          </p15:clr>
+        </p15:guide>
+      </p15:sldGuideLst>
     </p:ext>
   </p:extLst>
 </p:presentation>
@@ -4403,7 +4414,7 @@
           <a:p>
             <a:fld id="{48A87A34-81AB-432B-8DAE-1953F412C126}" type="datetimeFigureOut">
               <a:rPr lang="en-US" dirty="0"/>
-              <a:t>9/27/2017</a:t>
+              <a:t>9/28/2017</a:t>
             </a:fld>
             <a:endParaRPr lang="en-US" dirty="0"/>
           </a:p>
@@ -4677,7 +4688,7 @@
           <a:p>
             <a:fld id="{48A87A34-81AB-432B-8DAE-1953F412C126}" type="datetimeFigureOut">
               <a:rPr lang="en-US" dirty="0"/>
-              <a:t>9/27/2017</a:t>
+              <a:t>9/28/2017</a:t>
             </a:fld>
             <a:endParaRPr lang="en-US" dirty="0"/>
           </a:p>
@@ -4880,7 +4891,7 @@
           <a:p>
             <a:fld id="{48A87A34-81AB-432B-8DAE-1953F412C126}" type="datetimeFigureOut">
               <a:rPr lang="en-US" dirty="0"/>
-              <a:t>9/27/2017</a:t>
+              <a:t>9/28/2017</a:t>
             </a:fld>
             <a:endParaRPr lang="en-US" dirty="0"/>
           </a:p>
@@ -5150,7 +5161,7 @@
           <a:p>
             <a:fld id="{48A87A34-81AB-432B-8DAE-1953F412C126}" type="datetimeFigureOut">
               <a:rPr lang="en-US" dirty="0"/>
-              <a:t>9/27/2017</a:t>
+              <a:t>9/28/2017</a:t>
             </a:fld>
             <a:endParaRPr lang="en-US" dirty="0"/>
           </a:p>
@@ -5591,7 +5602,7 @@
           <a:p>
             <a:fld id="{48A87A34-81AB-432B-8DAE-1953F412C126}" type="datetimeFigureOut">
               <a:rPr lang="en-US" dirty="0"/>
-              <a:t>9/27/2017</a:t>
+              <a:t>9/28/2017</a:t>
             </a:fld>
             <a:endParaRPr lang="en-US" dirty="0"/>
           </a:p>
@@ -6144,7 +6155,7 @@
           <a:p>
             <a:fld id="{48A87A34-81AB-432B-8DAE-1953F412C126}" type="datetimeFigureOut">
               <a:rPr lang="en-US" dirty="0"/>
-              <a:t>9/27/2017</a:t>
+              <a:t>9/28/2017</a:t>
             </a:fld>
             <a:endParaRPr lang="en-US" dirty="0"/>
           </a:p>
@@ -6871,7 +6882,7 @@
           <a:p>
             <a:fld id="{48A87A34-81AB-432B-8DAE-1953F412C126}" type="datetimeFigureOut">
               <a:rPr lang="en-US" dirty="0"/>
-              <a:t>9/27/2017</a:t>
+              <a:t>9/28/2017</a:t>
             </a:fld>
             <a:endParaRPr lang="en-US" dirty="0"/>
           </a:p>
@@ -7048,7 +7059,7 @@
           <a:p>
             <a:fld id="{48A87A34-81AB-432B-8DAE-1953F412C126}" type="datetimeFigureOut">
               <a:rPr lang="en-US" dirty="0"/>
-              <a:t>9/27/2017</a:t>
+              <a:t>9/28/2017</a:t>
             </a:fld>
             <a:endParaRPr lang="en-US" dirty="0"/>
           </a:p>
@@ -7235,7 +7246,7 @@
           <a:p>
             <a:fld id="{48A87A34-81AB-432B-8DAE-1953F412C126}" type="datetimeFigureOut">
               <a:rPr lang="en-US" dirty="0"/>
-              <a:t>9/27/2017</a:t>
+              <a:t>9/28/2017</a:t>
             </a:fld>
             <a:endParaRPr lang="en-US" dirty="0"/>
           </a:p>
@@ -7412,7 +7423,7 @@
           <a:p>
             <a:fld id="{48A87A34-81AB-432B-8DAE-1953F412C126}" type="datetimeFigureOut">
               <a:rPr lang="en-US" dirty="0"/>
-              <a:t>9/27/2017</a:t>
+              <a:t>9/28/2017</a:t>
             </a:fld>
             <a:endParaRPr lang="en-US" dirty="0"/>
           </a:p>
@@ -7669,7 +7680,7 @@
           <a:p>
             <a:fld id="{48A87A34-81AB-432B-8DAE-1953F412C126}" type="datetimeFigureOut">
               <a:rPr lang="en-US" dirty="0"/>
-              <a:t>9/27/2017</a:t>
+              <a:t>9/28/2017</a:t>
             </a:fld>
             <a:endParaRPr lang="en-US" dirty="0"/>
           </a:p>
@@ -7908,7 +7919,7 @@
           <a:p>
             <a:fld id="{48A87A34-81AB-432B-8DAE-1953F412C126}" type="datetimeFigureOut">
               <a:rPr lang="en-US" dirty="0"/>
-              <a:t>9/27/2017</a:t>
+              <a:t>9/28/2017</a:t>
             </a:fld>
             <a:endParaRPr lang="en-US" dirty="0"/>
           </a:p>
@@ -8296,7 +8307,7 @@
           <a:p>
             <a:fld id="{48A87A34-81AB-432B-8DAE-1953F412C126}" type="datetimeFigureOut">
               <a:rPr lang="en-US" dirty="0"/>
-              <a:t>9/27/2017</a:t>
+              <a:t>9/28/2017</a:t>
             </a:fld>
             <a:endParaRPr lang="en-US" dirty="0"/>
           </a:p>
@@ -8421,7 +8432,7 @@
           <a:p>
             <a:fld id="{48A87A34-81AB-432B-8DAE-1953F412C126}" type="datetimeFigureOut">
               <a:rPr lang="en-US" dirty="0"/>
-              <a:t>9/27/2017</a:t>
+              <a:t>9/28/2017</a:t>
             </a:fld>
             <a:endParaRPr lang="en-US" dirty="0"/>
           </a:p>
@@ -8523,7 +8534,7 @@
           <a:p>
             <a:fld id="{48A87A34-81AB-432B-8DAE-1953F412C126}" type="datetimeFigureOut">
               <a:rPr lang="en-US" dirty="0"/>
-              <a:t>9/27/2017</a:t>
+              <a:t>9/28/2017</a:t>
             </a:fld>
             <a:endParaRPr lang="en-US" dirty="0"/>
           </a:p>
@@ -8779,7 +8790,7 @@
           <a:p>
             <a:fld id="{48A87A34-81AB-432B-8DAE-1953F412C126}" type="datetimeFigureOut">
               <a:rPr lang="en-US" dirty="0"/>
-              <a:t>9/27/2017</a:t>
+              <a:t>9/28/2017</a:t>
             </a:fld>
             <a:endParaRPr lang="en-US" dirty="0"/>
           </a:p>
@@ -9066,7 +9077,7 @@
           <a:p>
             <a:fld id="{48A87A34-81AB-432B-8DAE-1953F412C126}" type="datetimeFigureOut">
               <a:rPr lang="en-US" dirty="0"/>
-              <a:t>9/27/2017</a:t>
+              <a:t>9/28/2017</a:t>
             </a:fld>
             <a:endParaRPr lang="en-US" dirty="0"/>
           </a:p>
@@ -12151,7 +12162,7 @@
             <a:fld id="{48A87A34-81AB-432B-8DAE-1953F412C126}" type="datetimeFigureOut">
               <a:rPr lang="en-US" dirty="0"/>
               <a:pPr/>
-              <a:t>9/27/2017</a:t>
+              <a:t>9/28/2017</a:t>
             </a:fld>
             <a:endParaRPr lang="en-US" dirty="0"/>
           </a:p>
@@ -12769,15 +12780,7 @@
                   <a:schemeClr val="bg1"/>
                 </a:solidFill>
               </a:rPr>
-              <a:t>Mentor: </a:t>
-            </a:r>
-            <a:r>
-              <a:rPr lang="sr-Latn-RS" dirty="0" smtClean="0">
-                <a:solidFill>
-                  <a:schemeClr val="bg1"/>
-                </a:solidFill>
-              </a:rPr>
-              <a:t>prof</a:t>
+              <a:t>Mentor: prof</a:t>
             </a:r>
             <a:r>
               <a:rPr lang="en-US" smtClean="0">
@@ -15301,15 +15304,7 @@
                   <a:schemeClr val="bg1"/>
                 </a:solidFill>
               </a:rPr>
-              <a:t>Mentor: </a:t>
-            </a:r>
-            <a:r>
-              <a:rPr lang="sr-Latn-RS" dirty="0" smtClean="0">
-                <a:solidFill>
-                  <a:schemeClr val="bg1"/>
-                </a:solidFill>
-              </a:rPr>
-              <a:t>prof</a:t>
+              <a:t>Mentor: prof</a:t>
             </a:r>
             <a:r>
               <a:rPr lang="en-US" dirty="0" smtClean="0">
@@ -15325,15 +15320,7 @@
                   <a:schemeClr val="bg1"/>
                 </a:solidFill>
               </a:rPr>
-              <a:t> </a:t>
-            </a:r>
-            <a:r>
-              <a:rPr lang="sr-Latn-RS" dirty="0" smtClean="0">
-                <a:solidFill>
-                  <a:schemeClr val="bg1"/>
-                </a:solidFill>
-              </a:rPr>
-              <a:t>dr Slađan babarogić</a:t>
+              <a:t> dr Slađan babarogić</a:t>
             </a:r>
             <a:endParaRPr lang="en-US" dirty="0">
               <a:solidFill>
@@ -19223,15 +19210,7 @@
           </a:p>
           <a:p>
             <a:r>
-              <a:rPr lang="sr-Latn-RS" dirty="0" smtClean="0">
-                <a:solidFill>
-                  <a:schemeClr val="bg1"/>
-                </a:solidFill>
-              </a:rPr>
-              <a:t>Poređenje </a:t>
-            </a:r>
-            <a:r>
-              <a:rPr lang="sr-Latn-RS" i="1" dirty="0" smtClean="0">
+              <a:rPr lang="sr-Latn-RS" i="1" smtClean="0">
                 <a:solidFill>
                   <a:schemeClr val="bg1"/>
                 </a:solidFill>
@@ -19239,7 +19218,7 @@
               <a:t>SOAP </a:t>
             </a:r>
             <a:r>
-              <a:rPr lang="sr-Latn-RS" dirty="0" smtClean="0">
+              <a:rPr lang="sr-Latn-RS" smtClean="0">
                 <a:solidFill>
                   <a:schemeClr val="bg1"/>
                 </a:solidFill>
@@ -19247,21 +19226,18 @@
               <a:t>i </a:t>
             </a:r>
             <a:r>
-              <a:rPr lang="sr-Latn-RS" i="1" dirty="0" smtClean="0">
+              <a:rPr lang="sr-Latn-RS" i="1" smtClean="0">
                 <a:solidFill>
                   <a:schemeClr val="bg1"/>
                 </a:solidFill>
               </a:rPr>
-              <a:t>REST </a:t>
-            </a:r>
-            <a:r>
-              <a:rPr lang="sr-Latn-RS" dirty="0" smtClean="0">
-                <a:solidFill>
-                  <a:schemeClr val="bg1"/>
-                </a:solidFill>
-              </a:rPr>
-              <a:t>protokola</a:t>
-            </a:r>
+              <a:t>REST</a:t>
+            </a:r>
+            <a:endParaRPr lang="sr-Latn-RS" dirty="0" smtClean="0">
+              <a:solidFill>
+                <a:schemeClr val="bg1"/>
+              </a:solidFill>
+            </a:endParaRPr>
           </a:p>
           <a:p>
             <a:pPr marL="0" indent="0">
@@ -20388,7 +20364,7 @@
   <a:extraClrSchemeLst/>
   <a:extLst>
     <a:ext uri="{05A4C25C-085E-4340-85A3-A5531E510DB2}">
-      <thm15:themeFamily xmlns:thm15="http://schemas.microsoft.com/office/thememl/2012/main" xmlns="" name="Circuit" id="{0AC2F7E7-15F5-431C-B2A2-456FE929F56C}" vid="{0911B802-464C-4241-8DD9-B60FF88E379F}"/>
+      <thm15:themeFamily xmlns:thm15="http://schemas.microsoft.com/office/thememl/2012/main" name="Circuit" id="{0AC2F7E7-15F5-431C-B2A2-456FE929F56C}" vid="{0911B802-464C-4241-8DD9-B60FF88E379F}"/>
     </a:ext>
   </a:extLst>
 </a:theme>
